--- a/Gestão Pet Shop.pptx
+++ b/Gestão Pet Shop.pptx
@@ -9,6 +9,7 @@
     <p:sldId id="257" r:id="rId3"/>
     <p:sldId id="258" r:id="rId4"/>
     <p:sldId id="259" r:id="rId5"/>
+    <p:sldId id="260" r:id="rId6"/>
   </p:sldIdLst>
   <p:sldSz cx="12192000" cy="6858000"/>
   <p:notesSz cx="6858000" cy="9144000"/>
@@ -107,6 +108,11 @@
       </a:defRPr>
     </a:lvl9pPr>
   </p:defaultTextStyle>
+  <p:extLst>
+    <p:ext uri="{EFAFB233-063F-42B5-8137-9DF3F51BA10A}">
+      <p15:sldGuideLst xmlns:p15="http://schemas.microsoft.com/office/powerpoint/2012/main"/>
+    </p:ext>
+  </p:extLst>
 </p:presentation>
 </file>
 
@@ -5755,8 +5761,8 @@
         </p:nvSpPr>
         <p:spPr>
           <a:xfrm>
-            <a:off x="0" y="1803405"/>
-            <a:ext cx="12192000" cy="1825096"/>
+            <a:off x="0" y="1571222"/>
+            <a:ext cx="12192000" cy="1014090"/>
           </a:xfrm>
         </p:spPr>
         <p:txBody>
@@ -5809,6 +5815,43 @@
           </a:prstGeom>
         </p:spPr>
       </p:pic>
+      <p:sp>
+        <p:nvSpPr>
+          <p:cNvPr id="3" name="CaixaDeTexto 2"/>
+          <p:cNvSpPr txBox="1"/>
+          <p:nvPr/>
+        </p:nvSpPr>
+        <p:spPr>
+          <a:xfrm>
+            <a:off x="0" y="3142445"/>
+            <a:ext cx="12192000" cy="461665"/>
+          </a:xfrm>
+          <a:prstGeom prst="rect">
+            <a:avLst/>
+          </a:prstGeom>
+          <a:noFill/>
+        </p:spPr>
+        <p:txBody>
+          <a:bodyPr wrap="square" rtlCol="0">
+            <a:spAutoFit/>
+          </a:bodyPr>
+          <a:lstStyle/>
+          <a:p>
+            <a:pPr algn="ctr"/>
+            <a:r>
+              <a:rPr lang="pt-BR" sz="2400" dirty="0" smtClean="0">
+                <a:latin typeface="Arial" panose="020B0604020202020204" pitchFamily="34" charset="0"/>
+                <a:cs typeface="Arial" panose="020B0604020202020204" pitchFamily="34" charset="0"/>
+              </a:rPr>
+              <a:t>Dev.: Dimas – Givaldo – Milena - Railson</a:t>
+            </a:r>
+            <a:endParaRPr lang="pt-BR" sz="2400" dirty="0">
+              <a:latin typeface="Arial" panose="020B0604020202020204" pitchFamily="34" charset="0"/>
+              <a:cs typeface="Arial" panose="020B0604020202020204" pitchFamily="34" charset="0"/>
+            </a:endParaRPr>
+          </a:p>
+        </p:txBody>
+      </p:sp>
     </p:spTree>
     <p:extLst>
       <p:ext uri="{BB962C8B-B14F-4D97-AF65-F5344CB8AC3E}">
@@ -6292,7 +6335,15 @@
             </a:r>
             <a:r>
               <a:rPr lang="pt-BR" sz="3200" dirty="0"/>
-              <a:t>projeto principal é criar um sistema de Gestão de PET abrangendo as diferentes áreas da empresa (financeiro, vendas, estoque, serviços, gerenciais, pessoal e outros), que tenha acesso pela internet;</a:t>
+              <a:t>projeto principal é criar um sistema de Gestão de PET abrangendo as diferentes áreas da empresa </a:t>
+            </a:r>
+            <a:r>
+              <a:rPr lang="pt-BR" sz="3200" dirty="0" smtClean="0"/>
+              <a:t>como (financeiro</a:t>
+            </a:r>
+            <a:r>
+              <a:rPr lang="pt-BR" sz="3200" dirty="0"/>
+              <a:t>, vendas, estoque, serviços, gerenciais, pessoal e outros), que tenha acesso pela internet;</a:t>
             </a:r>
           </a:p>
           <a:p>
@@ -6342,6 +6393,74 @@
     <p:extLst>
       <p:ext uri="{BB962C8B-B14F-4D97-AF65-F5344CB8AC3E}">
         <p14:creationId xmlns:p14="http://schemas.microsoft.com/office/powerpoint/2010/main" val="3575735402"/>
+      </p:ext>
+    </p:extLst>
+  </p:cSld>
+  <p:clrMapOvr>
+    <a:masterClrMapping/>
+  </p:clrMapOvr>
+</p:sld>
+</file>
+
+<file path=ppt/slides/slide5.xml><?xml version="1.0" encoding="utf-8"?>
+<p:sld xmlns:a="http://schemas.openxmlformats.org/drawingml/2006/main" xmlns:r="http://schemas.openxmlformats.org/officeDocument/2006/relationships" xmlns:p="http://schemas.openxmlformats.org/presentationml/2006/main">
+  <p:cSld>
+    <p:spTree>
+      <p:nvGrpSpPr>
+        <p:cNvPr id="1" name=""/>
+        <p:cNvGrpSpPr/>
+        <p:nvPr/>
+      </p:nvGrpSpPr>
+      <p:grpSpPr>
+        <a:xfrm>
+          <a:off x="0" y="0"/>
+          <a:ext cx="0" cy="0"/>
+          <a:chOff x="0" y="0"/>
+          <a:chExt cx="0" cy="0"/>
+        </a:xfrm>
+      </p:grpSpPr>
+      <p:sp>
+        <p:nvSpPr>
+          <p:cNvPr id="2" name="Título 1"/>
+          <p:cNvSpPr>
+            <a:spLocks noGrp="1"/>
+          </p:cNvSpPr>
+          <p:nvPr>
+            <p:ph type="title"/>
+          </p:nvPr>
+        </p:nvSpPr>
+        <p:spPr/>
+        <p:txBody>
+          <a:bodyPr/>
+          <a:lstStyle/>
+          <a:p>
+            <a:endParaRPr lang="pt-BR"/>
+          </a:p>
+        </p:txBody>
+      </p:sp>
+      <p:sp>
+        <p:nvSpPr>
+          <p:cNvPr id="3" name="Espaço Reservado para Conteúdo 2"/>
+          <p:cNvSpPr>
+            <a:spLocks noGrp="1"/>
+          </p:cNvSpPr>
+          <p:nvPr>
+            <p:ph idx="1"/>
+          </p:nvPr>
+        </p:nvSpPr>
+        <p:spPr/>
+        <p:txBody>
+          <a:bodyPr/>
+          <a:lstStyle/>
+          <a:p>
+            <a:endParaRPr lang="pt-BR" dirty="0"/>
+          </a:p>
+        </p:txBody>
+      </p:sp>
+    </p:spTree>
+    <p:extLst>
+      <p:ext uri="{BB962C8B-B14F-4D97-AF65-F5344CB8AC3E}">
+        <p14:creationId xmlns:p14="http://schemas.microsoft.com/office/powerpoint/2010/main" val="3174053767"/>
       </p:ext>
     </p:extLst>
   </p:cSld>

--- a/Gestão Pet Shop.pptx
+++ b/Gestão Pet Shop.pptx
@@ -5862,6 +5862,25 @@
   <p:clrMapOvr>
     <a:masterClrMapping/>
   </p:clrMapOvr>
+  <mc:AlternateContent xmlns:mc="http://schemas.openxmlformats.org/markup-compatibility/2006">
+    <mc:Choice xmlns:p14="http://schemas.microsoft.com/office/powerpoint/2010/main" Requires="p14">
+      <p:transition spd="med" p14:dur="700">
+        <p:fade/>
+      </p:transition>
+    </mc:Choice>
+    <mc:Fallback>
+      <p:transition spd="med">
+        <p:fade/>
+      </p:transition>
+    </mc:Fallback>
+  </mc:AlternateContent>
+  <p:timing>
+    <p:tnLst>
+      <p:par>
+        <p:cTn id="1" dur="indefinite" restart="never" nodeType="tmRoot"/>
+      </p:par>
+    </p:tnLst>
+  </p:timing>
 </p:sld>
 </file>
 
@@ -5929,8 +5948,8 @@
         </p:nvSpPr>
         <p:spPr>
           <a:xfrm>
-            <a:off x="838200" y="2386147"/>
-            <a:ext cx="5715037" cy="3460861"/>
+            <a:off x="534287" y="2360390"/>
+            <a:ext cx="5715037" cy="1374484"/>
           </a:xfrm>
         </p:spPr>
         <p:txBody>
@@ -5951,79 +5970,7 @@
                 <a:latin typeface="Arial" panose="020B0604020202020204" pitchFamily="34" charset="0"/>
                 <a:cs typeface="Arial" panose="020B0604020202020204" pitchFamily="34" charset="0"/>
               </a:rPr>
-              <a:t>brasileiro.</a:t>
-            </a:r>
-          </a:p>
-          <a:p>
-            <a:endParaRPr lang="pt-BR" dirty="0" smtClean="0">
-              <a:latin typeface="Arial" panose="020B0604020202020204" pitchFamily="34" charset="0"/>
-              <a:cs typeface="Arial" panose="020B0604020202020204" pitchFamily="34" charset="0"/>
-            </a:endParaRPr>
-          </a:p>
-          <a:p>
-            <a:r>
-              <a:rPr lang="pt-BR" dirty="0" smtClean="0">
-                <a:latin typeface="Arial" panose="020B0604020202020204" pitchFamily="34" charset="0"/>
-                <a:cs typeface="Arial" panose="020B0604020202020204" pitchFamily="34" charset="0"/>
-              </a:rPr>
-              <a:t> Com </a:t>
-            </a:r>
-            <a:r>
-              <a:rPr lang="pt-BR" dirty="0">
-                <a:latin typeface="Arial" panose="020B0604020202020204" pitchFamily="34" charset="0"/>
-                <a:cs typeface="Arial" panose="020B0604020202020204" pitchFamily="34" charset="0"/>
-              </a:rPr>
-              <a:t>crescimento de </a:t>
-            </a:r>
-            <a:r>
-              <a:rPr lang="pt-BR" dirty="0" smtClean="0">
-                <a:latin typeface="Arial" panose="020B0604020202020204" pitchFamily="34" charset="0"/>
-                <a:cs typeface="Arial" panose="020B0604020202020204" pitchFamily="34" charset="0"/>
-              </a:rPr>
-              <a:t>14% </a:t>
-            </a:r>
-            <a:r>
-              <a:rPr lang="pt-BR" dirty="0">
-                <a:latin typeface="Arial" panose="020B0604020202020204" pitchFamily="34" charset="0"/>
-                <a:cs typeface="Arial" panose="020B0604020202020204" pitchFamily="34" charset="0"/>
-              </a:rPr>
-              <a:t>em 2022 comparado com </a:t>
-            </a:r>
-            <a:r>
-              <a:rPr lang="pt-BR" dirty="0" smtClean="0">
-                <a:latin typeface="Arial" panose="020B0604020202020204" pitchFamily="34" charset="0"/>
-                <a:cs typeface="Arial" panose="020B0604020202020204" pitchFamily="34" charset="0"/>
-              </a:rPr>
-              <a:t>2021.</a:t>
-            </a:r>
-          </a:p>
-          <a:p>
-            <a:endParaRPr lang="pt-BR" dirty="0" smtClean="0">
-              <a:latin typeface="Arial" panose="020B0604020202020204" pitchFamily="34" charset="0"/>
-              <a:cs typeface="Arial" panose="020B0604020202020204" pitchFamily="34" charset="0"/>
-            </a:endParaRPr>
-          </a:p>
-          <a:p>
-            <a:r>
-              <a:rPr lang="pt-BR" dirty="0">
-                <a:latin typeface="Arial" panose="020B0604020202020204" pitchFamily="34" charset="0"/>
-                <a:cs typeface="Arial" panose="020B0604020202020204" pitchFamily="34" charset="0"/>
-              </a:rPr>
-              <a:t>Movimentando </a:t>
-            </a:r>
-            <a:r>
-              <a:rPr lang="pt-BR" dirty="0" smtClean="0">
-                <a:latin typeface="Arial" panose="020B0604020202020204" pitchFamily="34" charset="0"/>
-                <a:cs typeface="Arial" panose="020B0604020202020204" pitchFamily="34" charset="0"/>
-              </a:rPr>
-              <a:t>58,9 </a:t>
-            </a:r>
-            <a:r>
-              <a:rPr lang="pt-BR" dirty="0">
-                <a:latin typeface="Arial" panose="020B0604020202020204" pitchFamily="34" charset="0"/>
-                <a:cs typeface="Arial" panose="020B0604020202020204" pitchFamily="34" charset="0"/>
-              </a:rPr>
-              <a:t>bilhões no Brasil</a:t>
+              <a:t>brasileiro</a:t>
             </a:r>
             <a:r>
               <a:rPr lang="pt-BR" dirty="0" smtClean="0">
@@ -6148,6 +6095,406 @@
           </a:prstGeom>
         </p:spPr>
       </p:pic>
+      <p:sp>
+        <p:nvSpPr>
+          <p:cNvPr id="9" name="Espaço Reservado para Conteúdo 2"/>
+          <p:cNvSpPr txBox="1">
+            <a:spLocks/>
+          </p:cNvSpPr>
+          <p:nvPr/>
+        </p:nvSpPr>
+        <p:spPr>
+          <a:xfrm>
+            <a:off x="534287" y="3848235"/>
+            <a:ext cx="5715037" cy="839675"/>
+          </a:xfrm>
+          <a:prstGeom prst="rect">
+            <a:avLst/>
+          </a:prstGeom>
+        </p:spPr>
+        <p:txBody>
+          <a:bodyPr vert="horz" lIns="91440" tIns="45720" rIns="91440" bIns="45720" rtlCol="0">
+            <a:normAutofit/>
+          </a:bodyPr>
+          <a:lstStyle>
+            <a:lvl1pPr marL="228600" indent="-228600" algn="l" defTabSz="914400" rtl="0" eaLnBrk="1" latinLnBrk="0" hangingPunct="1">
+              <a:lnSpc>
+                <a:spcPct val="90000"/>
+              </a:lnSpc>
+              <a:spcBef>
+                <a:spcPts val="1000"/>
+              </a:spcBef>
+              <a:buFont typeface="Arial" panose="020B0604020202020204" pitchFamily="34" charset="0"/>
+              <a:buChar char="•"/>
+              <a:defRPr sz="2200" kern="1200">
+                <a:solidFill>
+                  <a:schemeClr val="tx1"/>
+                </a:solidFill>
+                <a:latin typeface="+mn-lt"/>
+                <a:ea typeface="+mn-ea"/>
+                <a:cs typeface="+mn-cs"/>
+              </a:defRPr>
+            </a:lvl1pPr>
+            <a:lvl2pPr marL="685800" indent="-228600" algn="l" defTabSz="914400" rtl="0" eaLnBrk="1" latinLnBrk="0" hangingPunct="1">
+              <a:lnSpc>
+                <a:spcPct val="90000"/>
+              </a:lnSpc>
+              <a:spcBef>
+                <a:spcPts val="500"/>
+              </a:spcBef>
+              <a:buFont typeface="Arial" panose="020B0604020202020204" pitchFamily="34" charset="0"/>
+              <a:buChar char="•"/>
+              <a:defRPr sz="2000" kern="1200">
+                <a:solidFill>
+                  <a:schemeClr val="tx1"/>
+                </a:solidFill>
+                <a:latin typeface="+mn-lt"/>
+                <a:ea typeface="+mn-ea"/>
+                <a:cs typeface="+mn-cs"/>
+              </a:defRPr>
+            </a:lvl2pPr>
+            <a:lvl3pPr marL="1143000" indent="-228600" algn="l" defTabSz="914400" rtl="0" eaLnBrk="1" latinLnBrk="0" hangingPunct="1">
+              <a:lnSpc>
+                <a:spcPct val="90000"/>
+              </a:lnSpc>
+              <a:spcBef>
+                <a:spcPts val="500"/>
+              </a:spcBef>
+              <a:buFont typeface="Arial" panose="020B0604020202020204" pitchFamily="34" charset="0"/>
+              <a:buChar char="•"/>
+              <a:defRPr sz="1800" kern="1200">
+                <a:solidFill>
+                  <a:schemeClr val="tx1"/>
+                </a:solidFill>
+                <a:latin typeface="+mn-lt"/>
+                <a:ea typeface="+mn-ea"/>
+                <a:cs typeface="+mn-cs"/>
+              </a:defRPr>
+            </a:lvl3pPr>
+            <a:lvl4pPr marL="1600200" indent="-228600" algn="l" defTabSz="914400" rtl="0" eaLnBrk="1" latinLnBrk="0" hangingPunct="1">
+              <a:lnSpc>
+                <a:spcPct val="90000"/>
+              </a:lnSpc>
+              <a:spcBef>
+                <a:spcPts val="500"/>
+              </a:spcBef>
+              <a:buFont typeface="Arial" panose="020B0604020202020204" pitchFamily="34" charset="0"/>
+              <a:buChar char="•"/>
+              <a:defRPr sz="1600" kern="1200">
+                <a:solidFill>
+                  <a:schemeClr val="tx1"/>
+                </a:solidFill>
+                <a:latin typeface="+mn-lt"/>
+                <a:ea typeface="+mn-ea"/>
+                <a:cs typeface="+mn-cs"/>
+              </a:defRPr>
+            </a:lvl4pPr>
+            <a:lvl5pPr marL="2057400" indent="-228600" algn="l" defTabSz="914400" rtl="0" eaLnBrk="1" latinLnBrk="0" hangingPunct="1">
+              <a:lnSpc>
+                <a:spcPct val="90000"/>
+              </a:lnSpc>
+              <a:spcBef>
+                <a:spcPts val="500"/>
+              </a:spcBef>
+              <a:buFont typeface="Arial" panose="020B0604020202020204" pitchFamily="34" charset="0"/>
+              <a:buChar char="•"/>
+              <a:defRPr sz="1600" kern="1200">
+                <a:solidFill>
+                  <a:schemeClr val="tx1"/>
+                </a:solidFill>
+                <a:latin typeface="+mn-lt"/>
+                <a:ea typeface="+mn-ea"/>
+                <a:cs typeface="+mn-cs"/>
+              </a:defRPr>
+            </a:lvl5pPr>
+            <a:lvl6pPr marL="2514600" indent="-228600" algn="l" defTabSz="914400" rtl="0" eaLnBrk="1" latinLnBrk="0" hangingPunct="1">
+              <a:lnSpc>
+                <a:spcPct val="90000"/>
+              </a:lnSpc>
+              <a:spcBef>
+                <a:spcPts val="500"/>
+              </a:spcBef>
+              <a:buFont typeface="Arial" panose="020B0604020202020204" pitchFamily="34" charset="0"/>
+              <a:buChar char="•"/>
+              <a:defRPr sz="1600" kern="1200">
+                <a:solidFill>
+                  <a:schemeClr val="tx1"/>
+                </a:solidFill>
+                <a:latin typeface="+mn-lt"/>
+                <a:ea typeface="+mn-ea"/>
+                <a:cs typeface="+mn-cs"/>
+              </a:defRPr>
+            </a:lvl6pPr>
+            <a:lvl7pPr marL="2971800" indent="-228600" algn="l" defTabSz="914400" rtl="0" eaLnBrk="1" latinLnBrk="0" hangingPunct="1">
+              <a:lnSpc>
+                <a:spcPct val="90000"/>
+              </a:lnSpc>
+              <a:spcBef>
+                <a:spcPts val="500"/>
+              </a:spcBef>
+              <a:buFont typeface="Arial" panose="020B0604020202020204" pitchFamily="34" charset="0"/>
+              <a:buChar char="•"/>
+              <a:defRPr sz="1600" kern="1200">
+                <a:solidFill>
+                  <a:schemeClr val="tx1"/>
+                </a:solidFill>
+                <a:latin typeface="+mn-lt"/>
+                <a:ea typeface="+mn-ea"/>
+                <a:cs typeface="+mn-cs"/>
+              </a:defRPr>
+            </a:lvl7pPr>
+            <a:lvl8pPr marL="3429000" indent="-228600" algn="l" defTabSz="914400" rtl="0" eaLnBrk="1" latinLnBrk="0" hangingPunct="1">
+              <a:lnSpc>
+                <a:spcPct val="90000"/>
+              </a:lnSpc>
+              <a:spcBef>
+                <a:spcPts val="500"/>
+              </a:spcBef>
+              <a:buFont typeface="Arial" panose="020B0604020202020204" pitchFamily="34" charset="0"/>
+              <a:buChar char="•"/>
+              <a:defRPr sz="1600" kern="1200">
+                <a:solidFill>
+                  <a:schemeClr val="tx1"/>
+                </a:solidFill>
+                <a:latin typeface="+mn-lt"/>
+                <a:ea typeface="+mn-ea"/>
+                <a:cs typeface="+mn-cs"/>
+              </a:defRPr>
+            </a:lvl8pPr>
+            <a:lvl9pPr marL="3886200" indent="-228600" algn="l" defTabSz="914400" rtl="0" eaLnBrk="1" latinLnBrk="0" hangingPunct="1">
+              <a:lnSpc>
+                <a:spcPct val="90000"/>
+              </a:lnSpc>
+              <a:spcBef>
+                <a:spcPts val="500"/>
+              </a:spcBef>
+              <a:buFont typeface="Arial" panose="020B0604020202020204" pitchFamily="34" charset="0"/>
+              <a:buChar char="•"/>
+              <a:defRPr sz="1600" kern="1200">
+                <a:solidFill>
+                  <a:schemeClr val="tx1"/>
+                </a:solidFill>
+                <a:latin typeface="+mn-lt"/>
+                <a:ea typeface="+mn-ea"/>
+                <a:cs typeface="+mn-cs"/>
+              </a:defRPr>
+            </a:lvl9pPr>
+          </a:lstStyle>
+          <a:p>
+            <a:r>
+              <a:rPr lang="pt-BR" dirty="0" smtClean="0">
+                <a:latin typeface="Arial" panose="020B0604020202020204" pitchFamily="34" charset="0"/>
+                <a:cs typeface="Arial" panose="020B0604020202020204" pitchFamily="34" charset="0"/>
+              </a:rPr>
+              <a:t> Com crescimento de 14% em 2022 comparado com 2021.</a:t>
+            </a:r>
+            <a:endParaRPr lang="pt-BR" dirty="0" smtClean="0"/>
+          </a:p>
+          <a:p>
+            <a:endParaRPr lang="pt-BR" dirty="0"/>
+          </a:p>
+        </p:txBody>
+      </p:sp>
+      <p:sp>
+        <p:nvSpPr>
+          <p:cNvPr id="10" name="Espaço Reservado para Conteúdo 2"/>
+          <p:cNvSpPr txBox="1">
+            <a:spLocks/>
+          </p:cNvSpPr>
+          <p:nvPr/>
+        </p:nvSpPr>
+        <p:spPr>
+          <a:xfrm>
+            <a:off x="534287" y="4810927"/>
+            <a:ext cx="5715037" cy="511598"/>
+          </a:xfrm>
+          <a:prstGeom prst="rect">
+            <a:avLst/>
+          </a:prstGeom>
+        </p:spPr>
+        <p:txBody>
+          <a:bodyPr vert="horz" lIns="91440" tIns="45720" rIns="91440" bIns="45720" rtlCol="0">
+            <a:normAutofit/>
+          </a:bodyPr>
+          <a:lstStyle>
+            <a:lvl1pPr marL="228600" indent="-228600" algn="l" defTabSz="914400" rtl="0" eaLnBrk="1" latinLnBrk="0" hangingPunct="1">
+              <a:lnSpc>
+                <a:spcPct val="90000"/>
+              </a:lnSpc>
+              <a:spcBef>
+                <a:spcPts val="1000"/>
+              </a:spcBef>
+              <a:buFont typeface="Arial" panose="020B0604020202020204" pitchFamily="34" charset="0"/>
+              <a:buChar char="•"/>
+              <a:defRPr sz="2200" kern="1200">
+                <a:solidFill>
+                  <a:schemeClr val="tx1"/>
+                </a:solidFill>
+                <a:latin typeface="+mn-lt"/>
+                <a:ea typeface="+mn-ea"/>
+                <a:cs typeface="+mn-cs"/>
+              </a:defRPr>
+            </a:lvl1pPr>
+            <a:lvl2pPr marL="685800" indent="-228600" algn="l" defTabSz="914400" rtl="0" eaLnBrk="1" latinLnBrk="0" hangingPunct="1">
+              <a:lnSpc>
+                <a:spcPct val="90000"/>
+              </a:lnSpc>
+              <a:spcBef>
+                <a:spcPts val="500"/>
+              </a:spcBef>
+              <a:buFont typeface="Arial" panose="020B0604020202020204" pitchFamily="34" charset="0"/>
+              <a:buChar char="•"/>
+              <a:defRPr sz="2000" kern="1200">
+                <a:solidFill>
+                  <a:schemeClr val="tx1"/>
+                </a:solidFill>
+                <a:latin typeface="+mn-lt"/>
+                <a:ea typeface="+mn-ea"/>
+                <a:cs typeface="+mn-cs"/>
+              </a:defRPr>
+            </a:lvl2pPr>
+            <a:lvl3pPr marL="1143000" indent="-228600" algn="l" defTabSz="914400" rtl="0" eaLnBrk="1" latinLnBrk="0" hangingPunct="1">
+              <a:lnSpc>
+                <a:spcPct val="90000"/>
+              </a:lnSpc>
+              <a:spcBef>
+                <a:spcPts val="500"/>
+              </a:spcBef>
+              <a:buFont typeface="Arial" panose="020B0604020202020204" pitchFamily="34" charset="0"/>
+              <a:buChar char="•"/>
+              <a:defRPr sz="1800" kern="1200">
+                <a:solidFill>
+                  <a:schemeClr val="tx1"/>
+                </a:solidFill>
+                <a:latin typeface="+mn-lt"/>
+                <a:ea typeface="+mn-ea"/>
+                <a:cs typeface="+mn-cs"/>
+              </a:defRPr>
+            </a:lvl3pPr>
+            <a:lvl4pPr marL="1600200" indent="-228600" algn="l" defTabSz="914400" rtl="0" eaLnBrk="1" latinLnBrk="0" hangingPunct="1">
+              <a:lnSpc>
+                <a:spcPct val="90000"/>
+              </a:lnSpc>
+              <a:spcBef>
+                <a:spcPts val="500"/>
+              </a:spcBef>
+              <a:buFont typeface="Arial" panose="020B0604020202020204" pitchFamily="34" charset="0"/>
+              <a:buChar char="•"/>
+              <a:defRPr sz="1600" kern="1200">
+                <a:solidFill>
+                  <a:schemeClr val="tx1"/>
+                </a:solidFill>
+                <a:latin typeface="+mn-lt"/>
+                <a:ea typeface="+mn-ea"/>
+                <a:cs typeface="+mn-cs"/>
+              </a:defRPr>
+            </a:lvl4pPr>
+            <a:lvl5pPr marL="2057400" indent="-228600" algn="l" defTabSz="914400" rtl="0" eaLnBrk="1" latinLnBrk="0" hangingPunct="1">
+              <a:lnSpc>
+                <a:spcPct val="90000"/>
+              </a:lnSpc>
+              <a:spcBef>
+                <a:spcPts val="500"/>
+              </a:spcBef>
+              <a:buFont typeface="Arial" panose="020B0604020202020204" pitchFamily="34" charset="0"/>
+              <a:buChar char="•"/>
+              <a:defRPr sz="1600" kern="1200">
+                <a:solidFill>
+                  <a:schemeClr val="tx1"/>
+                </a:solidFill>
+                <a:latin typeface="+mn-lt"/>
+                <a:ea typeface="+mn-ea"/>
+                <a:cs typeface="+mn-cs"/>
+              </a:defRPr>
+            </a:lvl5pPr>
+            <a:lvl6pPr marL="2514600" indent="-228600" algn="l" defTabSz="914400" rtl="0" eaLnBrk="1" latinLnBrk="0" hangingPunct="1">
+              <a:lnSpc>
+                <a:spcPct val="90000"/>
+              </a:lnSpc>
+              <a:spcBef>
+                <a:spcPts val="500"/>
+              </a:spcBef>
+              <a:buFont typeface="Arial" panose="020B0604020202020204" pitchFamily="34" charset="0"/>
+              <a:buChar char="•"/>
+              <a:defRPr sz="1600" kern="1200">
+                <a:solidFill>
+                  <a:schemeClr val="tx1"/>
+                </a:solidFill>
+                <a:latin typeface="+mn-lt"/>
+                <a:ea typeface="+mn-ea"/>
+                <a:cs typeface="+mn-cs"/>
+              </a:defRPr>
+            </a:lvl6pPr>
+            <a:lvl7pPr marL="2971800" indent="-228600" algn="l" defTabSz="914400" rtl="0" eaLnBrk="1" latinLnBrk="0" hangingPunct="1">
+              <a:lnSpc>
+                <a:spcPct val="90000"/>
+              </a:lnSpc>
+              <a:spcBef>
+                <a:spcPts val="500"/>
+              </a:spcBef>
+              <a:buFont typeface="Arial" panose="020B0604020202020204" pitchFamily="34" charset="0"/>
+              <a:buChar char="•"/>
+              <a:defRPr sz="1600" kern="1200">
+                <a:solidFill>
+                  <a:schemeClr val="tx1"/>
+                </a:solidFill>
+                <a:latin typeface="+mn-lt"/>
+                <a:ea typeface="+mn-ea"/>
+                <a:cs typeface="+mn-cs"/>
+              </a:defRPr>
+            </a:lvl7pPr>
+            <a:lvl8pPr marL="3429000" indent="-228600" algn="l" defTabSz="914400" rtl="0" eaLnBrk="1" latinLnBrk="0" hangingPunct="1">
+              <a:lnSpc>
+                <a:spcPct val="90000"/>
+              </a:lnSpc>
+              <a:spcBef>
+                <a:spcPts val="500"/>
+              </a:spcBef>
+              <a:buFont typeface="Arial" panose="020B0604020202020204" pitchFamily="34" charset="0"/>
+              <a:buChar char="•"/>
+              <a:defRPr sz="1600" kern="1200">
+                <a:solidFill>
+                  <a:schemeClr val="tx1"/>
+                </a:solidFill>
+                <a:latin typeface="+mn-lt"/>
+                <a:ea typeface="+mn-ea"/>
+                <a:cs typeface="+mn-cs"/>
+              </a:defRPr>
+            </a:lvl8pPr>
+            <a:lvl9pPr marL="3886200" indent="-228600" algn="l" defTabSz="914400" rtl="0" eaLnBrk="1" latinLnBrk="0" hangingPunct="1">
+              <a:lnSpc>
+                <a:spcPct val="90000"/>
+              </a:lnSpc>
+              <a:spcBef>
+                <a:spcPts val="500"/>
+              </a:spcBef>
+              <a:buFont typeface="Arial" panose="020B0604020202020204" pitchFamily="34" charset="0"/>
+              <a:buChar char="•"/>
+              <a:defRPr sz="1600" kern="1200">
+                <a:solidFill>
+                  <a:schemeClr val="tx1"/>
+                </a:solidFill>
+                <a:latin typeface="+mn-lt"/>
+                <a:ea typeface="+mn-ea"/>
+                <a:cs typeface="+mn-cs"/>
+              </a:defRPr>
+            </a:lvl9pPr>
+          </a:lstStyle>
+          <a:p>
+            <a:r>
+              <a:rPr lang="pt-BR" dirty="0" smtClean="0">
+                <a:latin typeface="Arial" panose="020B0604020202020204" pitchFamily="34" charset="0"/>
+                <a:cs typeface="Arial" panose="020B0604020202020204" pitchFamily="34" charset="0"/>
+              </a:rPr>
+              <a:t>Movimentando 58,9 bilhões no Brasil.</a:t>
+            </a:r>
+            <a:endParaRPr lang="pt-BR" dirty="0" smtClean="0"/>
+          </a:p>
+          <a:p>
+            <a:endParaRPr lang="pt-BR" dirty="0"/>
+          </a:p>
+        </p:txBody>
+      </p:sp>
     </p:spTree>
     <p:extLst>
       <p:ext uri="{BB962C8B-B14F-4D97-AF65-F5344CB8AC3E}">
@@ -6158,6 +6505,302 @@
   <p:clrMapOvr>
     <a:masterClrMapping/>
   </p:clrMapOvr>
+  <p:transition spd="slow">
+    <p:wipe/>
+  </p:transition>
+  <p:timing>
+    <p:tnLst>
+      <p:par>
+        <p:cTn id="1" dur="indefinite" restart="never" nodeType="tmRoot">
+          <p:childTnLst>
+            <p:seq concurrent="1" nextAc="seek">
+              <p:cTn id="2" dur="indefinite" nodeType="mainSeq">
+                <p:childTnLst>
+                  <p:par>
+                    <p:cTn id="3" fill="hold">
+                      <p:stCondLst>
+                        <p:cond delay="indefinite"/>
+                      </p:stCondLst>
+                      <p:childTnLst>
+                        <p:par>
+                          <p:cTn id="4" fill="hold">
+                            <p:stCondLst>
+                              <p:cond delay="0"/>
+                            </p:stCondLst>
+                            <p:childTnLst>
+                              <p:par>
+                                <p:cTn id="5" presetID="10" presetClass="entr" presetSubtype="0" fill="hold" grpId="0" nodeType="clickEffect">
+                                  <p:stCondLst>
+                                    <p:cond delay="0"/>
+                                  </p:stCondLst>
+                                  <p:childTnLst>
+                                    <p:set>
+                                      <p:cBhvr>
+                                        <p:cTn id="6" dur="1" fill="hold">
+                                          <p:stCondLst>
+                                            <p:cond delay="0"/>
+                                          </p:stCondLst>
+                                        </p:cTn>
+                                        <p:tgtEl>
+                                          <p:spTgt spid="3">
+                                            <p:txEl>
+                                              <p:pRg st="0" end="0"/>
+                                            </p:txEl>
+                                          </p:spTgt>
+                                        </p:tgtEl>
+                                        <p:attrNameLst>
+                                          <p:attrName>style.visibility</p:attrName>
+                                        </p:attrNameLst>
+                                      </p:cBhvr>
+                                      <p:to>
+                                        <p:strVal val="visible"/>
+                                      </p:to>
+                                    </p:set>
+                                    <p:animEffect transition="in" filter="fade">
+                                      <p:cBhvr>
+                                        <p:cTn id="7" dur="500"/>
+                                        <p:tgtEl>
+                                          <p:spTgt spid="3">
+                                            <p:txEl>
+                                              <p:pRg st="0" end="0"/>
+                                            </p:txEl>
+                                          </p:spTgt>
+                                        </p:tgtEl>
+                                      </p:cBhvr>
+                                    </p:animEffect>
+                                  </p:childTnLst>
+                                </p:cTn>
+                              </p:par>
+                            </p:childTnLst>
+                          </p:cTn>
+                        </p:par>
+                      </p:childTnLst>
+                    </p:cTn>
+                  </p:par>
+                  <p:par>
+                    <p:cTn id="8" fill="hold">
+                      <p:stCondLst>
+                        <p:cond delay="indefinite"/>
+                      </p:stCondLst>
+                      <p:childTnLst>
+                        <p:par>
+                          <p:cTn id="9" fill="hold">
+                            <p:stCondLst>
+                              <p:cond delay="0"/>
+                            </p:stCondLst>
+                            <p:childTnLst>
+                              <p:par>
+                                <p:cTn id="10" presetID="10" presetClass="entr" presetSubtype="0" fill="hold" grpId="0" nodeType="clickEffect">
+                                  <p:stCondLst>
+                                    <p:cond delay="0"/>
+                                  </p:stCondLst>
+                                  <p:childTnLst>
+                                    <p:set>
+                                      <p:cBhvr>
+                                        <p:cTn id="11" dur="1" fill="hold">
+                                          <p:stCondLst>
+                                            <p:cond delay="0"/>
+                                          </p:stCondLst>
+                                        </p:cTn>
+                                        <p:tgtEl>
+                                          <p:spTgt spid="9"/>
+                                        </p:tgtEl>
+                                        <p:attrNameLst>
+                                          <p:attrName>style.visibility</p:attrName>
+                                        </p:attrNameLst>
+                                      </p:cBhvr>
+                                      <p:to>
+                                        <p:strVal val="visible"/>
+                                      </p:to>
+                                    </p:set>
+                                    <p:animEffect transition="in" filter="fade">
+                                      <p:cBhvr>
+                                        <p:cTn id="12" dur="500"/>
+                                        <p:tgtEl>
+                                          <p:spTgt spid="9"/>
+                                        </p:tgtEl>
+                                      </p:cBhvr>
+                                    </p:animEffect>
+                                  </p:childTnLst>
+                                </p:cTn>
+                              </p:par>
+                            </p:childTnLst>
+                          </p:cTn>
+                        </p:par>
+                      </p:childTnLst>
+                    </p:cTn>
+                  </p:par>
+                  <p:par>
+                    <p:cTn id="13" fill="hold">
+                      <p:stCondLst>
+                        <p:cond delay="indefinite"/>
+                      </p:stCondLst>
+                      <p:childTnLst>
+                        <p:par>
+                          <p:cTn id="14" fill="hold">
+                            <p:stCondLst>
+                              <p:cond delay="0"/>
+                            </p:stCondLst>
+                            <p:childTnLst>
+                              <p:par>
+                                <p:cTn id="15" presetID="10" presetClass="entr" presetSubtype="0" fill="hold" grpId="0" nodeType="clickEffect">
+                                  <p:stCondLst>
+                                    <p:cond delay="0"/>
+                                  </p:stCondLst>
+                                  <p:childTnLst>
+                                    <p:set>
+                                      <p:cBhvr>
+                                        <p:cTn id="16" dur="1" fill="hold">
+                                          <p:stCondLst>
+                                            <p:cond delay="0"/>
+                                          </p:stCondLst>
+                                        </p:cTn>
+                                        <p:tgtEl>
+                                          <p:spTgt spid="10"/>
+                                        </p:tgtEl>
+                                        <p:attrNameLst>
+                                          <p:attrName>style.visibility</p:attrName>
+                                        </p:attrNameLst>
+                                      </p:cBhvr>
+                                      <p:to>
+                                        <p:strVal val="visible"/>
+                                      </p:to>
+                                    </p:set>
+                                    <p:animEffect transition="in" filter="fade">
+                                      <p:cBhvr>
+                                        <p:cTn id="17" dur="500"/>
+                                        <p:tgtEl>
+                                          <p:spTgt spid="10"/>
+                                        </p:tgtEl>
+                                      </p:cBhvr>
+                                    </p:animEffect>
+                                  </p:childTnLst>
+                                </p:cTn>
+                              </p:par>
+                            </p:childTnLst>
+                          </p:cTn>
+                        </p:par>
+                      </p:childTnLst>
+                    </p:cTn>
+                  </p:par>
+                  <p:par>
+                    <p:cTn id="18" fill="hold">
+                      <p:stCondLst>
+                        <p:cond delay="indefinite"/>
+                      </p:stCondLst>
+                      <p:childTnLst>
+                        <p:par>
+                          <p:cTn id="19" fill="hold">
+                            <p:stCondLst>
+                              <p:cond delay="0"/>
+                            </p:stCondLst>
+                            <p:childTnLst>
+                              <p:par>
+                                <p:cTn id="20" presetID="2" presetClass="entr" presetSubtype="4" fill="hold" nodeType="clickEffect">
+                                  <p:stCondLst>
+                                    <p:cond delay="0"/>
+                                  </p:stCondLst>
+                                  <p:childTnLst>
+                                    <p:set>
+                                      <p:cBhvr>
+                                        <p:cTn id="21" dur="1" fill="hold">
+                                          <p:stCondLst>
+                                            <p:cond delay="0"/>
+                                          </p:stCondLst>
+                                        </p:cTn>
+                                        <p:tgtEl>
+                                          <p:spTgt spid="6"/>
+                                        </p:tgtEl>
+                                        <p:attrNameLst>
+                                          <p:attrName>style.visibility</p:attrName>
+                                        </p:attrNameLst>
+                                      </p:cBhvr>
+                                      <p:to>
+                                        <p:strVal val="visible"/>
+                                      </p:to>
+                                    </p:set>
+                                    <p:anim calcmode="lin" valueType="num">
+                                      <p:cBhvr additive="base">
+                                        <p:cTn id="22" dur="500" fill="hold"/>
+                                        <p:tgtEl>
+                                          <p:spTgt spid="6"/>
+                                        </p:tgtEl>
+                                        <p:attrNameLst>
+                                          <p:attrName>ppt_x</p:attrName>
+                                        </p:attrNameLst>
+                                      </p:cBhvr>
+                                      <p:tavLst>
+                                        <p:tav tm="0">
+                                          <p:val>
+                                            <p:strVal val="#ppt_x"/>
+                                          </p:val>
+                                        </p:tav>
+                                        <p:tav tm="100000">
+                                          <p:val>
+                                            <p:strVal val="#ppt_x"/>
+                                          </p:val>
+                                        </p:tav>
+                                      </p:tavLst>
+                                    </p:anim>
+                                    <p:anim calcmode="lin" valueType="num">
+                                      <p:cBhvr additive="base">
+                                        <p:cTn id="23" dur="500" fill="hold"/>
+                                        <p:tgtEl>
+                                          <p:spTgt spid="6"/>
+                                        </p:tgtEl>
+                                        <p:attrNameLst>
+                                          <p:attrName>ppt_y</p:attrName>
+                                        </p:attrNameLst>
+                                      </p:cBhvr>
+                                      <p:tavLst>
+                                        <p:tav tm="0">
+                                          <p:val>
+                                            <p:strVal val="1+#ppt_h/2"/>
+                                          </p:val>
+                                        </p:tav>
+                                        <p:tav tm="100000">
+                                          <p:val>
+                                            <p:strVal val="#ppt_y"/>
+                                          </p:val>
+                                        </p:tav>
+                                      </p:tavLst>
+                                    </p:anim>
+                                  </p:childTnLst>
+                                </p:cTn>
+                              </p:par>
+                            </p:childTnLst>
+                          </p:cTn>
+                        </p:par>
+                      </p:childTnLst>
+                    </p:cTn>
+                  </p:par>
+                </p:childTnLst>
+              </p:cTn>
+              <p:prevCondLst>
+                <p:cond evt="onPrev" delay="0">
+                  <p:tgtEl>
+                    <p:sldTgt/>
+                  </p:tgtEl>
+                </p:cond>
+              </p:prevCondLst>
+              <p:nextCondLst>
+                <p:cond evt="onNext" delay="0">
+                  <p:tgtEl>
+                    <p:sldTgt/>
+                  </p:tgtEl>
+                </p:cond>
+              </p:nextCondLst>
+            </p:seq>
+          </p:childTnLst>
+        </p:cTn>
+      </p:par>
+    </p:tnLst>
+    <p:bldLst>
+      <p:bldP spid="3" grpId="0" build="p"/>
+      <p:bldP spid="9" grpId="0"/>
+      <p:bldP spid="10" grpId="0"/>
+    </p:bldLst>
+  </p:timing>
 </p:sld>
 </file>
 
@@ -6272,6 +6915,138 @@
   <p:clrMapOvr>
     <a:masterClrMapping/>
   </p:clrMapOvr>
+  <p:timing>
+    <p:tnLst>
+      <p:par>
+        <p:cTn id="1" dur="indefinite" restart="never" nodeType="tmRoot">
+          <p:childTnLst>
+            <p:seq concurrent="1" nextAc="seek">
+              <p:cTn id="2" dur="indefinite" nodeType="mainSeq">
+                <p:childTnLst>
+                  <p:par>
+                    <p:cTn id="3" fill="hold">
+                      <p:stCondLst>
+                        <p:cond delay="indefinite"/>
+                      </p:stCondLst>
+                      <p:childTnLst>
+                        <p:par>
+                          <p:cTn id="4" fill="hold">
+                            <p:stCondLst>
+                              <p:cond delay="0"/>
+                            </p:stCondLst>
+                            <p:childTnLst>
+                              <p:par>
+                                <p:cTn id="5" presetID="42" presetClass="entr" presetSubtype="0" fill="hold" grpId="0" nodeType="clickEffect">
+                                  <p:stCondLst>
+                                    <p:cond delay="0"/>
+                                  </p:stCondLst>
+                                  <p:childTnLst>
+                                    <p:set>
+                                      <p:cBhvr>
+                                        <p:cTn id="6" dur="1" fill="hold">
+                                          <p:stCondLst>
+                                            <p:cond delay="0"/>
+                                          </p:stCondLst>
+                                        </p:cTn>
+                                        <p:tgtEl>
+                                          <p:spTgt spid="4"/>
+                                        </p:tgtEl>
+                                        <p:attrNameLst>
+                                          <p:attrName>style.visibility</p:attrName>
+                                        </p:attrNameLst>
+                                      </p:cBhvr>
+                                      <p:to>
+                                        <p:strVal val="visible"/>
+                                      </p:to>
+                                    </p:set>
+                                    <p:animEffect transition="in" filter="fade">
+                                      <p:cBhvr>
+                                        <p:cTn id="7" dur="1000"/>
+                                        <p:tgtEl>
+                                          <p:spTgt spid="4"/>
+                                        </p:tgtEl>
+                                      </p:cBhvr>
+                                    </p:animEffect>
+                                    <p:anim calcmode="lin" valueType="num">
+                                      <p:cBhvr>
+                                        <p:cTn id="8" dur="1000" fill="hold"/>
+                                        <p:tgtEl>
+                                          <p:spTgt spid="4"/>
+                                        </p:tgtEl>
+                                        <p:attrNameLst>
+                                          <p:attrName>ppt_x</p:attrName>
+                                        </p:attrNameLst>
+                                      </p:cBhvr>
+                                      <p:tavLst>
+                                        <p:tav tm="0">
+                                          <p:val>
+                                            <p:strVal val="#ppt_x"/>
+                                          </p:val>
+                                        </p:tav>
+                                        <p:tav tm="100000">
+                                          <p:val>
+                                            <p:strVal val="#ppt_x"/>
+                                          </p:val>
+                                        </p:tav>
+                                      </p:tavLst>
+                                    </p:anim>
+                                    <p:anim calcmode="lin" valueType="num">
+                                      <p:cBhvr>
+                                        <p:cTn id="9" dur="1000" fill="hold"/>
+                                        <p:tgtEl>
+                                          <p:spTgt spid="4"/>
+                                        </p:tgtEl>
+                                        <p:attrNameLst>
+                                          <p:attrName>ppt_y</p:attrName>
+                                        </p:attrNameLst>
+                                      </p:cBhvr>
+                                      <p:tavLst>
+                                        <p:tav tm="0">
+                                          <p:val>
+                                            <p:strVal val="#ppt_y+.1"/>
+                                          </p:val>
+                                        </p:tav>
+                                        <p:tav tm="100000">
+                                          <p:val>
+                                            <p:strVal val="#ppt_y"/>
+                                          </p:val>
+                                        </p:tav>
+                                      </p:tavLst>
+                                    </p:anim>
+                                  </p:childTnLst>
+                                </p:cTn>
+                              </p:par>
+                            </p:childTnLst>
+                          </p:cTn>
+                        </p:par>
+                      </p:childTnLst>
+                    </p:cTn>
+                  </p:par>
+                </p:childTnLst>
+              </p:cTn>
+              <p:prevCondLst>
+                <p:cond evt="onPrev" delay="0">
+                  <p:tgtEl>
+                    <p:sldTgt/>
+                  </p:tgtEl>
+                </p:cond>
+              </p:prevCondLst>
+              <p:nextCondLst>
+                <p:cond evt="onNext" delay="0">
+                  <p:tgtEl>
+                    <p:sldTgt/>
+                  </p:tgtEl>
+                </p:cond>
+              </p:nextCondLst>
+            </p:seq>
+          </p:childTnLst>
+        </p:cTn>
+      </p:par>
+    </p:tnLst>
+    <p:bldLst>
+      <p:bldP spid="4" grpId="0"/>
+    </p:bldLst>
+  </p:timing>
 </p:sld>
 </file>
 
@@ -6399,6 +7174,138 @@
   <p:clrMapOvr>
     <a:masterClrMapping/>
   </p:clrMapOvr>
+  <p:timing>
+    <p:tnLst>
+      <p:par>
+        <p:cTn id="1" dur="indefinite" restart="never" nodeType="tmRoot">
+          <p:childTnLst>
+            <p:seq concurrent="1" nextAc="seek">
+              <p:cTn id="2" dur="indefinite" nodeType="mainSeq">
+                <p:childTnLst>
+                  <p:par>
+                    <p:cTn id="3" fill="hold">
+                      <p:stCondLst>
+                        <p:cond delay="indefinite"/>
+                      </p:stCondLst>
+                      <p:childTnLst>
+                        <p:par>
+                          <p:cTn id="4" fill="hold">
+                            <p:stCondLst>
+                              <p:cond delay="0"/>
+                            </p:stCondLst>
+                            <p:childTnLst>
+                              <p:par>
+                                <p:cTn id="5" presetID="42" presetClass="entr" presetSubtype="0" fill="hold" grpId="0" nodeType="clickEffect">
+                                  <p:stCondLst>
+                                    <p:cond delay="0"/>
+                                  </p:stCondLst>
+                                  <p:childTnLst>
+                                    <p:set>
+                                      <p:cBhvr>
+                                        <p:cTn id="6" dur="1" fill="hold">
+                                          <p:stCondLst>
+                                            <p:cond delay="0"/>
+                                          </p:stCondLst>
+                                        </p:cTn>
+                                        <p:tgtEl>
+                                          <p:spTgt spid="4"/>
+                                        </p:tgtEl>
+                                        <p:attrNameLst>
+                                          <p:attrName>style.visibility</p:attrName>
+                                        </p:attrNameLst>
+                                      </p:cBhvr>
+                                      <p:to>
+                                        <p:strVal val="visible"/>
+                                      </p:to>
+                                    </p:set>
+                                    <p:animEffect transition="in" filter="fade">
+                                      <p:cBhvr>
+                                        <p:cTn id="7" dur="1000"/>
+                                        <p:tgtEl>
+                                          <p:spTgt spid="4"/>
+                                        </p:tgtEl>
+                                      </p:cBhvr>
+                                    </p:animEffect>
+                                    <p:anim calcmode="lin" valueType="num">
+                                      <p:cBhvr>
+                                        <p:cTn id="8" dur="1000" fill="hold"/>
+                                        <p:tgtEl>
+                                          <p:spTgt spid="4"/>
+                                        </p:tgtEl>
+                                        <p:attrNameLst>
+                                          <p:attrName>ppt_x</p:attrName>
+                                        </p:attrNameLst>
+                                      </p:cBhvr>
+                                      <p:tavLst>
+                                        <p:tav tm="0">
+                                          <p:val>
+                                            <p:strVal val="#ppt_x"/>
+                                          </p:val>
+                                        </p:tav>
+                                        <p:tav tm="100000">
+                                          <p:val>
+                                            <p:strVal val="#ppt_x"/>
+                                          </p:val>
+                                        </p:tav>
+                                      </p:tavLst>
+                                    </p:anim>
+                                    <p:anim calcmode="lin" valueType="num">
+                                      <p:cBhvr>
+                                        <p:cTn id="9" dur="1000" fill="hold"/>
+                                        <p:tgtEl>
+                                          <p:spTgt spid="4"/>
+                                        </p:tgtEl>
+                                        <p:attrNameLst>
+                                          <p:attrName>ppt_y</p:attrName>
+                                        </p:attrNameLst>
+                                      </p:cBhvr>
+                                      <p:tavLst>
+                                        <p:tav tm="0">
+                                          <p:val>
+                                            <p:strVal val="#ppt_y+.1"/>
+                                          </p:val>
+                                        </p:tav>
+                                        <p:tav tm="100000">
+                                          <p:val>
+                                            <p:strVal val="#ppt_y"/>
+                                          </p:val>
+                                        </p:tav>
+                                      </p:tavLst>
+                                    </p:anim>
+                                  </p:childTnLst>
+                                </p:cTn>
+                              </p:par>
+                            </p:childTnLst>
+                          </p:cTn>
+                        </p:par>
+                      </p:childTnLst>
+                    </p:cTn>
+                  </p:par>
+                </p:childTnLst>
+              </p:cTn>
+              <p:prevCondLst>
+                <p:cond evt="onPrev" delay="0">
+                  <p:tgtEl>
+                    <p:sldTgt/>
+                  </p:tgtEl>
+                </p:cond>
+              </p:prevCondLst>
+              <p:nextCondLst>
+                <p:cond evt="onNext" delay="0">
+                  <p:tgtEl>
+                    <p:sldTgt/>
+                  </p:tgtEl>
+                </p:cond>
+              </p:nextCondLst>
+            </p:seq>
+          </p:childTnLst>
+        </p:cTn>
+      </p:par>
+    </p:tnLst>
+    <p:bldLst>
+      <p:bldP spid="4" grpId="0"/>
+    </p:bldLst>
+  </p:timing>
 </p:sld>
 </file>
 
@@ -6467,6 +7374,13 @@
   <p:clrMapOvr>
     <a:masterClrMapping/>
   </p:clrMapOvr>
+  <p:timing>
+    <p:tnLst>
+      <p:par>
+        <p:cTn id="1" dur="indefinite" restart="never" nodeType="tmRoot"/>
+      </p:par>
+    </p:tnLst>
+  </p:timing>
 </p:sld>
 </file>
 

--- a/Gestão Pet Shop.pptx
+++ b/Gestão Pet Shop.pptx
@@ -10,6 +10,8 @@
     <p:sldId id="258" r:id="rId4"/>
     <p:sldId id="259" r:id="rId5"/>
     <p:sldId id="260" r:id="rId6"/>
+    <p:sldId id="261" r:id="rId7"/>
+    <p:sldId id="262" r:id="rId8"/>
   </p:sldIdLst>
   <p:sldSz cx="12192000" cy="6858000"/>
   <p:notesSz cx="6858000" cy="9144000"/>
@@ -5862,13 +5864,13 @@
   <p:clrMapOvr>
     <a:masterClrMapping/>
   </p:clrMapOvr>
-  <mc:AlternateContent xmlns:mc="http://schemas.openxmlformats.org/markup-compatibility/2006">
-    <mc:Choice xmlns:p14="http://schemas.microsoft.com/office/powerpoint/2010/main" Requires="p14">
+  <mc:AlternateContent xmlns:mc="http://schemas.openxmlformats.org/markup-compatibility/2006" xmlns:p14="http://schemas.microsoft.com/office/powerpoint/2010/main">
+    <mc:Choice Requires="p14">
       <p:transition spd="med" p14:dur="700">
         <p:fade/>
       </p:transition>
     </mc:Choice>
-    <mc:Fallback>
+    <mc:Fallback xmlns="">
       <p:transition spd="med">
         <p:fade/>
       </p:transition>
@@ -5948,8 +5950,8 @@
         </p:nvSpPr>
         <p:spPr>
           <a:xfrm>
-            <a:off x="534287" y="2360390"/>
-            <a:ext cx="5715037" cy="1374484"/>
+            <a:off x="292998" y="2004774"/>
+            <a:ext cx="6490612" cy="998905"/>
           </a:xfrm>
         </p:spPr>
         <p:txBody>
@@ -5958,28 +5960,15 @@
           </a:bodyPr>
           <a:lstStyle/>
           <a:p>
-            <a:r>
-              <a:rPr lang="pt-BR" dirty="0">
-                <a:latin typeface="Arial" panose="020B0604020202020204" pitchFamily="34" charset="0"/>
-                <a:cs typeface="Arial" panose="020B0604020202020204" pitchFamily="34" charset="0"/>
-              </a:rPr>
-              <a:t>Pesquisando o mercado foi observado que o nicho de Pet (animais de estimação) teve um exponencial crescimento no mercado </a:t>
-            </a:r>
+            <a:pPr algn="just"/>
             <a:r>
               <a:rPr lang="pt-BR" dirty="0" smtClean="0">
                 <a:latin typeface="Arial" panose="020B0604020202020204" pitchFamily="34" charset="0"/>
                 <a:cs typeface="Arial" panose="020B0604020202020204" pitchFamily="34" charset="0"/>
               </a:rPr>
-              <a:t>brasileiro</a:t>
-            </a:r>
-            <a:r>
-              <a:rPr lang="pt-BR" dirty="0" smtClean="0">
-                <a:latin typeface="Arial" panose="020B0604020202020204" pitchFamily="34" charset="0"/>
-                <a:cs typeface="Arial" panose="020B0604020202020204" pitchFamily="34" charset="0"/>
-              </a:rPr>
-              <a:t>.</a:t>
-            </a:r>
-            <a:endParaRPr lang="pt-BR" dirty="0"/>
+              <a:t>Pesquisando o mercado foi observado que o nicho de Pet (animais de estimação) teve um exponencial crescimento no mercado brasileiro.</a:t>
+            </a:r>
+            <a:endParaRPr lang="pt-BR" dirty="0" smtClean="0"/>
           </a:p>
           <a:p>
             <a:endParaRPr lang="pt-BR" dirty="0"/>
@@ -6105,8 +6094,8 @@
         </p:nvSpPr>
         <p:spPr>
           <a:xfrm>
-            <a:off x="534287" y="3848235"/>
-            <a:ext cx="5715037" cy="839675"/>
+            <a:off x="292997" y="3003680"/>
+            <a:ext cx="6490613" cy="783590"/>
           </a:xfrm>
           <a:prstGeom prst="rect">
             <a:avLst/>
@@ -6305,8 +6294,8 @@
         </p:nvSpPr>
         <p:spPr>
           <a:xfrm>
-            <a:off x="534287" y="4810927"/>
-            <a:ext cx="5715037" cy="511598"/>
+            <a:off x="292996" y="3680929"/>
+            <a:ext cx="6490613" cy="511598"/>
           </a:xfrm>
           <a:prstGeom prst="rect">
             <a:avLst/>
@@ -6489,6 +6478,238 @@
               <a:t>Movimentando 58,9 bilhões no Brasil.</a:t>
             </a:r>
             <a:endParaRPr lang="pt-BR" dirty="0" smtClean="0"/>
+          </a:p>
+          <a:p>
+            <a:endParaRPr lang="pt-BR" dirty="0"/>
+          </a:p>
+        </p:txBody>
+      </p:sp>
+      <p:sp>
+        <p:nvSpPr>
+          <p:cNvPr id="11" name="Espaço Reservado para Conteúdo 2"/>
+          <p:cNvSpPr txBox="1">
+            <a:spLocks/>
+          </p:cNvSpPr>
+          <p:nvPr/>
+        </p:nvSpPr>
+        <p:spPr>
+          <a:xfrm>
+            <a:off x="292996" y="4047436"/>
+            <a:ext cx="6490613" cy="2079129"/>
+          </a:xfrm>
+          <a:prstGeom prst="rect">
+            <a:avLst/>
+          </a:prstGeom>
+        </p:spPr>
+        <p:txBody>
+          <a:bodyPr vert="horz" lIns="91440" tIns="45720" rIns="91440" bIns="45720" rtlCol="0">
+            <a:normAutofit fontScale="32500" lnSpcReduction="20000"/>
+          </a:bodyPr>
+          <a:lstStyle>
+            <a:lvl1pPr marL="228600" indent="-228600" algn="l" defTabSz="914400" rtl="0" eaLnBrk="1" latinLnBrk="0" hangingPunct="1">
+              <a:lnSpc>
+                <a:spcPct val="90000"/>
+              </a:lnSpc>
+              <a:spcBef>
+                <a:spcPts val="1000"/>
+              </a:spcBef>
+              <a:buFont typeface="Arial" panose="020B0604020202020204" pitchFamily="34" charset="0"/>
+              <a:buChar char="•"/>
+              <a:defRPr sz="2200" kern="1200">
+                <a:solidFill>
+                  <a:schemeClr val="tx1"/>
+                </a:solidFill>
+                <a:latin typeface="+mn-lt"/>
+                <a:ea typeface="+mn-ea"/>
+                <a:cs typeface="+mn-cs"/>
+              </a:defRPr>
+            </a:lvl1pPr>
+            <a:lvl2pPr marL="685800" indent="-228600" algn="l" defTabSz="914400" rtl="0" eaLnBrk="1" latinLnBrk="0" hangingPunct="1">
+              <a:lnSpc>
+                <a:spcPct val="90000"/>
+              </a:lnSpc>
+              <a:spcBef>
+                <a:spcPts val="500"/>
+              </a:spcBef>
+              <a:buFont typeface="Arial" panose="020B0604020202020204" pitchFamily="34" charset="0"/>
+              <a:buChar char="•"/>
+              <a:defRPr sz="2000" kern="1200">
+                <a:solidFill>
+                  <a:schemeClr val="tx1"/>
+                </a:solidFill>
+                <a:latin typeface="+mn-lt"/>
+                <a:ea typeface="+mn-ea"/>
+                <a:cs typeface="+mn-cs"/>
+              </a:defRPr>
+            </a:lvl2pPr>
+            <a:lvl3pPr marL="1143000" indent="-228600" algn="l" defTabSz="914400" rtl="0" eaLnBrk="1" latinLnBrk="0" hangingPunct="1">
+              <a:lnSpc>
+                <a:spcPct val="90000"/>
+              </a:lnSpc>
+              <a:spcBef>
+                <a:spcPts val="500"/>
+              </a:spcBef>
+              <a:buFont typeface="Arial" panose="020B0604020202020204" pitchFamily="34" charset="0"/>
+              <a:buChar char="•"/>
+              <a:defRPr sz="1800" kern="1200">
+                <a:solidFill>
+                  <a:schemeClr val="tx1"/>
+                </a:solidFill>
+                <a:latin typeface="+mn-lt"/>
+                <a:ea typeface="+mn-ea"/>
+                <a:cs typeface="+mn-cs"/>
+              </a:defRPr>
+            </a:lvl3pPr>
+            <a:lvl4pPr marL="1600200" indent="-228600" algn="l" defTabSz="914400" rtl="0" eaLnBrk="1" latinLnBrk="0" hangingPunct="1">
+              <a:lnSpc>
+                <a:spcPct val="90000"/>
+              </a:lnSpc>
+              <a:spcBef>
+                <a:spcPts val="500"/>
+              </a:spcBef>
+              <a:buFont typeface="Arial" panose="020B0604020202020204" pitchFamily="34" charset="0"/>
+              <a:buChar char="•"/>
+              <a:defRPr sz="1600" kern="1200">
+                <a:solidFill>
+                  <a:schemeClr val="tx1"/>
+                </a:solidFill>
+                <a:latin typeface="+mn-lt"/>
+                <a:ea typeface="+mn-ea"/>
+                <a:cs typeface="+mn-cs"/>
+              </a:defRPr>
+            </a:lvl4pPr>
+            <a:lvl5pPr marL="2057400" indent="-228600" algn="l" defTabSz="914400" rtl="0" eaLnBrk="1" latinLnBrk="0" hangingPunct="1">
+              <a:lnSpc>
+                <a:spcPct val="90000"/>
+              </a:lnSpc>
+              <a:spcBef>
+                <a:spcPts val="500"/>
+              </a:spcBef>
+              <a:buFont typeface="Arial" panose="020B0604020202020204" pitchFamily="34" charset="0"/>
+              <a:buChar char="•"/>
+              <a:defRPr sz="1600" kern="1200">
+                <a:solidFill>
+                  <a:schemeClr val="tx1"/>
+                </a:solidFill>
+                <a:latin typeface="+mn-lt"/>
+                <a:ea typeface="+mn-ea"/>
+                <a:cs typeface="+mn-cs"/>
+              </a:defRPr>
+            </a:lvl5pPr>
+            <a:lvl6pPr marL="2514600" indent="-228600" algn="l" defTabSz="914400" rtl="0" eaLnBrk="1" latinLnBrk="0" hangingPunct="1">
+              <a:lnSpc>
+                <a:spcPct val="90000"/>
+              </a:lnSpc>
+              <a:spcBef>
+                <a:spcPts val="500"/>
+              </a:spcBef>
+              <a:buFont typeface="Arial" panose="020B0604020202020204" pitchFamily="34" charset="0"/>
+              <a:buChar char="•"/>
+              <a:defRPr sz="1600" kern="1200">
+                <a:solidFill>
+                  <a:schemeClr val="tx1"/>
+                </a:solidFill>
+                <a:latin typeface="+mn-lt"/>
+                <a:ea typeface="+mn-ea"/>
+                <a:cs typeface="+mn-cs"/>
+              </a:defRPr>
+            </a:lvl6pPr>
+            <a:lvl7pPr marL="2971800" indent="-228600" algn="l" defTabSz="914400" rtl="0" eaLnBrk="1" latinLnBrk="0" hangingPunct="1">
+              <a:lnSpc>
+                <a:spcPct val="90000"/>
+              </a:lnSpc>
+              <a:spcBef>
+                <a:spcPts val="500"/>
+              </a:spcBef>
+              <a:buFont typeface="Arial" panose="020B0604020202020204" pitchFamily="34" charset="0"/>
+              <a:buChar char="•"/>
+              <a:defRPr sz="1600" kern="1200">
+                <a:solidFill>
+                  <a:schemeClr val="tx1"/>
+                </a:solidFill>
+                <a:latin typeface="+mn-lt"/>
+                <a:ea typeface="+mn-ea"/>
+                <a:cs typeface="+mn-cs"/>
+              </a:defRPr>
+            </a:lvl7pPr>
+            <a:lvl8pPr marL="3429000" indent="-228600" algn="l" defTabSz="914400" rtl="0" eaLnBrk="1" latinLnBrk="0" hangingPunct="1">
+              <a:lnSpc>
+                <a:spcPct val="90000"/>
+              </a:lnSpc>
+              <a:spcBef>
+                <a:spcPts val="500"/>
+              </a:spcBef>
+              <a:buFont typeface="Arial" panose="020B0604020202020204" pitchFamily="34" charset="0"/>
+              <a:buChar char="•"/>
+              <a:defRPr sz="1600" kern="1200">
+                <a:solidFill>
+                  <a:schemeClr val="tx1"/>
+                </a:solidFill>
+                <a:latin typeface="+mn-lt"/>
+                <a:ea typeface="+mn-ea"/>
+                <a:cs typeface="+mn-cs"/>
+              </a:defRPr>
+            </a:lvl8pPr>
+            <a:lvl9pPr marL="3886200" indent="-228600" algn="l" defTabSz="914400" rtl="0" eaLnBrk="1" latinLnBrk="0" hangingPunct="1">
+              <a:lnSpc>
+                <a:spcPct val="90000"/>
+              </a:lnSpc>
+              <a:spcBef>
+                <a:spcPts val="500"/>
+              </a:spcBef>
+              <a:buFont typeface="Arial" panose="020B0604020202020204" pitchFamily="34" charset="0"/>
+              <a:buChar char="•"/>
+              <a:defRPr sz="1600" kern="1200">
+                <a:solidFill>
+                  <a:schemeClr val="tx1"/>
+                </a:solidFill>
+                <a:latin typeface="+mn-lt"/>
+                <a:ea typeface="+mn-ea"/>
+                <a:cs typeface="+mn-cs"/>
+              </a:defRPr>
+            </a:lvl9pPr>
+          </a:lstStyle>
+          <a:p>
+            <a:pPr algn="just">
+              <a:lnSpc>
+                <a:spcPct val="120000"/>
+              </a:lnSpc>
+            </a:pPr>
+            <a:r>
+              <a:rPr lang="pt-BR" sz="6800" dirty="0">
+                <a:latin typeface="Arial" panose="020B0604020202020204" pitchFamily="34" charset="0"/>
+                <a:cs typeface="Arial" panose="020B0604020202020204" pitchFamily="34" charset="0"/>
+              </a:rPr>
+              <a:t>Ao visitar algumas pequenas empresas </a:t>
+            </a:r>
+            <a:r>
+              <a:rPr lang="pt-BR" sz="6800" dirty="0" smtClean="0">
+                <a:latin typeface="Arial" panose="020B0604020202020204" pitchFamily="34" charset="0"/>
+                <a:cs typeface="Arial" panose="020B0604020202020204" pitchFamily="34" charset="0"/>
+              </a:rPr>
+              <a:t>de Pet em </a:t>
+            </a:r>
+            <a:r>
+              <a:rPr lang="pt-BR" sz="6800" dirty="0">
+                <a:latin typeface="Arial" panose="020B0604020202020204" pitchFamily="34" charset="0"/>
+                <a:cs typeface="Arial" panose="020B0604020202020204" pitchFamily="34" charset="0"/>
+              </a:rPr>
+              <a:t>Araguaína foi evidenciado a falta de sistemas de Gestão que possam agilizar o atendimento, </a:t>
+            </a:r>
+            <a:r>
+              <a:rPr lang="pt-BR" sz="6800" dirty="0" smtClean="0">
+                <a:latin typeface="Arial" panose="020B0604020202020204" pitchFamily="34" charset="0"/>
+                <a:cs typeface="Arial" panose="020B0604020202020204" pitchFamily="34" charset="0"/>
+              </a:rPr>
+              <a:t>melhorando </a:t>
+            </a:r>
+            <a:r>
+              <a:rPr lang="pt-BR" sz="6800" dirty="0">
+                <a:latin typeface="Arial" panose="020B0604020202020204" pitchFamily="34" charset="0"/>
+                <a:cs typeface="Arial" panose="020B0604020202020204" pitchFamily="34" charset="0"/>
+              </a:rPr>
+              <a:t>o controle e tornar os seus serviços ofertados mais eficientes.</a:t>
+            </a:r>
           </a:p>
           <a:p>
             <a:endParaRPr lang="pt-BR" dirty="0"/>
@@ -6774,6 +6995,59 @@
                       </p:childTnLst>
                     </p:cTn>
                   </p:par>
+                  <p:par>
+                    <p:cTn id="24" fill="hold">
+                      <p:stCondLst>
+                        <p:cond delay="indefinite"/>
+                      </p:stCondLst>
+                      <p:childTnLst>
+                        <p:par>
+                          <p:cTn id="25" fill="hold">
+                            <p:stCondLst>
+                              <p:cond delay="0"/>
+                            </p:stCondLst>
+                            <p:childTnLst>
+                              <p:par>
+                                <p:cTn id="26" presetID="10" presetClass="entr" presetSubtype="0" fill="hold" grpId="0" nodeType="clickEffect">
+                                  <p:stCondLst>
+                                    <p:cond delay="0"/>
+                                  </p:stCondLst>
+                                  <p:childTnLst>
+                                    <p:set>
+                                      <p:cBhvr>
+                                        <p:cTn id="27" dur="1" fill="hold">
+                                          <p:stCondLst>
+                                            <p:cond delay="0"/>
+                                          </p:stCondLst>
+                                        </p:cTn>
+                                        <p:tgtEl>
+                                          <p:spTgt spid="11"/>
+                                        </p:tgtEl>
+                                        <p:attrNameLst>
+                                          <p:attrName>style.visibility</p:attrName>
+                                        </p:attrNameLst>
+                                      </p:cBhvr>
+                                      <p:to>
+                                        <p:strVal val="visible"/>
+                                      </p:to>
+                                    </p:set>
+                                    <p:animEffect transition="in" filter="fade">
+                                      <p:cBhvr>
+                                        <p:cTn id="28" dur="500"/>
+                                        <p:tgtEl>
+                                          <p:spTgt spid="11"/>
+                                        </p:tgtEl>
+                                      </p:cBhvr>
+                                    </p:animEffect>
+                                  </p:childTnLst>
+                                </p:cTn>
+                              </p:par>
+                            </p:childTnLst>
+                          </p:cTn>
+                        </p:par>
+                      </p:childTnLst>
+                    </p:cTn>
+                  </p:par>
                 </p:childTnLst>
               </p:cTn>
               <p:prevCondLst>
@@ -6799,6 +7073,7 @@
       <p:bldP spid="3" grpId="0" build="p"/>
       <p:bldP spid="9" grpId="0"/>
       <p:bldP spid="10" grpId="0"/>
+      <p:bldP spid="11" grpId="0"/>
     </p:bldLst>
   </p:timing>
 </p:sld>
@@ -6829,8 +7104,8 @@
         </p:nvSpPr>
         <p:spPr>
           <a:xfrm>
-            <a:off x="141668" y="1429555"/>
-            <a:ext cx="11887200" cy="3046988"/>
+            <a:off x="141668" y="2662296"/>
+            <a:ext cx="11887200" cy="2062103"/>
           </a:xfrm>
           <a:prstGeom prst="rect">
             <a:avLst/>
@@ -6843,28 +7118,14 @@
           </a:bodyPr>
           <a:lstStyle/>
           <a:p>
-            <a:pPr algn="ctr"/>
-            <a:r>
-              <a:rPr lang="pt-BR" sz="3200" b="1" dirty="0"/>
-              <a:t>Objetivo do </a:t>
-            </a:r>
-            <a:r>
-              <a:rPr lang="pt-BR" sz="3200" b="1" dirty="0" smtClean="0"/>
-              <a:t>Projeto</a:t>
-            </a:r>
-          </a:p>
-          <a:p>
-            <a:pPr algn="ctr"/>
-            <a:endParaRPr lang="pt-BR" sz="3200" b="1" dirty="0"/>
-          </a:p>
-          <a:p>
+            <a:pPr algn="just"/>
             <a:r>
               <a:rPr lang="pt-BR" sz="3200" dirty="0" smtClean="0"/>
-              <a:t>	</a:t>
+              <a:t>	Diante </a:t>
             </a:r>
             <a:r>
               <a:rPr lang="pt-BR" sz="3200" dirty="0"/>
-              <a:t>Diante do exposto, optou-se por criar um Sistema que possa auxiliar as empresas no controle dos seus serviços, propiciando maior organização, simplicidade, controle e agilidade que atenda a demanda do mercado</a:t>
+              <a:t>do exposto, optou-se por criar um Sistema que possa auxiliar as empresas no controle dos seus serviços, propiciando maior organização, simplicidade, controle e agilidade que atenda a demanda do mercado</a:t>
             </a:r>
             <a:r>
               <a:rPr lang="pt-BR" sz="3200" dirty="0" smtClean="0"/>
@@ -6905,6 +7166,41 @@
           </a:prstGeom>
         </p:spPr>
       </p:pic>
+      <p:sp>
+        <p:nvSpPr>
+          <p:cNvPr id="6" name="CaixaDeTexto 5"/>
+          <p:cNvSpPr txBox="1"/>
+          <p:nvPr/>
+        </p:nvSpPr>
+        <p:spPr>
+          <a:xfrm>
+            <a:off x="141668" y="973569"/>
+            <a:ext cx="11887200" cy="584775"/>
+          </a:xfrm>
+          <a:prstGeom prst="rect">
+            <a:avLst/>
+          </a:prstGeom>
+          <a:noFill/>
+        </p:spPr>
+        <p:txBody>
+          <a:bodyPr wrap="square" rtlCol="0">
+            <a:spAutoFit/>
+          </a:bodyPr>
+          <a:lstStyle/>
+          <a:p>
+            <a:pPr algn="ctr"/>
+            <a:r>
+              <a:rPr lang="pt-BR" sz="3200" b="1" dirty="0"/>
+              <a:t>Objetivo do </a:t>
+            </a:r>
+            <a:r>
+              <a:rPr lang="pt-BR" sz="3200" b="1" dirty="0" smtClean="0"/>
+              <a:t>Projeto</a:t>
+            </a:r>
+            <a:endParaRPr lang="pt-BR" sz="3200" dirty="0"/>
+          </a:p>
+        </p:txBody>
+      </p:sp>
     </p:spTree>
     <p:extLst>
       <p:ext uri="{BB962C8B-B14F-4D97-AF65-F5344CB8AC3E}">
@@ -6936,7 +7232,7 @@
                             </p:stCondLst>
                             <p:childTnLst>
                               <p:par>
-                                <p:cTn id="5" presetID="42" presetClass="entr" presetSubtype="0" fill="hold" grpId="0" nodeType="clickEffect">
+                                <p:cTn id="5" presetID="2" presetClass="entr" presetSubtype="4" fill="hold" grpId="0" nodeType="clickEffect">
                                   <p:stCondLst>
                                     <p:cond delay="0"/>
                                   </p:stCondLst>
@@ -6959,17 +7255,9 @@
                                         <p:strVal val="visible"/>
                                       </p:to>
                                     </p:set>
-                                    <p:animEffect transition="in" filter="fade">
-                                      <p:cBhvr>
-                                        <p:cTn id="7" dur="1000"/>
-                                        <p:tgtEl>
-                                          <p:spTgt spid="4"/>
-                                        </p:tgtEl>
-                                      </p:cBhvr>
-                                    </p:animEffect>
                                     <p:anim calcmode="lin" valueType="num">
-                                      <p:cBhvr>
-                                        <p:cTn id="8" dur="1000" fill="hold"/>
+                                      <p:cBhvr additive="base">
+                                        <p:cTn id="7" dur="500" fill="hold"/>
                                         <p:tgtEl>
                                           <p:spTgt spid="4"/>
                                         </p:tgtEl>
@@ -6991,8 +7279,8 @@
                                       </p:tavLst>
                                     </p:anim>
                                     <p:anim calcmode="lin" valueType="num">
-                                      <p:cBhvr>
-                                        <p:cTn id="9" dur="1000" fill="hold"/>
+                                      <p:cBhvr additive="base">
+                                        <p:cTn id="8" dur="500" fill="hold"/>
                                         <p:tgtEl>
                                           <p:spTgt spid="4"/>
                                         </p:tgtEl>
@@ -7003,7 +7291,98 @@
                                       <p:tavLst>
                                         <p:tav tm="0">
                                           <p:val>
-                                            <p:strVal val="#ppt_y+.1"/>
+                                            <p:strVal val="1+#ppt_h/2"/>
+                                          </p:val>
+                                        </p:tav>
+                                        <p:tav tm="100000">
+                                          <p:val>
+                                            <p:strVal val="#ppt_y"/>
+                                          </p:val>
+                                        </p:tav>
+                                      </p:tavLst>
+                                    </p:anim>
+                                  </p:childTnLst>
+                                </p:cTn>
+                              </p:par>
+                            </p:childTnLst>
+                          </p:cTn>
+                        </p:par>
+                      </p:childTnLst>
+                    </p:cTn>
+                  </p:par>
+                  <p:par>
+                    <p:cTn id="9" fill="hold">
+                      <p:stCondLst>
+                        <p:cond delay="indefinite"/>
+                      </p:stCondLst>
+                      <p:childTnLst>
+                        <p:par>
+                          <p:cTn id="10" fill="hold">
+                            <p:stCondLst>
+                              <p:cond delay="0"/>
+                            </p:stCondLst>
+                            <p:childTnLst>
+                              <p:par>
+                                <p:cTn id="11" presetID="2" presetClass="entr" presetSubtype="4" fill="hold" grpId="0" nodeType="clickEffect">
+                                  <p:stCondLst>
+                                    <p:cond delay="0"/>
+                                  </p:stCondLst>
+                                  <p:childTnLst>
+                                    <p:set>
+                                      <p:cBhvr>
+                                        <p:cTn id="12" dur="1" fill="hold">
+                                          <p:stCondLst>
+                                            <p:cond delay="0"/>
+                                          </p:stCondLst>
+                                        </p:cTn>
+                                        <p:tgtEl>
+                                          <p:spTgt spid="6"/>
+                                        </p:tgtEl>
+                                        <p:attrNameLst>
+                                          <p:attrName>style.visibility</p:attrName>
+                                        </p:attrNameLst>
+                                      </p:cBhvr>
+                                      <p:to>
+                                        <p:strVal val="visible"/>
+                                      </p:to>
+                                    </p:set>
+                                    <p:anim calcmode="lin" valueType="num">
+                                      <p:cBhvr additive="base">
+                                        <p:cTn id="13" dur="500" fill="hold"/>
+                                        <p:tgtEl>
+                                          <p:spTgt spid="6"/>
+                                        </p:tgtEl>
+                                        <p:attrNameLst>
+                                          <p:attrName>ppt_x</p:attrName>
+                                        </p:attrNameLst>
+                                      </p:cBhvr>
+                                      <p:tavLst>
+                                        <p:tav tm="0">
+                                          <p:val>
+                                            <p:strVal val="#ppt_x"/>
+                                          </p:val>
+                                        </p:tav>
+                                        <p:tav tm="100000">
+                                          <p:val>
+                                            <p:strVal val="#ppt_x"/>
+                                          </p:val>
+                                        </p:tav>
+                                      </p:tavLst>
+                                    </p:anim>
+                                    <p:anim calcmode="lin" valueType="num">
+                                      <p:cBhvr additive="base">
+                                        <p:cTn id="14" dur="500" fill="hold"/>
+                                        <p:tgtEl>
+                                          <p:spTgt spid="6"/>
+                                        </p:tgtEl>
+                                        <p:attrNameLst>
+                                          <p:attrName>ppt_y</p:attrName>
+                                        </p:attrNameLst>
+                                      </p:cBhvr>
+                                      <p:tavLst>
+                                        <p:tav tm="0">
+                                          <p:val>
+                                            <p:strVal val="1+#ppt_h/2"/>
                                           </p:val>
                                         </p:tav>
                                         <p:tav tm="100000">
@@ -7045,6 +7424,7 @@
     </p:tnLst>
     <p:bldLst>
       <p:bldP spid="4" grpId="0"/>
+      <p:bldP spid="6" grpId="0"/>
     </p:bldLst>
   </p:timing>
 </p:sld>
@@ -7075,8 +7455,8 @@
         </p:nvSpPr>
         <p:spPr>
           <a:xfrm>
-            <a:off x="141668" y="824248"/>
-            <a:ext cx="11887200" cy="5016758"/>
+            <a:off x="141668" y="1808081"/>
+            <a:ext cx="11887200" cy="4031873"/>
           </a:xfrm>
           <a:prstGeom prst="rect">
             <a:avLst/>
@@ -7089,21 +7469,7 @@
           </a:bodyPr>
           <a:lstStyle/>
           <a:p>
-            <a:pPr algn="ctr"/>
-            <a:r>
-              <a:rPr lang="pt-BR" sz="3200" b="1" dirty="0"/>
-              <a:t>Solução </a:t>
-            </a:r>
-            <a:r>
-              <a:rPr lang="pt-BR" sz="3200" b="1" dirty="0" smtClean="0"/>
-              <a:t>proposta</a:t>
-            </a:r>
-          </a:p>
-          <a:p>
-            <a:pPr algn="ctr"/>
-            <a:endParaRPr lang="pt-BR" sz="3200" b="1" dirty="0"/>
-          </a:p>
-          <a:p>
+            <a:pPr algn="just"/>
             <a:r>
               <a:rPr lang="pt-BR" sz="3200" dirty="0" smtClean="0"/>
               <a:t>	O </a:t>
@@ -7122,6 +7488,7 @@
             </a:r>
           </a:p>
           <a:p>
+            <a:pPr algn="just"/>
             <a:r>
               <a:rPr lang="pt-BR" sz="3200" dirty="0" smtClean="0"/>
               <a:t>	Inicialmente </a:t>
@@ -7164,6 +7531,41 @@
           </a:prstGeom>
         </p:spPr>
       </p:pic>
+      <p:sp>
+        <p:nvSpPr>
+          <p:cNvPr id="6" name="CaixaDeTexto 5"/>
+          <p:cNvSpPr txBox="1"/>
+          <p:nvPr/>
+        </p:nvSpPr>
+        <p:spPr>
+          <a:xfrm>
+            <a:off x="-10732" y="990120"/>
+            <a:ext cx="12192000" cy="584775"/>
+          </a:xfrm>
+          <a:prstGeom prst="rect">
+            <a:avLst/>
+          </a:prstGeom>
+          <a:noFill/>
+        </p:spPr>
+        <p:txBody>
+          <a:bodyPr wrap="square" rtlCol="0">
+            <a:spAutoFit/>
+          </a:bodyPr>
+          <a:lstStyle/>
+          <a:p>
+            <a:pPr algn="ctr"/>
+            <a:r>
+              <a:rPr lang="pt-BR" sz="3200" b="1" dirty="0"/>
+              <a:t>Solução </a:t>
+            </a:r>
+            <a:r>
+              <a:rPr lang="pt-BR" sz="3200" b="1" dirty="0" smtClean="0"/>
+              <a:t>proposta</a:t>
+            </a:r>
+            <a:endParaRPr lang="pt-BR" sz="3200" dirty="0"/>
+          </a:p>
+        </p:txBody>
+      </p:sp>
     </p:spTree>
     <p:extLst>
       <p:ext uri="{BB962C8B-B14F-4D97-AF65-F5344CB8AC3E}">
@@ -7281,6 +7683,105 @@
                       </p:childTnLst>
                     </p:cTn>
                   </p:par>
+                  <p:par>
+                    <p:cTn id="10" fill="hold">
+                      <p:stCondLst>
+                        <p:cond delay="indefinite"/>
+                      </p:stCondLst>
+                      <p:childTnLst>
+                        <p:par>
+                          <p:cTn id="11" fill="hold">
+                            <p:stCondLst>
+                              <p:cond delay="0"/>
+                            </p:stCondLst>
+                            <p:childTnLst>
+                              <p:par>
+                                <p:cTn id="12" presetID="42" presetClass="entr" presetSubtype="0" fill="hold" grpId="0" nodeType="clickEffect">
+                                  <p:stCondLst>
+                                    <p:cond delay="0"/>
+                                  </p:stCondLst>
+                                  <p:childTnLst>
+                                    <p:set>
+                                      <p:cBhvr>
+                                        <p:cTn id="13" dur="1" fill="hold">
+                                          <p:stCondLst>
+                                            <p:cond delay="0"/>
+                                          </p:stCondLst>
+                                        </p:cTn>
+                                        <p:tgtEl>
+                                          <p:spTgt spid="6"/>
+                                        </p:tgtEl>
+                                        <p:attrNameLst>
+                                          <p:attrName>style.visibility</p:attrName>
+                                        </p:attrNameLst>
+                                      </p:cBhvr>
+                                      <p:to>
+                                        <p:strVal val="visible"/>
+                                      </p:to>
+                                    </p:set>
+                                    <p:animEffect transition="in" filter="fade">
+                                      <p:cBhvr>
+                                        <p:cTn id="14" dur="1000"/>
+                                        <p:tgtEl>
+                                          <p:spTgt spid="6"/>
+                                        </p:tgtEl>
+                                      </p:cBhvr>
+                                    </p:animEffect>
+                                    <p:anim calcmode="lin" valueType="num">
+                                      <p:cBhvr>
+                                        <p:cTn id="15" dur="1000" fill="hold"/>
+                                        <p:tgtEl>
+                                          <p:spTgt spid="6"/>
+                                        </p:tgtEl>
+                                        <p:attrNameLst>
+                                          <p:attrName>ppt_x</p:attrName>
+                                        </p:attrNameLst>
+                                      </p:cBhvr>
+                                      <p:tavLst>
+                                        <p:tav tm="0">
+                                          <p:val>
+                                            <p:strVal val="#ppt_x"/>
+                                          </p:val>
+                                        </p:tav>
+                                        <p:tav tm="100000">
+                                          <p:val>
+                                            <p:strVal val="#ppt_x"/>
+                                          </p:val>
+                                        </p:tav>
+                                      </p:tavLst>
+                                    </p:anim>
+                                    <p:anim calcmode="lin" valueType="num">
+                                      <p:cBhvr>
+                                        <p:cTn id="16" dur="1000" fill="hold"/>
+                                        <p:tgtEl>
+                                          <p:spTgt spid="6"/>
+                                        </p:tgtEl>
+                                        <p:attrNameLst>
+                                          <p:attrName>ppt_y</p:attrName>
+                                        </p:attrNameLst>
+                                      </p:cBhvr>
+                                      <p:tavLst>
+                                        <p:tav tm="0">
+                                          <p:val>
+                                            <p:strVal val="#ppt_y+.1"/>
+                                          </p:val>
+                                        </p:tav>
+                                        <p:tav tm="100000">
+                                          <p:val>
+                                            <p:strVal val="#ppt_y"/>
+                                          </p:val>
+                                        </p:tav>
+                                      </p:tavLst>
+                                    </p:anim>
+                                  </p:childTnLst>
+                                </p:cTn>
+                              </p:par>
+                            </p:childTnLst>
+                          </p:cTn>
+                        </p:par>
+                      </p:childTnLst>
+                    </p:cTn>
+                  </p:par>
                 </p:childTnLst>
               </p:cTn>
               <p:prevCondLst>
@@ -7304,6 +7805,7 @@
     </p:tnLst>
     <p:bldLst>
       <p:bldP spid="4" grpId="0"/>
+      <p:bldP spid="6" grpId="0"/>
     </p:bldLst>
   </p:timing>
 </p:sld>
@@ -7328,42 +7830,100 @@
       </p:grpSpPr>
       <p:sp>
         <p:nvSpPr>
-          <p:cNvPr id="2" name="Título 1"/>
-          <p:cNvSpPr>
-            <a:spLocks noGrp="1"/>
-          </p:cNvSpPr>
-          <p:nvPr>
-            <p:ph type="title"/>
-          </p:nvPr>
-        </p:nvSpPr>
-        <p:spPr/>
-        <p:txBody>
-          <a:bodyPr/>
+          <p:cNvPr id="4" name="CaixaDeTexto 3"/>
+          <p:cNvSpPr txBox="1"/>
+          <p:nvPr/>
+        </p:nvSpPr>
+        <p:spPr>
+          <a:xfrm>
+            <a:off x="172278" y="2444185"/>
+            <a:ext cx="11856590" cy="2062103"/>
+          </a:xfrm>
+          <a:prstGeom prst="rect">
+            <a:avLst/>
+          </a:prstGeom>
+          <a:noFill/>
+        </p:spPr>
+        <p:txBody>
+          <a:bodyPr wrap="square" rtlCol="0">
+            <a:spAutoFit/>
+          </a:bodyPr>
           <a:lstStyle/>
           <a:p>
-            <a:endParaRPr lang="pt-BR"/>
-          </a:p>
-        </p:txBody>
-      </p:sp>
-      <p:sp>
-        <p:nvSpPr>
-          <p:cNvPr id="3" name="Espaço Reservado para Conteúdo 2"/>
-          <p:cNvSpPr>
-            <a:spLocks noGrp="1"/>
-          </p:cNvSpPr>
-          <p:nvPr>
-            <p:ph idx="1"/>
-          </p:nvPr>
-        </p:nvSpPr>
-        <p:spPr/>
-        <p:txBody>
-          <a:bodyPr/>
+            <a:pPr algn="just"/>
+            <a:r>
+              <a:rPr lang="pt-BR" sz="3200" dirty="0" smtClean="0"/>
+              <a:t>	O </a:t>
+            </a:r>
+            <a:r>
+              <a:rPr lang="pt-BR" sz="3200" dirty="0"/>
+              <a:t>sistema tem a proposta de oferecer segurança nos dados. Com acesso por senha criptografada e os usuários são limitados pelas permissões de acordo com a sua função.</a:t>
+            </a:r>
+          </a:p>
+        </p:txBody>
+      </p:sp>
+      <p:sp>
+        <p:nvSpPr>
+          <p:cNvPr id="5" name="CaixaDeTexto 4"/>
+          <p:cNvSpPr txBox="1"/>
+          <p:nvPr/>
+        </p:nvSpPr>
+        <p:spPr>
+          <a:xfrm>
+            <a:off x="-10732" y="990120"/>
+            <a:ext cx="12192000" cy="584775"/>
+          </a:xfrm>
+          <a:prstGeom prst="rect">
+            <a:avLst/>
+          </a:prstGeom>
+          <a:noFill/>
+        </p:spPr>
+        <p:txBody>
+          <a:bodyPr wrap="square" rtlCol="0">
+            <a:spAutoFit/>
+          </a:bodyPr>
           <a:lstStyle/>
           <a:p>
-            <a:endParaRPr lang="pt-BR" dirty="0"/>
-          </a:p>
-        </p:txBody>
-      </p:sp>
+            <a:pPr algn="ctr"/>
+            <a:r>
+              <a:rPr lang="pt-BR" sz="3200" b="1" dirty="0" smtClean="0"/>
+              <a:t>Segurança</a:t>
+            </a:r>
+            <a:endParaRPr lang="pt-BR" sz="3200" dirty="0"/>
+          </a:p>
+        </p:txBody>
+      </p:sp>
+      <p:pic>
+        <p:nvPicPr>
+          <p:cNvPr id="6" name="Imagem 5"/>
+          <p:cNvPicPr>
+            <a:picLocks noChangeAspect="1"/>
+          </p:cNvPicPr>
+          <p:nvPr/>
+        </p:nvPicPr>
+        <p:blipFill>
+          <a:blip r:embed="rId2">
+            <a:biLevel thresh="25000"/>
+            <a:extLst>
+              <a:ext uri="{28A0092B-C50C-407E-A947-70E740481C1C}">
+                <a14:useLocalDpi xmlns:a14="http://schemas.microsoft.com/office/drawing/2010/main" val="0"/>
+              </a:ext>
+            </a:extLst>
+          </a:blip>
+          <a:stretch>
+            <a:fillRect/>
+          </a:stretch>
+        </p:blipFill>
+        <p:spPr>
+          <a:xfrm>
+            <a:off x="9746090" y="5953870"/>
+            <a:ext cx="2282778" cy="728424"/>
+          </a:xfrm>
+          <a:prstGeom prst="rect">
+            <a:avLst/>
+          </a:prstGeom>
+        </p:spPr>
+      </p:pic>
     </p:spTree>
     <p:extLst>
       <p:ext uri="{BB962C8B-B14F-4D97-AF65-F5344CB8AC3E}">
@@ -7377,9 +7937,970 @@
   <p:timing>
     <p:tnLst>
       <p:par>
-        <p:cTn id="1" dur="indefinite" restart="never" nodeType="tmRoot"/>
+        <p:cTn id="1" dur="indefinite" restart="never" nodeType="tmRoot">
+          <p:childTnLst>
+            <p:seq concurrent="1" nextAc="seek">
+              <p:cTn id="2" dur="indefinite" nodeType="mainSeq">
+                <p:childTnLst>
+                  <p:par>
+                    <p:cTn id="3" fill="hold">
+                      <p:stCondLst>
+                        <p:cond delay="indefinite"/>
+                      </p:stCondLst>
+                      <p:childTnLst>
+                        <p:par>
+                          <p:cTn id="4" fill="hold">
+                            <p:stCondLst>
+                              <p:cond delay="0"/>
+                            </p:stCondLst>
+                            <p:childTnLst>
+                              <p:par>
+                                <p:cTn id="5" presetID="42" presetClass="entr" presetSubtype="0" fill="hold" grpId="0" nodeType="clickEffect">
+                                  <p:stCondLst>
+                                    <p:cond delay="0"/>
+                                  </p:stCondLst>
+                                  <p:childTnLst>
+                                    <p:set>
+                                      <p:cBhvr>
+                                        <p:cTn id="6" dur="1" fill="hold">
+                                          <p:stCondLst>
+                                            <p:cond delay="0"/>
+                                          </p:stCondLst>
+                                        </p:cTn>
+                                        <p:tgtEl>
+                                          <p:spTgt spid="4"/>
+                                        </p:tgtEl>
+                                        <p:attrNameLst>
+                                          <p:attrName>style.visibility</p:attrName>
+                                        </p:attrNameLst>
+                                      </p:cBhvr>
+                                      <p:to>
+                                        <p:strVal val="visible"/>
+                                      </p:to>
+                                    </p:set>
+                                    <p:animEffect transition="in" filter="fade">
+                                      <p:cBhvr>
+                                        <p:cTn id="7" dur="1000"/>
+                                        <p:tgtEl>
+                                          <p:spTgt spid="4"/>
+                                        </p:tgtEl>
+                                      </p:cBhvr>
+                                    </p:animEffect>
+                                    <p:anim calcmode="lin" valueType="num">
+                                      <p:cBhvr>
+                                        <p:cTn id="8" dur="1000" fill="hold"/>
+                                        <p:tgtEl>
+                                          <p:spTgt spid="4"/>
+                                        </p:tgtEl>
+                                        <p:attrNameLst>
+                                          <p:attrName>ppt_x</p:attrName>
+                                        </p:attrNameLst>
+                                      </p:cBhvr>
+                                      <p:tavLst>
+                                        <p:tav tm="0">
+                                          <p:val>
+                                            <p:strVal val="#ppt_x"/>
+                                          </p:val>
+                                        </p:tav>
+                                        <p:tav tm="100000">
+                                          <p:val>
+                                            <p:strVal val="#ppt_x"/>
+                                          </p:val>
+                                        </p:tav>
+                                      </p:tavLst>
+                                    </p:anim>
+                                    <p:anim calcmode="lin" valueType="num">
+                                      <p:cBhvr>
+                                        <p:cTn id="9" dur="1000" fill="hold"/>
+                                        <p:tgtEl>
+                                          <p:spTgt spid="4"/>
+                                        </p:tgtEl>
+                                        <p:attrNameLst>
+                                          <p:attrName>ppt_y</p:attrName>
+                                        </p:attrNameLst>
+                                      </p:cBhvr>
+                                      <p:tavLst>
+                                        <p:tav tm="0">
+                                          <p:val>
+                                            <p:strVal val="#ppt_y+.1"/>
+                                          </p:val>
+                                        </p:tav>
+                                        <p:tav tm="100000">
+                                          <p:val>
+                                            <p:strVal val="#ppt_y"/>
+                                          </p:val>
+                                        </p:tav>
+                                      </p:tavLst>
+                                    </p:anim>
+                                  </p:childTnLst>
+                                </p:cTn>
+                              </p:par>
+                            </p:childTnLst>
+                          </p:cTn>
+                        </p:par>
+                      </p:childTnLst>
+                    </p:cTn>
+                  </p:par>
+                  <p:par>
+                    <p:cTn id="10" fill="hold">
+                      <p:stCondLst>
+                        <p:cond delay="indefinite"/>
+                      </p:stCondLst>
+                      <p:childTnLst>
+                        <p:par>
+                          <p:cTn id="11" fill="hold">
+                            <p:stCondLst>
+                              <p:cond delay="0"/>
+                            </p:stCondLst>
+                            <p:childTnLst>
+                              <p:par>
+                                <p:cTn id="12" presetID="42" presetClass="entr" presetSubtype="0" fill="hold" grpId="0" nodeType="clickEffect">
+                                  <p:stCondLst>
+                                    <p:cond delay="0"/>
+                                  </p:stCondLst>
+                                  <p:childTnLst>
+                                    <p:set>
+                                      <p:cBhvr>
+                                        <p:cTn id="13" dur="1" fill="hold">
+                                          <p:stCondLst>
+                                            <p:cond delay="0"/>
+                                          </p:stCondLst>
+                                        </p:cTn>
+                                        <p:tgtEl>
+                                          <p:spTgt spid="5"/>
+                                        </p:tgtEl>
+                                        <p:attrNameLst>
+                                          <p:attrName>style.visibility</p:attrName>
+                                        </p:attrNameLst>
+                                      </p:cBhvr>
+                                      <p:to>
+                                        <p:strVal val="visible"/>
+                                      </p:to>
+                                    </p:set>
+                                    <p:animEffect transition="in" filter="fade">
+                                      <p:cBhvr>
+                                        <p:cTn id="14" dur="1000"/>
+                                        <p:tgtEl>
+                                          <p:spTgt spid="5"/>
+                                        </p:tgtEl>
+                                      </p:cBhvr>
+                                    </p:animEffect>
+                                    <p:anim calcmode="lin" valueType="num">
+                                      <p:cBhvr>
+                                        <p:cTn id="15" dur="1000" fill="hold"/>
+                                        <p:tgtEl>
+                                          <p:spTgt spid="5"/>
+                                        </p:tgtEl>
+                                        <p:attrNameLst>
+                                          <p:attrName>ppt_x</p:attrName>
+                                        </p:attrNameLst>
+                                      </p:cBhvr>
+                                      <p:tavLst>
+                                        <p:tav tm="0">
+                                          <p:val>
+                                            <p:strVal val="#ppt_x"/>
+                                          </p:val>
+                                        </p:tav>
+                                        <p:tav tm="100000">
+                                          <p:val>
+                                            <p:strVal val="#ppt_x"/>
+                                          </p:val>
+                                        </p:tav>
+                                      </p:tavLst>
+                                    </p:anim>
+                                    <p:anim calcmode="lin" valueType="num">
+                                      <p:cBhvr>
+                                        <p:cTn id="16" dur="1000" fill="hold"/>
+                                        <p:tgtEl>
+                                          <p:spTgt spid="5"/>
+                                        </p:tgtEl>
+                                        <p:attrNameLst>
+                                          <p:attrName>ppt_y</p:attrName>
+                                        </p:attrNameLst>
+                                      </p:cBhvr>
+                                      <p:tavLst>
+                                        <p:tav tm="0">
+                                          <p:val>
+                                            <p:strVal val="#ppt_y+.1"/>
+                                          </p:val>
+                                        </p:tav>
+                                        <p:tav tm="100000">
+                                          <p:val>
+                                            <p:strVal val="#ppt_y"/>
+                                          </p:val>
+                                        </p:tav>
+                                      </p:tavLst>
+                                    </p:anim>
+                                  </p:childTnLst>
+                                </p:cTn>
+                              </p:par>
+                            </p:childTnLst>
+                          </p:cTn>
+                        </p:par>
+                      </p:childTnLst>
+                    </p:cTn>
+                  </p:par>
+                </p:childTnLst>
+              </p:cTn>
+              <p:prevCondLst>
+                <p:cond evt="onPrev" delay="0">
+                  <p:tgtEl>
+                    <p:sldTgt/>
+                  </p:tgtEl>
+                </p:cond>
+              </p:prevCondLst>
+              <p:nextCondLst>
+                <p:cond evt="onNext" delay="0">
+                  <p:tgtEl>
+                    <p:sldTgt/>
+                  </p:tgtEl>
+                </p:cond>
+              </p:nextCondLst>
+            </p:seq>
+          </p:childTnLst>
+        </p:cTn>
       </p:par>
     </p:tnLst>
+    <p:bldLst>
+      <p:bldP spid="4" grpId="0"/>
+      <p:bldP spid="5" grpId="0"/>
+    </p:bldLst>
+  </p:timing>
+</p:sld>
+</file>
+
+<file path=ppt/slides/slide6.xml><?xml version="1.0" encoding="utf-8"?>
+<p:sld xmlns:a="http://schemas.openxmlformats.org/drawingml/2006/main" xmlns:r="http://schemas.openxmlformats.org/officeDocument/2006/relationships" xmlns:p="http://schemas.openxmlformats.org/presentationml/2006/main">
+  <p:cSld>
+    <p:spTree>
+      <p:nvGrpSpPr>
+        <p:cNvPr id="1" name=""/>
+        <p:cNvGrpSpPr/>
+        <p:nvPr/>
+      </p:nvGrpSpPr>
+      <p:grpSpPr>
+        <a:xfrm>
+          <a:off x="0" y="0"/>
+          <a:ext cx="0" cy="0"/>
+          <a:chOff x="0" y="0"/>
+          <a:chExt cx="0" cy="0"/>
+        </a:xfrm>
+      </p:grpSpPr>
+      <p:sp>
+        <p:nvSpPr>
+          <p:cNvPr id="4" name="CaixaDeTexto 3"/>
+          <p:cNvSpPr txBox="1"/>
+          <p:nvPr/>
+        </p:nvSpPr>
+        <p:spPr>
+          <a:xfrm>
+            <a:off x="172278" y="2444185"/>
+            <a:ext cx="11856590" cy="2062103"/>
+          </a:xfrm>
+          <a:prstGeom prst="rect">
+            <a:avLst/>
+          </a:prstGeom>
+          <a:noFill/>
+        </p:spPr>
+        <p:txBody>
+          <a:bodyPr wrap="square" rtlCol="0">
+            <a:spAutoFit/>
+          </a:bodyPr>
+          <a:lstStyle/>
+          <a:p>
+            <a:pPr algn="just"/>
+            <a:r>
+              <a:rPr lang="pt-BR" sz="3200" dirty="0" smtClean="0"/>
+              <a:t>	</a:t>
+            </a:r>
+            <a:r>
+              <a:rPr lang="pt-BR" sz="3200" dirty="0"/>
+              <a:t>O sistema tem a proposta de ser simples e fácil manusear de maneira que pessoas que não tenham hábito com computadores possa se acostumar </a:t>
+            </a:r>
+            <a:r>
+              <a:rPr lang="pt-BR" sz="3200" dirty="0" smtClean="0"/>
+              <a:t>facilmente.</a:t>
+            </a:r>
+            <a:endParaRPr lang="pt-BR" sz="3200" dirty="0"/>
+          </a:p>
+        </p:txBody>
+      </p:sp>
+      <p:sp>
+        <p:nvSpPr>
+          <p:cNvPr id="5" name="CaixaDeTexto 4"/>
+          <p:cNvSpPr txBox="1"/>
+          <p:nvPr/>
+        </p:nvSpPr>
+        <p:spPr>
+          <a:xfrm>
+            <a:off x="-10732" y="990120"/>
+            <a:ext cx="12192000" cy="584775"/>
+          </a:xfrm>
+          <a:prstGeom prst="rect">
+            <a:avLst/>
+          </a:prstGeom>
+          <a:noFill/>
+        </p:spPr>
+        <p:txBody>
+          <a:bodyPr wrap="square" rtlCol="0">
+            <a:spAutoFit/>
+          </a:bodyPr>
+          <a:lstStyle/>
+          <a:p>
+            <a:pPr algn="ctr"/>
+            <a:r>
+              <a:rPr lang="pt-BR" sz="3200" b="1" dirty="0" smtClean="0"/>
+              <a:t>Usabilidade</a:t>
+            </a:r>
+            <a:endParaRPr lang="pt-BR" sz="3200" dirty="0"/>
+          </a:p>
+        </p:txBody>
+      </p:sp>
+      <p:pic>
+        <p:nvPicPr>
+          <p:cNvPr id="6" name="Imagem 5"/>
+          <p:cNvPicPr>
+            <a:picLocks noChangeAspect="1"/>
+          </p:cNvPicPr>
+          <p:nvPr/>
+        </p:nvPicPr>
+        <p:blipFill>
+          <a:blip r:embed="rId2">
+            <a:biLevel thresh="25000"/>
+            <a:extLst>
+              <a:ext uri="{28A0092B-C50C-407E-A947-70E740481C1C}">
+                <a14:useLocalDpi xmlns:a14="http://schemas.microsoft.com/office/drawing/2010/main" val="0"/>
+              </a:ext>
+            </a:extLst>
+          </a:blip>
+          <a:stretch>
+            <a:fillRect/>
+          </a:stretch>
+        </p:blipFill>
+        <p:spPr>
+          <a:xfrm>
+            <a:off x="9746090" y="5953870"/>
+            <a:ext cx="2282778" cy="728424"/>
+          </a:xfrm>
+          <a:prstGeom prst="rect">
+            <a:avLst/>
+          </a:prstGeom>
+        </p:spPr>
+      </p:pic>
+    </p:spTree>
+    <p:extLst>
+      <p:ext uri="{BB962C8B-B14F-4D97-AF65-F5344CB8AC3E}">
+        <p14:creationId xmlns:p14="http://schemas.microsoft.com/office/powerpoint/2010/main" val="1753772695"/>
+      </p:ext>
+    </p:extLst>
+  </p:cSld>
+  <p:clrMapOvr>
+    <a:masterClrMapping/>
+  </p:clrMapOvr>
+  <p:timing>
+    <p:tnLst>
+      <p:par>
+        <p:cTn id="1" dur="indefinite" restart="never" nodeType="tmRoot">
+          <p:childTnLst>
+            <p:seq concurrent="1" nextAc="seek">
+              <p:cTn id="2" dur="indefinite" nodeType="mainSeq">
+                <p:childTnLst>
+                  <p:par>
+                    <p:cTn id="3" fill="hold">
+                      <p:stCondLst>
+                        <p:cond delay="indefinite"/>
+                      </p:stCondLst>
+                      <p:childTnLst>
+                        <p:par>
+                          <p:cTn id="4" fill="hold">
+                            <p:stCondLst>
+                              <p:cond delay="0"/>
+                            </p:stCondLst>
+                            <p:childTnLst>
+                              <p:par>
+                                <p:cTn id="5" presetID="42" presetClass="entr" presetSubtype="0" fill="hold" grpId="0" nodeType="clickEffect">
+                                  <p:stCondLst>
+                                    <p:cond delay="0"/>
+                                  </p:stCondLst>
+                                  <p:childTnLst>
+                                    <p:set>
+                                      <p:cBhvr>
+                                        <p:cTn id="6" dur="1" fill="hold">
+                                          <p:stCondLst>
+                                            <p:cond delay="0"/>
+                                          </p:stCondLst>
+                                        </p:cTn>
+                                        <p:tgtEl>
+                                          <p:spTgt spid="4"/>
+                                        </p:tgtEl>
+                                        <p:attrNameLst>
+                                          <p:attrName>style.visibility</p:attrName>
+                                        </p:attrNameLst>
+                                      </p:cBhvr>
+                                      <p:to>
+                                        <p:strVal val="visible"/>
+                                      </p:to>
+                                    </p:set>
+                                    <p:animEffect transition="in" filter="fade">
+                                      <p:cBhvr>
+                                        <p:cTn id="7" dur="1000"/>
+                                        <p:tgtEl>
+                                          <p:spTgt spid="4"/>
+                                        </p:tgtEl>
+                                      </p:cBhvr>
+                                    </p:animEffect>
+                                    <p:anim calcmode="lin" valueType="num">
+                                      <p:cBhvr>
+                                        <p:cTn id="8" dur="1000" fill="hold"/>
+                                        <p:tgtEl>
+                                          <p:spTgt spid="4"/>
+                                        </p:tgtEl>
+                                        <p:attrNameLst>
+                                          <p:attrName>ppt_x</p:attrName>
+                                        </p:attrNameLst>
+                                      </p:cBhvr>
+                                      <p:tavLst>
+                                        <p:tav tm="0">
+                                          <p:val>
+                                            <p:strVal val="#ppt_x"/>
+                                          </p:val>
+                                        </p:tav>
+                                        <p:tav tm="100000">
+                                          <p:val>
+                                            <p:strVal val="#ppt_x"/>
+                                          </p:val>
+                                        </p:tav>
+                                      </p:tavLst>
+                                    </p:anim>
+                                    <p:anim calcmode="lin" valueType="num">
+                                      <p:cBhvr>
+                                        <p:cTn id="9" dur="1000" fill="hold"/>
+                                        <p:tgtEl>
+                                          <p:spTgt spid="4"/>
+                                        </p:tgtEl>
+                                        <p:attrNameLst>
+                                          <p:attrName>ppt_y</p:attrName>
+                                        </p:attrNameLst>
+                                      </p:cBhvr>
+                                      <p:tavLst>
+                                        <p:tav tm="0">
+                                          <p:val>
+                                            <p:strVal val="#ppt_y+.1"/>
+                                          </p:val>
+                                        </p:tav>
+                                        <p:tav tm="100000">
+                                          <p:val>
+                                            <p:strVal val="#ppt_y"/>
+                                          </p:val>
+                                        </p:tav>
+                                      </p:tavLst>
+                                    </p:anim>
+                                  </p:childTnLst>
+                                </p:cTn>
+                              </p:par>
+                            </p:childTnLst>
+                          </p:cTn>
+                        </p:par>
+                      </p:childTnLst>
+                    </p:cTn>
+                  </p:par>
+                  <p:par>
+                    <p:cTn id="10" fill="hold">
+                      <p:stCondLst>
+                        <p:cond delay="indefinite"/>
+                      </p:stCondLst>
+                      <p:childTnLst>
+                        <p:par>
+                          <p:cTn id="11" fill="hold">
+                            <p:stCondLst>
+                              <p:cond delay="0"/>
+                            </p:stCondLst>
+                            <p:childTnLst>
+                              <p:par>
+                                <p:cTn id="12" presetID="42" presetClass="entr" presetSubtype="0" fill="hold" grpId="0" nodeType="clickEffect">
+                                  <p:stCondLst>
+                                    <p:cond delay="0"/>
+                                  </p:stCondLst>
+                                  <p:childTnLst>
+                                    <p:set>
+                                      <p:cBhvr>
+                                        <p:cTn id="13" dur="1" fill="hold">
+                                          <p:stCondLst>
+                                            <p:cond delay="0"/>
+                                          </p:stCondLst>
+                                        </p:cTn>
+                                        <p:tgtEl>
+                                          <p:spTgt spid="5"/>
+                                        </p:tgtEl>
+                                        <p:attrNameLst>
+                                          <p:attrName>style.visibility</p:attrName>
+                                        </p:attrNameLst>
+                                      </p:cBhvr>
+                                      <p:to>
+                                        <p:strVal val="visible"/>
+                                      </p:to>
+                                    </p:set>
+                                    <p:animEffect transition="in" filter="fade">
+                                      <p:cBhvr>
+                                        <p:cTn id="14" dur="1000"/>
+                                        <p:tgtEl>
+                                          <p:spTgt spid="5"/>
+                                        </p:tgtEl>
+                                      </p:cBhvr>
+                                    </p:animEffect>
+                                    <p:anim calcmode="lin" valueType="num">
+                                      <p:cBhvr>
+                                        <p:cTn id="15" dur="1000" fill="hold"/>
+                                        <p:tgtEl>
+                                          <p:spTgt spid="5"/>
+                                        </p:tgtEl>
+                                        <p:attrNameLst>
+                                          <p:attrName>ppt_x</p:attrName>
+                                        </p:attrNameLst>
+                                      </p:cBhvr>
+                                      <p:tavLst>
+                                        <p:tav tm="0">
+                                          <p:val>
+                                            <p:strVal val="#ppt_x"/>
+                                          </p:val>
+                                        </p:tav>
+                                        <p:tav tm="100000">
+                                          <p:val>
+                                            <p:strVal val="#ppt_x"/>
+                                          </p:val>
+                                        </p:tav>
+                                      </p:tavLst>
+                                    </p:anim>
+                                    <p:anim calcmode="lin" valueType="num">
+                                      <p:cBhvr>
+                                        <p:cTn id="16" dur="1000" fill="hold"/>
+                                        <p:tgtEl>
+                                          <p:spTgt spid="5"/>
+                                        </p:tgtEl>
+                                        <p:attrNameLst>
+                                          <p:attrName>ppt_y</p:attrName>
+                                        </p:attrNameLst>
+                                      </p:cBhvr>
+                                      <p:tavLst>
+                                        <p:tav tm="0">
+                                          <p:val>
+                                            <p:strVal val="#ppt_y+.1"/>
+                                          </p:val>
+                                        </p:tav>
+                                        <p:tav tm="100000">
+                                          <p:val>
+                                            <p:strVal val="#ppt_y"/>
+                                          </p:val>
+                                        </p:tav>
+                                      </p:tavLst>
+                                    </p:anim>
+                                  </p:childTnLst>
+                                </p:cTn>
+                              </p:par>
+                            </p:childTnLst>
+                          </p:cTn>
+                        </p:par>
+                      </p:childTnLst>
+                    </p:cTn>
+                  </p:par>
+                </p:childTnLst>
+              </p:cTn>
+              <p:prevCondLst>
+                <p:cond evt="onPrev" delay="0">
+                  <p:tgtEl>
+                    <p:sldTgt/>
+                  </p:tgtEl>
+                </p:cond>
+              </p:prevCondLst>
+              <p:nextCondLst>
+                <p:cond evt="onNext" delay="0">
+                  <p:tgtEl>
+                    <p:sldTgt/>
+                  </p:tgtEl>
+                </p:cond>
+              </p:nextCondLst>
+            </p:seq>
+          </p:childTnLst>
+        </p:cTn>
+      </p:par>
+    </p:tnLst>
+    <p:bldLst>
+      <p:bldP spid="4" grpId="0"/>
+      <p:bldP spid="5" grpId="0"/>
+    </p:bldLst>
+  </p:timing>
+</p:sld>
+</file>
+
+<file path=ppt/slides/slide7.xml><?xml version="1.0" encoding="utf-8"?>
+<p:sld xmlns:a="http://schemas.openxmlformats.org/drawingml/2006/main" xmlns:r="http://schemas.openxmlformats.org/officeDocument/2006/relationships" xmlns:p="http://schemas.openxmlformats.org/presentationml/2006/main">
+  <p:cSld>
+    <p:spTree>
+      <p:nvGrpSpPr>
+        <p:cNvPr id="1" name=""/>
+        <p:cNvGrpSpPr/>
+        <p:nvPr/>
+      </p:nvGrpSpPr>
+      <p:grpSpPr>
+        <a:xfrm>
+          <a:off x="0" y="0"/>
+          <a:ext cx="0" cy="0"/>
+          <a:chOff x="0" y="0"/>
+          <a:chExt cx="0" cy="0"/>
+        </a:xfrm>
+      </p:grpSpPr>
+      <p:sp>
+        <p:nvSpPr>
+          <p:cNvPr id="4" name="CaixaDeTexto 3"/>
+          <p:cNvSpPr txBox="1"/>
+          <p:nvPr/>
+        </p:nvSpPr>
+        <p:spPr>
+          <a:xfrm>
+            <a:off x="172278" y="2444185"/>
+            <a:ext cx="11856590" cy="3046988"/>
+          </a:xfrm>
+          <a:prstGeom prst="rect">
+            <a:avLst/>
+          </a:prstGeom>
+          <a:noFill/>
+        </p:spPr>
+        <p:txBody>
+          <a:bodyPr wrap="square" rtlCol="0">
+            <a:spAutoFit/>
+          </a:bodyPr>
+          <a:lstStyle/>
+          <a:p>
+            <a:pPr algn="just"/>
+            <a:r>
+              <a:rPr lang="pt-BR" sz="3200" dirty="0" smtClean="0"/>
+              <a:t>	</a:t>
+            </a:r>
+            <a:r>
+              <a:rPr lang="pt-BR" sz="3200" dirty="0"/>
+              <a:t>Essa é a nossa proposta inicial para entrarmos nesse nicho e podemos aproveitar esse mercado que tem crescido nos últimos anos, oferecendo um produto que possa auxiliar as empresas em seu crescimento</a:t>
+            </a:r>
+            <a:r>
+              <a:rPr lang="pt-BR" sz="3200" dirty="0" smtClean="0"/>
+              <a:t>.</a:t>
+            </a:r>
+          </a:p>
+          <a:p>
+            <a:pPr algn="just"/>
+            <a:endParaRPr lang="pt-BR" sz="3200" dirty="0"/>
+          </a:p>
+          <a:p>
+            <a:pPr algn="just"/>
+            <a:r>
+              <a:rPr lang="pt-BR" sz="3200" dirty="0"/>
+              <a:t>Obrigado!</a:t>
+            </a:r>
+          </a:p>
+        </p:txBody>
+      </p:sp>
+      <p:sp>
+        <p:nvSpPr>
+          <p:cNvPr id="5" name="CaixaDeTexto 4"/>
+          <p:cNvSpPr txBox="1"/>
+          <p:nvPr/>
+        </p:nvSpPr>
+        <p:spPr>
+          <a:xfrm>
+            <a:off x="-10732" y="990120"/>
+            <a:ext cx="12192000" cy="584775"/>
+          </a:xfrm>
+          <a:prstGeom prst="rect">
+            <a:avLst/>
+          </a:prstGeom>
+          <a:noFill/>
+        </p:spPr>
+        <p:txBody>
+          <a:bodyPr wrap="square" rtlCol="0">
+            <a:spAutoFit/>
+          </a:bodyPr>
+          <a:lstStyle/>
+          <a:p>
+            <a:pPr algn="ctr"/>
+            <a:r>
+              <a:rPr lang="pt-BR" sz="3200" b="1" dirty="0" smtClean="0"/>
+              <a:t>Conclusão</a:t>
+            </a:r>
+            <a:endParaRPr lang="pt-BR" sz="3200" dirty="0"/>
+          </a:p>
+        </p:txBody>
+      </p:sp>
+      <p:pic>
+        <p:nvPicPr>
+          <p:cNvPr id="6" name="Imagem 5"/>
+          <p:cNvPicPr>
+            <a:picLocks noChangeAspect="1"/>
+          </p:cNvPicPr>
+          <p:nvPr/>
+        </p:nvPicPr>
+        <p:blipFill>
+          <a:blip r:embed="rId2">
+            <a:biLevel thresh="25000"/>
+            <a:extLst>
+              <a:ext uri="{28A0092B-C50C-407E-A947-70E740481C1C}">
+                <a14:useLocalDpi xmlns:a14="http://schemas.microsoft.com/office/drawing/2010/main" val="0"/>
+              </a:ext>
+            </a:extLst>
+          </a:blip>
+          <a:stretch>
+            <a:fillRect/>
+          </a:stretch>
+        </p:blipFill>
+        <p:spPr>
+          <a:xfrm>
+            <a:off x="9746090" y="5953870"/>
+            <a:ext cx="2282778" cy="728424"/>
+          </a:xfrm>
+          <a:prstGeom prst="rect">
+            <a:avLst/>
+          </a:prstGeom>
+        </p:spPr>
+      </p:pic>
+    </p:spTree>
+    <p:extLst>
+      <p:ext uri="{BB962C8B-B14F-4D97-AF65-F5344CB8AC3E}">
+        <p14:creationId xmlns:p14="http://schemas.microsoft.com/office/powerpoint/2010/main" val="3557268666"/>
+      </p:ext>
+    </p:extLst>
+  </p:cSld>
+  <p:clrMapOvr>
+    <a:masterClrMapping/>
+  </p:clrMapOvr>
+  <p:timing>
+    <p:tnLst>
+      <p:par>
+        <p:cTn id="1" dur="indefinite" restart="never" nodeType="tmRoot">
+          <p:childTnLst>
+            <p:seq concurrent="1" nextAc="seek">
+              <p:cTn id="2" dur="indefinite" nodeType="mainSeq">
+                <p:childTnLst>
+                  <p:par>
+                    <p:cTn id="3" fill="hold">
+                      <p:stCondLst>
+                        <p:cond delay="indefinite"/>
+                      </p:stCondLst>
+                      <p:childTnLst>
+                        <p:par>
+                          <p:cTn id="4" fill="hold">
+                            <p:stCondLst>
+                              <p:cond delay="0"/>
+                            </p:stCondLst>
+                            <p:childTnLst>
+                              <p:par>
+                                <p:cTn id="5" presetID="42" presetClass="entr" presetSubtype="0" fill="hold" grpId="0" nodeType="clickEffect">
+                                  <p:stCondLst>
+                                    <p:cond delay="0"/>
+                                  </p:stCondLst>
+                                  <p:childTnLst>
+                                    <p:set>
+                                      <p:cBhvr>
+                                        <p:cTn id="6" dur="1" fill="hold">
+                                          <p:stCondLst>
+                                            <p:cond delay="0"/>
+                                          </p:stCondLst>
+                                        </p:cTn>
+                                        <p:tgtEl>
+                                          <p:spTgt spid="4"/>
+                                        </p:tgtEl>
+                                        <p:attrNameLst>
+                                          <p:attrName>style.visibility</p:attrName>
+                                        </p:attrNameLst>
+                                      </p:cBhvr>
+                                      <p:to>
+                                        <p:strVal val="visible"/>
+                                      </p:to>
+                                    </p:set>
+                                    <p:animEffect transition="in" filter="fade">
+                                      <p:cBhvr>
+                                        <p:cTn id="7" dur="1000"/>
+                                        <p:tgtEl>
+                                          <p:spTgt spid="4"/>
+                                        </p:tgtEl>
+                                      </p:cBhvr>
+                                    </p:animEffect>
+                                    <p:anim calcmode="lin" valueType="num">
+                                      <p:cBhvr>
+                                        <p:cTn id="8" dur="1000" fill="hold"/>
+                                        <p:tgtEl>
+                                          <p:spTgt spid="4"/>
+                                        </p:tgtEl>
+                                        <p:attrNameLst>
+                                          <p:attrName>ppt_x</p:attrName>
+                                        </p:attrNameLst>
+                                      </p:cBhvr>
+                                      <p:tavLst>
+                                        <p:tav tm="0">
+                                          <p:val>
+                                            <p:strVal val="#ppt_x"/>
+                                          </p:val>
+                                        </p:tav>
+                                        <p:tav tm="100000">
+                                          <p:val>
+                                            <p:strVal val="#ppt_x"/>
+                                          </p:val>
+                                        </p:tav>
+                                      </p:tavLst>
+                                    </p:anim>
+                                    <p:anim calcmode="lin" valueType="num">
+                                      <p:cBhvr>
+                                        <p:cTn id="9" dur="1000" fill="hold"/>
+                                        <p:tgtEl>
+                                          <p:spTgt spid="4"/>
+                                        </p:tgtEl>
+                                        <p:attrNameLst>
+                                          <p:attrName>ppt_y</p:attrName>
+                                        </p:attrNameLst>
+                                      </p:cBhvr>
+                                      <p:tavLst>
+                                        <p:tav tm="0">
+                                          <p:val>
+                                            <p:strVal val="#ppt_y+.1"/>
+                                          </p:val>
+                                        </p:tav>
+                                        <p:tav tm="100000">
+                                          <p:val>
+                                            <p:strVal val="#ppt_y"/>
+                                          </p:val>
+                                        </p:tav>
+                                      </p:tavLst>
+                                    </p:anim>
+                                  </p:childTnLst>
+                                </p:cTn>
+                              </p:par>
+                            </p:childTnLst>
+                          </p:cTn>
+                        </p:par>
+                      </p:childTnLst>
+                    </p:cTn>
+                  </p:par>
+                  <p:par>
+                    <p:cTn id="10" fill="hold">
+                      <p:stCondLst>
+                        <p:cond delay="indefinite"/>
+                      </p:stCondLst>
+                      <p:childTnLst>
+                        <p:par>
+                          <p:cTn id="11" fill="hold">
+                            <p:stCondLst>
+                              <p:cond delay="0"/>
+                            </p:stCondLst>
+                            <p:childTnLst>
+                              <p:par>
+                                <p:cTn id="12" presetID="42" presetClass="entr" presetSubtype="0" fill="hold" grpId="0" nodeType="clickEffect">
+                                  <p:stCondLst>
+                                    <p:cond delay="0"/>
+                                  </p:stCondLst>
+                                  <p:childTnLst>
+                                    <p:set>
+                                      <p:cBhvr>
+                                        <p:cTn id="13" dur="1" fill="hold">
+                                          <p:stCondLst>
+                                            <p:cond delay="0"/>
+                                          </p:stCondLst>
+                                        </p:cTn>
+                                        <p:tgtEl>
+                                          <p:spTgt spid="5"/>
+                                        </p:tgtEl>
+                                        <p:attrNameLst>
+                                          <p:attrName>style.visibility</p:attrName>
+                                        </p:attrNameLst>
+                                      </p:cBhvr>
+                                      <p:to>
+                                        <p:strVal val="visible"/>
+                                      </p:to>
+                                    </p:set>
+                                    <p:animEffect transition="in" filter="fade">
+                                      <p:cBhvr>
+                                        <p:cTn id="14" dur="1000"/>
+                                        <p:tgtEl>
+                                          <p:spTgt spid="5"/>
+                                        </p:tgtEl>
+                                      </p:cBhvr>
+                                    </p:animEffect>
+                                    <p:anim calcmode="lin" valueType="num">
+                                      <p:cBhvr>
+                                        <p:cTn id="15" dur="1000" fill="hold"/>
+                                        <p:tgtEl>
+                                          <p:spTgt spid="5"/>
+                                        </p:tgtEl>
+                                        <p:attrNameLst>
+                                          <p:attrName>ppt_x</p:attrName>
+                                        </p:attrNameLst>
+                                      </p:cBhvr>
+                                      <p:tavLst>
+                                        <p:tav tm="0">
+                                          <p:val>
+                                            <p:strVal val="#ppt_x"/>
+                                          </p:val>
+                                        </p:tav>
+                                        <p:tav tm="100000">
+                                          <p:val>
+                                            <p:strVal val="#ppt_x"/>
+                                          </p:val>
+                                        </p:tav>
+                                      </p:tavLst>
+                                    </p:anim>
+                                    <p:anim calcmode="lin" valueType="num">
+                                      <p:cBhvr>
+                                        <p:cTn id="16" dur="1000" fill="hold"/>
+                                        <p:tgtEl>
+                                          <p:spTgt spid="5"/>
+                                        </p:tgtEl>
+                                        <p:attrNameLst>
+                                          <p:attrName>ppt_y</p:attrName>
+                                        </p:attrNameLst>
+                                      </p:cBhvr>
+                                      <p:tavLst>
+                                        <p:tav tm="0">
+                                          <p:val>
+                                            <p:strVal val="#ppt_y+.1"/>
+                                          </p:val>
+                                        </p:tav>
+                                        <p:tav tm="100000">
+                                          <p:val>
+                                            <p:strVal val="#ppt_y"/>
+                                          </p:val>
+                                        </p:tav>
+                                      </p:tavLst>
+                                    </p:anim>
+                                  </p:childTnLst>
+                                </p:cTn>
+                              </p:par>
+                            </p:childTnLst>
+                          </p:cTn>
+                        </p:par>
+                      </p:childTnLst>
+                    </p:cTn>
+                  </p:par>
+                </p:childTnLst>
+              </p:cTn>
+              <p:prevCondLst>
+                <p:cond evt="onPrev" delay="0">
+                  <p:tgtEl>
+                    <p:sldTgt/>
+                  </p:tgtEl>
+                </p:cond>
+              </p:prevCondLst>
+              <p:nextCondLst>
+                <p:cond evt="onNext" delay="0">
+                  <p:tgtEl>
+                    <p:sldTgt/>
+                  </p:tgtEl>
+                </p:cond>
+              </p:nextCondLst>
+            </p:seq>
+          </p:childTnLst>
+        </p:cTn>
+      </p:par>
+    </p:tnLst>
+    <p:bldLst>
+      <p:bldP spid="4" grpId="0"/>
+      <p:bldP spid="5" grpId="0"/>
+    </p:bldLst>
   </p:timing>
 </p:sld>
 </file>

--- a/Gestão Pet Shop.pptx
+++ b/Gestão Pet Shop.pptx
@@ -5879,9 +5879,126 @@
   <p:timing>
     <p:tnLst>
       <p:par>
-        <p:cTn id="1" dur="indefinite" restart="never" nodeType="tmRoot"/>
+        <p:cTn id="1" dur="indefinite" restart="never" nodeType="tmRoot">
+          <p:childTnLst>
+            <p:seq concurrent="1" nextAc="seek">
+              <p:cTn id="2" dur="indefinite" nodeType="mainSeq">
+                <p:childTnLst>
+                  <p:par>
+                    <p:cTn id="3" fill="hold">
+                      <p:stCondLst>
+                        <p:cond delay="indefinite"/>
+                      </p:stCondLst>
+                      <p:childTnLst>
+                        <p:par>
+                          <p:cTn id="4" fill="hold">
+                            <p:stCondLst>
+                              <p:cond delay="0"/>
+                            </p:stCondLst>
+                            <p:childTnLst>
+                              <p:par>
+                                <p:cTn id="5" presetID="2" presetClass="entr" presetSubtype="4" fill="hold" grpId="0" nodeType="clickEffect">
+                                  <p:stCondLst>
+                                    <p:cond delay="0"/>
+                                  </p:stCondLst>
+                                  <p:childTnLst>
+                                    <p:set>
+                                      <p:cBhvr>
+                                        <p:cTn id="6" dur="1" fill="hold">
+                                          <p:stCondLst>
+                                            <p:cond delay="0"/>
+                                          </p:stCondLst>
+                                        </p:cTn>
+                                        <p:tgtEl>
+                                          <p:spTgt spid="3"/>
+                                        </p:tgtEl>
+                                        <p:attrNameLst>
+                                          <p:attrName>style.visibility</p:attrName>
+                                        </p:attrNameLst>
+                                      </p:cBhvr>
+                                      <p:to>
+                                        <p:strVal val="visible"/>
+                                      </p:to>
+                                    </p:set>
+                                    <p:anim calcmode="lin" valueType="num">
+                                      <p:cBhvr additive="base">
+                                        <p:cTn id="7" dur="500" fill="hold"/>
+                                        <p:tgtEl>
+                                          <p:spTgt spid="3"/>
+                                        </p:tgtEl>
+                                        <p:attrNameLst>
+                                          <p:attrName>ppt_x</p:attrName>
+                                        </p:attrNameLst>
+                                      </p:cBhvr>
+                                      <p:tavLst>
+                                        <p:tav tm="0">
+                                          <p:val>
+                                            <p:strVal val="#ppt_x"/>
+                                          </p:val>
+                                        </p:tav>
+                                        <p:tav tm="100000">
+                                          <p:val>
+                                            <p:strVal val="#ppt_x"/>
+                                          </p:val>
+                                        </p:tav>
+                                      </p:tavLst>
+                                    </p:anim>
+                                    <p:anim calcmode="lin" valueType="num">
+                                      <p:cBhvr additive="base">
+                                        <p:cTn id="8" dur="500" fill="hold"/>
+                                        <p:tgtEl>
+                                          <p:spTgt spid="3"/>
+                                        </p:tgtEl>
+                                        <p:attrNameLst>
+                                          <p:attrName>ppt_y</p:attrName>
+                                        </p:attrNameLst>
+                                      </p:cBhvr>
+                                      <p:tavLst>
+                                        <p:tav tm="0">
+                                          <p:val>
+                                            <p:strVal val="1+#ppt_h/2"/>
+                                          </p:val>
+                                        </p:tav>
+                                        <p:tav tm="100000">
+                                          <p:val>
+                                            <p:strVal val="#ppt_y"/>
+                                          </p:val>
+                                        </p:tav>
+                                      </p:tavLst>
+                                    </p:anim>
+                                  </p:childTnLst>
+                                </p:cTn>
+                              </p:par>
+                            </p:childTnLst>
+                          </p:cTn>
+                        </p:par>
+                      </p:childTnLst>
+                    </p:cTn>
+                  </p:par>
+                </p:childTnLst>
+              </p:cTn>
+              <p:prevCondLst>
+                <p:cond evt="onPrev" delay="0">
+                  <p:tgtEl>
+                    <p:sldTgt/>
+                  </p:tgtEl>
+                </p:cond>
+              </p:prevCondLst>
+              <p:nextCondLst>
+                <p:cond evt="onNext" delay="0">
+                  <p:tgtEl>
+                    <p:sldTgt/>
+                  </p:tgtEl>
+                </p:cond>
+              </p:nextCondLst>
+            </p:seq>
+          </p:childTnLst>
+        </p:cTn>
       </p:par>
     </p:tnLst>
+    <p:bldLst>
+      <p:bldP spid="3" grpId="0"/>
+    </p:bldLst>
   </p:timing>
 </p:sld>
 </file>
@@ -5915,8 +6032,8 @@
         </p:nvSpPr>
         <p:spPr>
           <a:xfrm>
-            <a:off x="0" y="764373"/>
-            <a:ext cx="9543245" cy="1293028"/>
+            <a:off x="1" y="1239067"/>
+            <a:ext cx="7391888" cy="677249"/>
           </a:xfrm>
         </p:spPr>
         <p:txBody>
@@ -5951,7 +6068,7 @@
         <p:spPr>
           <a:xfrm>
             <a:off x="292998" y="2004774"/>
-            <a:ext cx="6490612" cy="998905"/>
+            <a:ext cx="6800132" cy="998905"/>
           </a:xfrm>
         </p:spPr>
         <p:txBody>
@@ -5997,8 +6114,8 @@
         </p:blipFill>
         <p:spPr>
           <a:xfrm>
-            <a:off x="6783610" y="815926"/>
-            <a:ext cx="5183646" cy="5570806"/>
+            <a:off x="7093130" y="535577"/>
+            <a:ext cx="4874125" cy="5851155"/>
           </a:xfrm>
           <a:prstGeom prst="rect">
             <a:avLst/>
@@ -6013,7 +6130,7 @@
         </p:nvSpPr>
         <p:spPr>
           <a:xfrm>
-            <a:off x="7391888" y="6386732"/>
+            <a:off x="7685359" y="6202066"/>
             <a:ext cx="3967089" cy="369332"/>
           </a:xfrm>
           <a:prstGeom prst="rect">
@@ -6095,7 +6212,7 @@
         <p:spPr>
           <a:xfrm>
             <a:off x="292997" y="3003680"/>
-            <a:ext cx="6490613" cy="783590"/>
+            <a:ext cx="7098892" cy="783590"/>
           </a:xfrm>
           <a:prstGeom prst="rect">
             <a:avLst/>
@@ -6295,7 +6412,7 @@
         <p:spPr>
           <a:xfrm>
             <a:off x="292996" y="3680929"/>
-            <a:ext cx="6490613" cy="511598"/>
+            <a:ext cx="7098893" cy="511598"/>
           </a:xfrm>
           <a:prstGeom prst="rect">
             <a:avLst/>
@@ -6495,7 +6612,7 @@
         <p:spPr>
           <a:xfrm>
             <a:off x="292996" y="4047436"/>
-            <a:ext cx="6490613" cy="2079129"/>
+            <a:ext cx="7098893" cy="2079129"/>
           </a:xfrm>
           <a:prstGeom prst="rect">
             <a:avLst/>
@@ -6750,7 +6867,7 @@
                             </p:stCondLst>
                             <p:childTnLst>
                               <p:par>
-                                <p:cTn id="5" presetID="10" presetClass="entr" presetSubtype="0" fill="hold" grpId="0" nodeType="clickEffect">
+                                <p:cTn id="5" presetID="2" presetClass="entr" presetSubtype="4" fill="hold" grpId="0" nodeType="clickEffect">
                                   <p:stCondLst>
                                     <p:cond delay="0"/>
                                   </p:stCondLst>
@@ -6763,174 +6880,7 @@
                                           </p:stCondLst>
                                         </p:cTn>
                                         <p:tgtEl>
-                                          <p:spTgt spid="3">
-                                            <p:txEl>
-                                              <p:pRg st="0" end="0"/>
-                                            </p:txEl>
-                                          </p:spTgt>
-                                        </p:tgtEl>
-                                        <p:attrNameLst>
-                                          <p:attrName>style.visibility</p:attrName>
-                                        </p:attrNameLst>
-                                      </p:cBhvr>
-                                      <p:to>
-                                        <p:strVal val="visible"/>
-                                      </p:to>
-                                    </p:set>
-                                    <p:animEffect transition="in" filter="fade">
-                                      <p:cBhvr>
-                                        <p:cTn id="7" dur="500"/>
-                                        <p:tgtEl>
-                                          <p:spTgt spid="3">
-                                            <p:txEl>
-                                              <p:pRg st="0" end="0"/>
-                                            </p:txEl>
-                                          </p:spTgt>
-                                        </p:tgtEl>
-                                      </p:cBhvr>
-                                    </p:animEffect>
-                                  </p:childTnLst>
-                                </p:cTn>
-                              </p:par>
-                            </p:childTnLst>
-                          </p:cTn>
-                        </p:par>
-                      </p:childTnLst>
-                    </p:cTn>
-                  </p:par>
-                  <p:par>
-                    <p:cTn id="8" fill="hold">
-                      <p:stCondLst>
-                        <p:cond delay="indefinite"/>
-                      </p:stCondLst>
-                      <p:childTnLst>
-                        <p:par>
-                          <p:cTn id="9" fill="hold">
-                            <p:stCondLst>
-                              <p:cond delay="0"/>
-                            </p:stCondLst>
-                            <p:childTnLst>
-                              <p:par>
-                                <p:cTn id="10" presetID="10" presetClass="entr" presetSubtype="0" fill="hold" grpId="0" nodeType="clickEffect">
-                                  <p:stCondLst>
-                                    <p:cond delay="0"/>
-                                  </p:stCondLst>
-                                  <p:childTnLst>
-                                    <p:set>
-                                      <p:cBhvr>
-                                        <p:cTn id="11" dur="1" fill="hold">
-                                          <p:stCondLst>
-                                            <p:cond delay="0"/>
-                                          </p:stCondLst>
-                                        </p:cTn>
-                                        <p:tgtEl>
-                                          <p:spTgt spid="9"/>
-                                        </p:tgtEl>
-                                        <p:attrNameLst>
-                                          <p:attrName>style.visibility</p:attrName>
-                                        </p:attrNameLst>
-                                      </p:cBhvr>
-                                      <p:to>
-                                        <p:strVal val="visible"/>
-                                      </p:to>
-                                    </p:set>
-                                    <p:animEffect transition="in" filter="fade">
-                                      <p:cBhvr>
-                                        <p:cTn id="12" dur="500"/>
-                                        <p:tgtEl>
-                                          <p:spTgt spid="9"/>
-                                        </p:tgtEl>
-                                      </p:cBhvr>
-                                    </p:animEffect>
-                                  </p:childTnLst>
-                                </p:cTn>
-                              </p:par>
-                            </p:childTnLst>
-                          </p:cTn>
-                        </p:par>
-                      </p:childTnLst>
-                    </p:cTn>
-                  </p:par>
-                  <p:par>
-                    <p:cTn id="13" fill="hold">
-                      <p:stCondLst>
-                        <p:cond delay="indefinite"/>
-                      </p:stCondLst>
-                      <p:childTnLst>
-                        <p:par>
-                          <p:cTn id="14" fill="hold">
-                            <p:stCondLst>
-                              <p:cond delay="0"/>
-                            </p:stCondLst>
-                            <p:childTnLst>
-                              <p:par>
-                                <p:cTn id="15" presetID="10" presetClass="entr" presetSubtype="0" fill="hold" grpId="0" nodeType="clickEffect">
-                                  <p:stCondLst>
-                                    <p:cond delay="0"/>
-                                  </p:stCondLst>
-                                  <p:childTnLst>
-                                    <p:set>
-                                      <p:cBhvr>
-                                        <p:cTn id="16" dur="1" fill="hold">
-                                          <p:stCondLst>
-                                            <p:cond delay="0"/>
-                                          </p:stCondLst>
-                                        </p:cTn>
-                                        <p:tgtEl>
-                                          <p:spTgt spid="10"/>
-                                        </p:tgtEl>
-                                        <p:attrNameLst>
-                                          <p:attrName>style.visibility</p:attrName>
-                                        </p:attrNameLst>
-                                      </p:cBhvr>
-                                      <p:to>
-                                        <p:strVal val="visible"/>
-                                      </p:to>
-                                    </p:set>
-                                    <p:animEffect transition="in" filter="fade">
-                                      <p:cBhvr>
-                                        <p:cTn id="17" dur="500"/>
-                                        <p:tgtEl>
-                                          <p:spTgt spid="10"/>
-                                        </p:tgtEl>
-                                      </p:cBhvr>
-                                    </p:animEffect>
-                                  </p:childTnLst>
-                                </p:cTn>
-                              </p:par>
-                            </p:childTnLst>
-                          </p:cTn>
-                        </p:par>
-                      </p:childTnLst>
-                    </p:cTn>
-                  </p:par>
-                  <p:par>
-                    <p:cTn id="18" fill="hold">
-                      <p:stCondLst>
-                        <p:cond delay="indefinite"/>
-                      </p:stCondLst>
-                      <p:childTnLst>
-                        <p:par>
-                          <p:cTn id="19" fill="hold">
-                            <p:stCondLst>
-                              <p:cond delay="0"/>
-                            </p:stCondLst>
-                            <p:childTnLst>
-                              <p:par>
-                                <p:cTn id="20" presetID="2" presetClass="entr" presetSubtype="4" fill="hold" nodeType="clickEffect">
-                                  <p:stCondLst>
-                                    <p:cond delay="0"/>
-                                  </p:stCondLst>
-                                  <p:childTnLst>
-                                    <p:set>
-                                      <p:cBhvr>
-                                        <p:cTn id="21" dur="1" fill="hold">
-                                          <p:stCondLst>
-                                            <p:cond delay="0"/>
-                                          </p:stCondLst>
-                                        </p:cTn>
-                                        <p:tgtEl>
-                                          <p:spTgt spid="6"/>
+                                          <p:spTgt spid="2"/>
                                         </p:tgtEl>
                                         <p:attrNameLst>
                                           <p:attrName>style.visibility</p:attrName>
@@ -6942,9 +6892,9 @@
                                     </p:set>
                                     <p:anim calcmode="lin" valueType="num">
                                       <p:cBhvr additive="base">
-                                        <p:cTn id="22" dur="500" fill="hold"/>
+                                        <p:cTn id="7" dur="500" fill="hold"/>
                                         <p:tgtEl>
-                                          <p:spTgt spid="6"/>
+                                          <p:spTgt spid="2"/>
                                         </p:tgtEl>
                                         <p:attrNameLst>
                                           <p:attrName>ppt_x</p:attrName>
@@ -6965,9 +6915,167 @@
                                     </p:anim>
                                     <p:anim calcmode="lin" valueType="num">
                                       <p:cBhvr additive="base">
-                                        <p:cTn id="23" dur="500" fill="hold"/>
+                                        <p:cTn id="8" dur="500" fill="hold"/>
                                         <p:tgtEl>
-                                          <p:spTgt spid="6"/>
+                                          <p:spTgt spid="2"/>
+                                        </p:tgtEl>
+                                        <p:attrNameLst>
+                                          <p:attrName>ppt_y</p:attrName>
+                                        </p:attrNameLst>
+                                      </p:cBhvr>
+                                      <p:tavLst>
+                                        <p:tav tm="0">
+                                          <p:val>
+                                            <p:strVal val="1+#ppt_h/2"/>
+                                          </p:val>
+                                        </p:tav>
+                                        <p:tav tm="100000">
+                                          <p:val>
+                                            <p:strVal val="#ppt_y"/>
+                                          </p:val>
+                                        </p:tav>
+                                      </p:tavLst>
+                                    </p:anim>
+                                  </p:childTnLst>
+                                </p:cTn>
+                              </p:par>
+                              <p:par>
+                                <p:cTn id="9" presetID="2" presetClass="entr" presetSubtype="4" fill="hold" grpId="0" nodeType="withEffect">
+                                  <p:stCondLst>
+                                    <p:cond delay="0"/>
+                                  </p:stCondLst>
+                                  <p:childTnLst>
+                                    <p:set>
+                                      <p:cBhvr>
+                                        <p:cTn id="10" dur="1" fill="hold">
+                                          <p:stCondLst>
+                                            <p:cond delay="0"/>
+                                          </p:stCondLst>
+                                        </p:cTn>
+                                        <p:tgtEl>
+                                          <p:spTgt spid="3">
+                                            <p:txEl>
+                                              <p:pRg st="0" end="0"/>
+                                            </p:txEl>
+                                          </p:spTgt>
+                                        </p:tgtEl>
+                                        <p:attrNameLst>
+                                          <p:attrName>style.visibility</p:attrName>
+                                        </p:attrNameLst>
+                                      </p:cBhvr>
+                                      <p:to>
+                                        <p:strVal val="visible"/>
+                                      </p:to>
+                                    </p:set>
+                                    <p:anim calcmode="lin" valueType="num">
+                                      <p:cBhvr additive="base">
+                                        <p:cTn id="11" dur="500" fill="hold"/>
+                                        <p:tgtEl>
+                                          <p:spTgt spid="3">
+                                            <p:txEl>
+                                              <p:pRg st="0" end="0"/>
+                                            </p:txEl>
+                                          </p:spTgt>
+                                        </p:tgtEl>
+                                        <p:attrNameLst>
+                                          <p:attrName>ppt_x</p:attrName>
+                                        </p:attrNameLst>
+                                      </p:cBhvr>
+                                      <p:tavLst>
+                                        <p:tav tm="0">
+                                          <p:val>
+                                            <p:strVal val="#ppt_x"/>
+                                          </p:val>
+                                        </p:tav>
+                                        <p:tav tm="100000">
+                                          <p:val>
+                                            <p:strVal val="#ppt_x"/>
+                                          </p:val>
+                                        </p:tav>
+                                      </p:tavLst>
+                                    </p:anim>
+                                    <p:anim calcmode="lin" valueType="num">
+                                      <p:cBhvr additive="base">
+                                        <p:cTn id="12" dur="500" fill="hold"/>
+                                        <p:tgtEl>
+                                          <p:spTgt spid="3">
+                                            <p:txEl>
+                                              <p:pRg st="0" end="0"/>
+                                            </p:txEl>
+                                          </p:spTgt>
+                                        </p:tgtEl>
+                                        <p:attrNameLst>
+                                          <p:attrName>ppt_y</p:attrName>
+                                        </p:attrNameLst>
+                                      </p:cBhvr>
+                                      <p:tavLst>
+                                        <p:tav tm="0">
+                                          <p:val>
+                                            <p:strVal val="1+#ppt_h/2"/>
+                                          </p:val>
+                                        </p:tav>
+                                        <p:tav tm="100000">
+                                          <p:val>
+                                            <p:strVal val="#ppt_y"/>
+                                          </p:val>
+                                        </p:tav>
+                                      </p:tavLst>
+                                    </p:anim>
+                                  </p:childTnLst>
+                                </p:cTn>
+                              </p:par>
+                              <p:par>
+                                <p:cTn id="13" presetID="2" presetClass="entr" presetSubtype="4" fill="hold" nodeType="withEffect">
+                                  <p:stCondLst>
+                                    <p:cond delay="0"/>
+                                  </p:stCondLst>
+                                  <p:childTnLst>
+                                    <p:set>
+                                      <p:cBhvr>
+                                        <p:cTn id="14" dur="1" fill="hold">
+                                          <p:stCondLst>
+                                            <p:cond delay="0"/>
+                                          </p:stCondLst>
+                                        </p:cTn>
+                                        <p:tgtEl>
+                                          <p:spTgt spid="8"/>
+                                        </p:tgtEl>
+                                        <p:attrNameLst>
+                                          <p:attrName>style.visibility</p:attrName>
+                                        </p:attrNameLst>
+                                      </p:cBhvr>
+                                      <p:to>
+                                        <p:strVal val="visible"/>
+                                      </p:to>
+                                    </p:set>
+                                    <p:anim calcmode="lin" valueType="num">
+                                      <p:cBhvr additive="base">
+                                        <p:cTn id="15" dur="500" fill="hold"/>
+                                        <p:tgtEl>
+                                          <p:spTgt spid="8"/>
+                                        </p:tgtEl>
+                                        <p:attrNameLst>
+                                          <p:attrName>ppt_x</p:attrName>
+                                        </p:attrNameLst>
+                                      </p:cBhvr>
+                                      <p:tavLst>
+                                        <p:tav tm="0">
+                                          <p:val>
+                                            <p:strVal val="#ppt_x"/>
+                                          </p:val>
+                                        </p:tav>
+                                        <p:tav tm="100000">
+                                          <p:val>
+                                            <p:strVal val="#ppt_x"/>
+                                          </p:val>
+                                        </p:tav>
+                                      </p:tavLst>
+                                    </p:anim>
+                                    <p:anim calcmode="lin" valueType="num">
+                                      <p:cBhvr additive="base">
+                                        <p:cTn id="16" dur="500" fill="hold"/>
+                                        <p:tgtEl>
+                                          <p:spTgt spid="8"/>
                                         </p:tgtEl>
                                         <p:attrNameLst>
                                           <p:attrName>ppt_y</p:attrName>
@@ -6996,26 +7104,388 @@
                     </p:cTn>
                   </p:par>
                   <p:par>
-                    <p:cTn id="24" fill="hold">
+                    <p:cTn id="17" fill="hold">
                       <p:stCondLst>
                         <p:cond delay="indefinite"/>
                       </p:stCondLst>
                       <p:childTnLst>
                         <p:par>
-                          <p:cTn id="25" fill="hold">
+                          <p:cTn id="18" fill="hold">
                             <p:stCondLst>
                               <p:cond delay="0"/>
                             </p:stCondLst>
                             <p:childTnLst>
                               <p:par>
-                                <p:cTn id="26" presetID="10" presetClass="entr" presetSubtype="0" fill="hold" grpId="0" nodeType="clickEffect">
+                                <p:cTn id="19" presetID="53" presetClass="entr" presetSubtype="16" fill="hold" nodeType="clickEffect">
                                   <p:stCondLst>
                                     <p:cond delay="0"/>
                                   </p:stCondLst>
                                   <p:childTnLst>
                                     <p:set>
                                       <p:cBhvr>
-                                        <p:cTn id="27" dur="1" fill="hold">
+                                        <p:cTn id="20" dur="1" fill="hold">
+                                          <p:stCondLst>
+                                            <p:cond delay="0"/>
+                                          </p:stCondLst>
+                                        </p:cTn>
+                                        <p:tgtEl>
+                                          <p:spTgt spid="6"/>
+                                        </p:tgtEl>
+                                        <p:attrNameLst>
+                                          <p:attrName>style.visibility</p:attrName>
+                                        </p:attrNameLst>
+                                      </p:cBhvr>
+                                      <p:to>
+                                        <p:strVal val="visible"/>
+                                      </p:to>
+                                    </p:set>
+                                    <p:anim calcmode="lin" valueType="num">
+                                      <p:cBhvr>
+                                        <p:cTn id="21" dur="500" fill="hold"/>
+                                        <p:tgtEl>
+                                          <p:spTgt spid="6"/>
+                                        </p:tgtEl>
+                                        <p:attrNameLst>
+                                          <p:attrName>ppt_w</p:attrName>
+                                        </p:attrNameLst>
+                                      </p:cBhvr>
+                                      <p:tavLst>
+                                        <p:tav tm="0">
+                                          <p:val>
+                                            <p:fltVal val="0"/>
+                                          </p:val>
+                                        </p:tav>
+                                        <p:tav tm="100000">
+                                          <p:val>
+                                            <p:strVal val="#ppt_w"/>
+                                          </p:val>
+                                        </p:tav>
+                                      </p:tavLst>
+                                    </p:anim>
+                                    <p:anim calcmode="lin" valueType="num">
+                                      <p:cBhvr>
+                                        <p:cTn id="22" dur="500" fill="hold"/>
+                                        <p:tgtEl>
+                                          <p:spTgt spid="6"/>
+                                        </p:tgtEl>
+                                        <p:attrNameLst>
+                                          <p:attrName>ppt_h</p:attrName>
+                                        </p:attrNameLst>
+                                      </p:cBhvr>
+                                      <p:tavLst>
+                                        <p:tav tm="0">
+                                          <p:val>
+                                            <p:fltVal val="0"/>
+                                          </p:val>
+                                        </p:tav>
+                                        <p:tav tm="100000">
+                                          <p:val>
+                                            <p:strVal val="#ppt_h"/>
+                                          </p:val>
+                                        </p:tav>
+                                      </p:tavLst>
+                                    </p:anim>
+                                    <p:animEffect transition="in" filter="fade">
+                                      <p:cBhvr>
+                                        <p:cTn id="23" dur="500"/>
+                                        <p:tgtEl>
+                                          <p:spTgt spid="6"/>
+                                        </p:tgtEl>
+                                      </p:cBhvr>
+                                    </p:animEffect>
+                                  </p:childTnLst>
+                                </p:cTn>
+                              </p:par>
+                              <p:par>
+                                <p:cTn id="24" presetID="53" presetClass="entr" presetSubtype="16" fill="hold" grpId="0" nodeType="withEffect">
+                                  <p:stCondLst>
+                                    <p:cond delay="0"/>
+                                  </p:stCondLst>
+                                  <p:childTnLst>
+                                    <p:set>
+                                      <p:cBhvr>
+                                        <p:cTn id="25" dur="1" fill="hold">
+                                          <p:stCondLst>
+                                            <p:cond delay="0"/>
+                                          </p:stCondLst>
+                                        </p:cTn>
+                                        <p:tgtEl>
+                                          <p:spTgt spid="7"/>
+                                        </p:tgtEl>
+                                        <p:attrNameLst>
+                                          <p:attrName>style.visibility</p:attrName>
+                                        </p:attrNameLst>
+                                      </p:cBhvr>
+                                      <p:to>
+                                        <p:strVal val="visible"/>
+                                      </p:to>
+                                    </p:set>
+                                    <p:anim calcmode="lin" valueType="num">
+                                      <p:cBhvr>
+                                        <p:cTn id="26" dur="500" fill="hold"/>
+                                        <p:tgtEl>
+                                          <p:spTgt spid="7"/>
+                                        </p:tgtEl>
+                                        <p:attrNameLst>
+                                          <p:attrName>ppt_w</p:attrName>
+                                        </p:attrNameLst>
+                                      </p:cBhvr>
+                                      <p:tavLst>
+                                        <p:tav tm="0">
+                                          <p:val>
+                                            <p:fltVal val="0"/>
+                                          </p:val>
+                                        </p:tav>
+                                        <p:tav tm="100000">
+                                          <p:val>
+                                            <p:strVal val="#ppt_w"/>
+                                          </p:val>
+                                        </p:tav>
+                                      </p:tavLst>
+                                    </p:anim>
+                                    <p:anim calcmode="lin" valueType="num">
+                                      <p:cBhvr>
+                                        <p:cTn id="27" dur="500" fill="hold"/>
+                                        <p:tgtEl>
+                                          <p:spTgt spid="7"/>
+                                        </p:tgtEl>
+                                        <p:attrNameLst>
+                                          <p:attrName>ppt_h</p:attrName>
+                                        </p:attrNameLst>
+                                      </p:cBhvr>
+                                      <p:tavLst>
+                                        <p:tav tm="0">
+                                          <p:val>
+                                            <p:fltVal val="0"/>
+                                          </p:val>
+                                        </p:tav>
+                                        <p:tav tm="100000">
+                                          <p:val>
+                                            <p:strVal val="#ppt_h"/>
+                                          </p:val>
+                                        </p:tav>
+                                      </p:tavLst>
+                                    </p:anim>
+                                    <p:animEffect transition="in" filter="fade">
+                                      <p:cBhvr>
+                                        <p:cTn id="28" dur="500"/>
+                                        <p:tgtEl>
+                                          <p:spTgt spid="7"/>
+                                        </p:tgtEl>
+                                      </p:cBhvr>
+                                    </p:animEffect>
+                                  </p:childTnLst>
+                                </p:cTn>
+                              </p:par>
+                            </p:childTnLst>
+                          </p:cTn>
+                        </p:par>
+                      </p:childTnLst>
+                    </p:cTn>
+                  </p:par>
+                  <p:par>
+                    <p:cTn id="29" fill="hold">
+                      <p:stCondLst>
+                        <p:cond delay="indefinite"/>
+                      </p:stCondLst>
+                      <p:childTnLst>
+                        <p:par>
+                          <p:cTn id="30" fill="hold">
+                            <p:stCondLst>
+                              <p:cond delay="0"/>
+                            </p:stCondLst>
+                            <p:childTnLst>
+                              <p:par>
+                                <p:cTn id="31" presetID="2" presetClass="entr" presetSubtype="4" fill="hold" grpId="0" nodeType="clickEffect">
+                                  <p:stCondLst>
+                                    <p:cond delay="0"/>
+                                  </p:stCondLst>
+                                  <p:childTnLst>
+                                    <p:set>
+                                      <p:cBhvr>
+                                        <p:cTn id="32" dur="1" fill="hold">
+                                          <p:stCondLst>
+                                            <p:cond delay="0"/>
+                                          </p:stCondLst>
+                                        </p:cTn>
+                                        <p:tgtEl>
+                                          <p:spTgt spid="9"/>
+                                        </p:tgtEl>
+                                        <p:attrNameLst>
+                                          <p:attrName>style.visibility</p:attrName>
+                                        </p:attrNameLst>
+                                      </p:cBhvr>
+                                      <p:to>
+                                        <p:strVal val="visible"/>
+                                      </p:to>
+                                    </p:set>
+                                    <p:anim calcmode="lin" valueType="num">
+                                      <p:cBhvr additive="base">
+                                        <p:cTn id="33" dur="500" fill="hold"/>
+                                        <p:tgtEl>
+                                          <p:spTgt spid="9"/>
+                                        </p:tgtEl>
+                                        <p:attrNameLst>
+                                          <p:attrName>ppt_x</p:attrName>
+                                        </p:attrNameLst>
+                                      </p:cBhvr>
+                                      <p:tavLst>
+                                        <p:tav tm="0">
+                                          <p:val>
+                                            <p:strVal val="#ppt_x"/>
+                                          </p:val>
+                                        </p:tav>
+                                        <p:tav tm="100000">
+                                          <p:val>
+                                            <p:strVal val="#ppt_x"/>
+                                          </p:val>
+                                        </p:tav>
+                                      </p:tavLst>
+                                    </p:anim>
+                                    <p:anim calcmode="lin" valueType="num">
+                                      <p:cBhvr additive="base">
+                                        <p:cTn id="34" dur="500" fill="hold"/>
+                                        <p:tgtEl>
+                                          <p:spTgt spid="9"/>
+                                        </p:tgtEl>
+                                        <p:attrNameLst>
+                                          <p:attrName>ppt_y</p:attrName>
+                                        </p:attrNameLst>
+                                      </p:cBhvr>
+                                      <p:tavLst>
+                                        <p:tav tm="0">
+                                          <p:val>
+                                            <p:strVal val="1+#ppt_h/2"/>
+                                          </p:val>
+                                        </p:tav>
+                                        <p:tav tm="100000">
+                                          <p:val>
+                                            <p:strVal val="#ppt_y"/>
+                                          </p:val>
+                                        </p:tav>
+                                      </p:tavLst>
+                                    </p:anim>
+                                  </p:childTnLst>
+                                </p:cTn>
+                              </p:par>
+                            </p:childTnLst>
+                          </p:cTn>
+                        </p:par>
+                      </p:childTnLst>
+                    </p:cTn>
+                  </p:par>
+                  <p:par>
+                    <p:cTn id="35" fill="hold">
+                      <p:stCondLst>
+                        <p:cond delay="indefinite"/>
+                      </p:stCondLst>
+                      <p:childTnLst>
+                        <p:par>
+                          <p:cTn id="36" fill="hold">
+                            <p:stCondLst>
+                              <p:cond delay="0"/>
+                            </p:stCondLst>
+                            <p:childTnLst>
+                              <p:par>
+                                <p:cTn id="37" presetID="2" presetClass="entr" presetSubtype="4" fill="hold" grpId="0" nodeType="clickEffect">
+                                  <p:stCondLst>
+                                    <p:cond delay="0"/>
+                                  </p:stCondLst>
+                                  <p:childTnLst>
+                                    <p:set>
+                                      <p:cBhvr>
+                                        <p:cTn id="38" dur="1" fill="hold">
+                                          <p:stCondLst>
+                                            <p:cond delay="0"/>
+                                          </p:stCondLst>
+                                        </p:cTn>
+                                        <p:tgtEl>
+                                          <p:spTgt spid="10"/>
+                                        </p:tgtEl>
+                                        <p:attrNameLst>
+                                          <p:attrName>style.visibility</p:attrName>
+                                        </p:attrNameLst>
+                                      </p:cBhvr>
+                                      <p:to>
+                                        <p:strVal val="visible"/>
+                                      </p:to>
+                                    </p:set>
+                                    <p:anim calcmode="lin" valueType="num">
+                                      <p:cBhvr additive="base">
+                                        <p:cTn id="39" dur="500" fill="hold"/>
+                                        <p:tgtEl>
+                                          <p:spTgt spid="10"/>
+                                        </p:tgtEl>
+                                        <p:attrNameLst>
+                                          <p:attrName>ppt_x</p:attrName>
+                                        </p:attrNameLst>
+                                      </p:cBhvr>
+                                      <p:tavLst>
+                                        <p:tav tm="0">
+                                          <p:val>
+                                            <p:strVal val="#ppt_x"/>
+                                          </p:val>
+                                        </p:tav>
+                                        <p:tav tm="100000">
+                                          <p:val>
+                                            <p:strVal val="#ppt_x"/>
+                                          </p:val>
+                                        </p:tav>
+                                      </p:tavLst>
+                                    </p:anim>
+                                    <p:anim calcmode="lin" valueType="num">
+                                      <p:cBhvr additive="base">
+                                        <p:cTn id="40" dur="500" fill="hold"/>
+                                        <p:tgtEl>
+                                          <p:spTgt spid="10"/>
+                                        </p:tgtEl>
+                                        <p:attrNameLst>
+                                          <p:attrName>ppt_y</p:attrName>
+                                        </p:attrNameLst>
+                                      </p:cBhvr>
+                                      <p:tavLst>
+                                        <p:tav tm="0">
+                                          <p:val>
+                                            <p:strVal val="1+#ppt_h/2"/>
+                                          </p:val>
+                                        </p:tav>
+                                        <p:tav tm="100000">
+                                          <p:val>
+                                            <p:strVal val="#ppt_y"/>
+                                          </p:val>
+                                        </p:tav>
+                                      </p:tavLst>
+                                    </p:anim>
+                                  </p:childTnLst>
+                                </p:cTn>
+                              </p:par>
+                            </p:childTnLst>
+                          </p:cTn>
+                        </p:par>
+                      </p:childTnLst>
+                    </p:cTn>
+                  </p:par>
+                  <p:par>
+                    <p:cTn id="41" fill="hold">
+                      <p:stCondLst>
+                        <p:cond delay="indefinite"/>
+                      </p:stCondLst>
+                      <p:childTnLst>
+                        <p:par>
+                          <p:cTn id="42" fill="hold">
+                            <p:stCondLst>
+                              <p:cond delay="0"/>
+                            </p:stCondLst>
+                            <p:childTnLst>
+                              <p:par>
+                                <p:cTn id="43" presetID="2" presetClass="entr" presetSubtype="4" fill="hold" grpId="0" nodeType="clickEffect">
+                                  <p:stCondLst>
+                                    <p:cond delay="0"/>
+                                  </p:stCondLst>
+                                  <p:childTnLst>
+                                    <p:set>
+                                      <p:cBhvr>
+                                        <p:cTn id="44" dur="1" fill="hold">
                                           <p:stCondLst>
                                             <p:cond delay="0"/>
                                           </p:stCondLst>
@@ -7031,14 +7501,52 @@
                                         <p:strVal val="visible"/>
                                       </p:to>
                                     </p:set>
-                                    <p:animEffect transition="in" filter="fade">
-                                      <p:cBhvr>
-                                        <p:cTn id="28" dur="500"/>
+                                    <p:anim calcmode="lin" valueType="num">
+                                      <p:cBhvr additive="base">
+                                        <p:cTn id="45" dur="500" fill="hold"/>
                                         <p:tgtEl>
                                           <p:spTgt spid="11"/>
                                         </p:tgtEl>
+                                        <p:attrNameLst>
+                                          <p:attrName>ppt_x</p:attrName>
+                                        </p:attrNameLst>
                                       </p:cBhvr>
-                                    </p:animEffect>
+                                      <p:tavLst>
+                                        <p:tav tm="0">
+                                          <p:val>
+                                            <p:strVal val="#ppt_x"/>
+                                          </p:val>
+                                        </p:tav>
+                                        <p:tav tm="100000">
+                                          <p:val>
+                                            <p:strVal val="#ppt_x"/>
+                                          </p:val>
+                                        </p:tav>
+                                      </p:tavLst>
+                                    </p:anim>
+                                    <p:anim calcmode="lin" valueType="num">
+                                      <p:cBhvr additive="base">
+                                        <p:cTn id="46" dur="500" fill="hold"/>
+                                        <p:tgtEl>
+                                          <p:spTgt spid="11"/>
+                                        </p:tgtEl>
+                                        <p:attrNameLst>
+                                          <p:attrName>ppt_y</p:attrName>
+                                        </p:attrNameLst>
+                                      </p:cBhvr>
+                                      <p:tavLst>
+                                        <p:tav tm="0">
+                                          <p:val>
+                                            <p:strVal val="1+#ppt_h/2"/>
+                                          </p:val>
+                                        </p:tav>
+                                        <p:tav tm="100000">
+                                          <p:val>
+                                            <p:strVal val="#ppt_y"/>
+                                          </p:val>
+                                        </p:tav>
+                                      </p:tavLst>
+                                    </p:anim>
                                   </p:childTnLst>
                                 </p:cTn>
                               </p:par>
@@ -7070,7 +7578,9 @@
       </p:par>
     </p:tnLst>
     <p:bldLst>
+      <p:bldP spid="2" grpId="0"/>
       <p:bldP spid="3" grpId="0" build="p"/>
+      <p:bldP spid="7" grpId="0"/>
       <p:bldP spid="9" grpId="0"/>
       <p:bldP spid="10" grpId="0"/>
       <p:bldP spid="11" grpId="0"/>
@@ -7245,7 +7755,7 @@
                                           </p:stCondLst>
                                         </p:cTn>
                                         <p:tgtEl>
-                                          <p:spTgt spid="4"/>
+                                          <p:spTgt spid="6"/>
                                         </p:tgtEl>
                                         <p:attrNameLst>
                                           <p:attrName>style.visibility</p:attrName>
@@ -7259,7 +7769,7 @@
                                       <p:cBhvr additive="base">
                                         <p:cTn id="7" dur="500" fill="hold"/>
                                         <p:tgtEl>
-                                          <p:spTgt spid="4"/>
+                                          <p:spTgt spid="6"/>
                                         </p:tgtEl>
                                         <p:attrNameLst>
                                           <p:attrName>ppt_x</p:attrName>
@@ -7282,7 +7792,7 @@
                                       <p:cBhvr additive="base">
                                         <p:cTn id="8" dur="500" fill="hold"/>
                                         <p:tgtEl>
-                                          <p:spTgt spid="4"/>
+                                          <p:spTgt spid="6"/>
                                         </p:tgtEl>
                                         <p:attrNameLst>
                                           <p:attrName>ppt_y</p:attrName>
@@ -7336,7 +7846,7 @@
                                           </p:stCondLst>
                                         </p:cTn>
                                         <p:tgtEl>
-                                          <p:spTgt spid="6"/>
+                                          <p:spTgt spid="4"/>
                                         </p:tgtEl>
                                         <p:attrNameLst>
                                           <p:attrName>style.visibility</p:attrName>
@@ -7350,7 +7860,7 @@
                                       <p:cBhvr additive="base">
                                         <p:cTn id="13" dur="500" fill="hold"/>
                                         <p:tgtEl>
-                                          <p:spTgt spid="6"/>
+                                          <p:spTgt spid="4"/>
                                         </p:tgtEl>
                                         <p:attrNameLst>
                                           <p:attrName>ppt_x</p:attrName>
@@ -7373,7 +7883,7 @@
                                       <p:cBhvr additive="base">
                                         <p:cTn id="14" dur="500" fill="hold"/>
                                         <p:tgtEl>
-                                          <p:spTgt spid="6"/>
+                                          <p:spTgt spid="4"/>
                                         </p:tgtEl>
                                         <p:attrNameLst>
                                           <p:attrName>ppt_y</p:attrName>
@@ -7495,7 +8005,59 @@
             </a:r>
             <a:r>
               <a:rPr lang="pt-BR" sz="3200" dirty="0"/>
-              <a:t>será disponibilizado o sistema de Agendamento de Serviços, que possibilitará a empresa cadastrar funcionários, Clientes, Animais, Serviços e agendamento e controle da prestação de serviços.</a:t>
+              <a:t>será disponibilizado o sistema de </a:t>
+            </a:r>
+            <a:r>
+              <a:rPr lang="pt-BR" sz="3200" dirty="0" smtClean="0"/>
+              <a:t>agendamento </a:t>
+            </a:r>
+            <a:r>
+              <a:rPr lang="pt-BR" sz="3200" dirty="0"/>
+              <a:t>de </a:t>
+            </a:r>
+            <a:r>
+              <a:rPr lang="pt-BR" sz="3200" dirty="0" smtClean="0"/>
+              <a:t>serviços</a:t>
+            </a:r>
+            <a:r>
+              <a:rPr lang="pt-BR" sz="3200" dirty="0"/>
+              <a:t>, que possibilitará a empresa cadastrar </a:t>
+            </a:r>
+            <a:r>
+              <a:rPr lang="pt-BR" sz="3200" dirty="0"/>
+              <a:t>f</a:t>
+            </a:r>
+            <a:r>
+              <a:rPr lang="pt-BR" sz="3200" dirty="0" smtClean="0"/>
+              <a:t>uncionários</a:t>
+            </a:r>
+            <a:r>
+              <a:rPr lang="pt-BR" sz="3200" dirty="0"/>
+              <a:t>, </a:t>
+            </a:r>
+            <a:r>
+              <a:rPr lang="pt-BR" sz="3200" dirty="0" smtClean="0"/>
+              <a:t>clientes</a:t>
+            </a:r>
+            <a:r>
+              <a:rPr lang="pt-BR" sz="3200" dirty="0"/>
+              <a:t>, </a:t>
+            </a:r>
+            <a:r>
+              <a:rPr lang="pt-BR" sz="3200" dirty="0" smtClean="0"/>
+              <a:t>animais</a:t>
+            </a:r>
+            <a:r>
+              <a:rPr lang="pt-BR" sz="3200" dirty="0"/>
+              <a:t>, </a:t>
+            </a:r>
+            <a:r>
+              <a:rPr lang="pt-BR" sz="3200" dirty="0" smtClean="0"/>
+              <a:t>serviços, agendamento </a:t>
+            </a:r>
+            <a:r>
+              <a:rPr lang="pt-BR" sz="3200" dirty="0"/>
+              <a:t>e controle da prestação de serviços.</a:t>
             </a:r>
           </a:p>
         </p:txBody>
@@ -7597,7 +8159,7 @@
                             </p:stCondLst>
                             <p:childTnLst>
                               <p:par>
-                                <p:cTn id="5" presetID="42" presetClass="entr" presetSubtype="0" fill="hold" grpId="0" nodeType="clickEffect">
+                                <p:cTn id="5" presetID="10" presetClass="entr" presetSubtype="0" fill="hold" grpId="0" nodeType="clickEffect">
                                   <p:stCondLst>
                                     <p:cond delay="0"/>
                                   </p:stCondLst>
@@ -7605,6 +8167,59 @@
                                     <p:set>
                                       <p:cBhvr>
                                         <p:cTn id="6" dur="1" fill="hold">
+                                          <p:stCondLst>
+                                            <p:cond delay="0"/>
+                                          </p:stCondLst>
+                                        </p:cTn>
+                                        <p:tgtEl>
+                                          <p:spTgt spid="6"/>
+                                        </p:tgtEl>
+                                        <p:attrNameLst>
+                                          <p:attrName>style.visibility</p:attrName>
+                                        </p:attrNameLst>
+                                      </p:cBhvr>
+                                      <p:to>
+                                        <p:strVal val="visible"/>
+                                      </p:to>
+                                    </p:set>
+                                    <p:animEffect transition="in" filter="fade">
+                                      <p:cBhvr>
+                                        <p:cTn id="7" dur="500"/>
+                                        <p:tgtEl>
+                                          <p:spTgt spid="6"/>
+                                        </p:tgtEl>
+                                      </p:cBhvr>
+                                    </p:animEffect>
+                                  </p:childTnLst>
+                                </p:cTn>
+                              </p:par>
+                            </p:childTnLst>
+                          </p:cTn>
+                        </p:par>
+                      </p:childTnLst>
+                    </p:cTn>
+                  </p:par>
+                  <p:par>
+                    <p:cTn id="8" fill="hold">
+                      <p:stCondLst>
+                        <p:cond delay="indefinite"/>
+                      </p:stCondLst>
+                      <p:childTnLst>
+                        <p:par>
+                          <p:cTn id="9" fill="hold">
+                            <p:stCondLst>
+                              <p:cond delay="0"/>
+                            </p:stCondLst>
+                            <p:childTnLst>
+                              <p:par>
+                                <p:cTn id="10" presetID="2" presetClass="entr" presetSubtype="4" fill="hold" grpId="0" nodeType="clickEffect">
+                                  <p:stCondLst>
+                                    <p:cond delay="0"/>
+                                  </p:stCondLst>
+                                  <p:childTnLst>
+                                    <p:set>
+                                      <p:cBhvr>
+                                        <p:cTn id="11" dur="1" fill="hold">
                                           <p:stCondLst>
                                             <p:cond delay="0"/>
                                           </p:stCondLst>
@@ -7620,17 +8235,9 @@
                                         <p:strVal val="visible"/>
                                       </p:to>
                                     </p:set>
-                                    <p:animEffect transition="in" filter="fade">
-                                      <p:cBhvr>
-                                        <p:cTn id="7" dur="1000"/>
-                                        <p:tgtEl>
-                                          <p:spTgt spid="4"/>
-                                        </p:tgtEl>
-                                      </p:cBhvr>
-                                    </p:animEffect>
                                     <p:anim calcmode="lin" valueType="num">
-                                      <p:cBhvr>
-                                        <p:cTn id="8" dur="1000" fill="hold"/>
+                                      <p:cBhvr additive="base">
+                                        <p:cTn id="12" dur="500" fill="hold"/>
                                         <p:tgtEl>
                                           <p:spTgt spid="4"/>
                                         </p:tgtEl>
@@ -7652,8 +8259,8 @@
                                       </p:tavLst>
                                     </p:anim>
                                     <p:anim calcmode="lin" valueType="num">
-                                      <p:cBhvr>
-                                        <p:cTn id="9" dur="1000" fill="hold"/>
+                                      <p:cBhvr additive="base">
+                                        <p:cTn id="13" dur="500" fill="hold"/>
                                         <p:tgtEl>
                                           <p:spTgt spid="4"/>
                                         </p:tgtEl>
@@ -7664,106 +8271,7 @@
                                       <p:tavLst>
                                         <p:tav tm="0">
                                           <p:val>
-                                            <p:strVal val="#ppt_y+.1"/>
-                                          </p:val>
-                                        </p:tav>
-                                        <p:tav tm="100000">
-                                          <p:val>
-                                            <p:strVal val="#ppt_y"/>
-                                          </p:val>
-                                        </p:tav>
-                                      </p:tavLst>
-                                    </p:anim>
-                                  </p:childTnLst>
-                                </p:cTn>
-                              </p:par>
-                            </p:childTnLst>
-                          </p:cTn>
-                        </p:par>
-                      </p:childTnLst>
-                    </p:cTn>
-                  </p:par>
-                  <p:par>
-                    <p:cTn id="10" fill="hold">
-                      <p:stCondLst>
-                        <p:cond delay="indefinite"/>
-                      </p:stCondLst>
-                      <p:childTnLst>
-                        <p:par>
-                          <p:cTn id="11" fill="hold">
-                            <p:stCondLst>
-                              <p:cond delay="0"/>
-                            </p:stCondLst>
-                            <p:childTnLst>
-                              <p:par>
-                                <p:cTn id="12" presetID="42" presetClass="entr" presetSubtype="0" fill="hold" grpId="0" nodeType="clickEffect">
-                                  <p:stCondLst>
-                                    <p:cond delay="0"/>
-                                  </p:stCondLst>
-                                  <p:childTnLst>
-                                    <p:set>
-                                      <p:cBhvr>
-                                        <p:cTn id="13" dur="1" fill="hold">
-                                          <p:stCondLst>
-                                            <p:cond delay="0"/>
-                                          </p:stCondLst>
-                                        </p:cTn>
-                                        <p:tgtEl>
-                                          <p:spTgt spid="6"/>
-                                        </p:tgtEl>
-                                        <p:attrNameLst>
-                                          <p:attrName>style.visibility</p:attrName>
-                                        </p:attrNameLst>
-                                      </p:cBhvr>
-                                      <p:to>
-                                        <p:strVal val="visible"/>
-                                      </p:to>
-                                    </p:set>
-                                    <p:animEffect transition="in" filter="fade">
-                                      <p:cBhvr>
-                                        <p:cTn id="14" dur="1000"/>
-                                        <p:tgtEl>
-                                          <p:spTgt spid="6"/>
-                                        </p:tgtEl>
-                                      </p:cBhvr>
-                                    </p:animEffect>
-                                    <p:anim calcmode="lin" valueType="num">
-                                      <p:cBhvr>
-                                        <p:cTn id="15" dur="1000" fill="hold"/>
-                                        <p:tgtEl>
-                                          <p:spTgt spid="6"/>
-                                        </p:tgtEl>
-                                        <p:attrNameLst>
-                                          <p:attrName>ppt_x</p:attrName>
-                                        </p:attrNameLst>
-                                      </p:cBhvr>
-                                      <p:tavLst>
-                                        <p:tav tm="0">
-                                          <p:val>
-                                            <p:strVal val="#ppt_x"/>
-                                          </p:val>
-                                        </p:tav>
-                                        <p:tav tm="100000">
-                                          <p:val>
-                                            <p:strVal val="#ppt_x"/>
-                                          </p:val>
-                                        </p:tav>
-                                      </p:tavLst>
-                                    </p:anim>
-                                    <p:anim calcmode="lin" valueType="num">
-                                      <p:cBhvr>
-                                        <p:cTn id="16" dur="1000" fill="hold"/>
-                                        <p:tgtEl>
-                                          <p:spTgt spid="6"/>
-                                        </p:tgtEl>
-                                        <p:attrNameLst>
-                                          <p:attrName>ppt_y</p:attrName>
-                                        </p:attrNameLst>
-                                      </p:cBhvr>
-                                      <p:tavLst>
-                                        <p:tav tm="0">
-                                          <p:val>
-                                            <p:strVal val="#ppt_y+.1"/>
+                                            <p:strVal val="1+#ppt_h/2"/>
                                           </p:val>
                                         </p:tav>
                                         <p:tav tm="100000">
@@ -7968,7 +8476,7 @@
                                           </p:stCondLst>
                                         </p:cTn>
                                         <p:tgtEl>
-                                          <p:spTgt spid="4"/>
+                                          <p:spTgt spid="5"/>
                                         </p:tgtEl>
                                         <p:attrNameLst>
                                           <p:attrName>style.visibility</p:attrName>
@@ -7982,7 +8490,7 @@
                                       <p:cBhvr>
                                         <p:cTn id="7" dur="1000"/>
                                         <p:tgtEl>
-                                          <p:spTgt spid="4"/>
+                                          <p:spTgt spid="5"/>
                                         </p:tgtEl>
                                       </p:cBhvr>
                                     </p:animEffect>
@@ -7990,7 +8498,7 @@
                                       <p:cBhvr>
                                         <p:cTn id="8" dur="1000" fill="hold"/>
                                         <p:tgtEl>
-                                          <p:spTgt spid="4"/>
+                                          <p:spTgt spid="5"/>
                                         </p:tgtEl>
                                         <p:attrNameLst>
                                           <p:attrName>ppt_x</p:attrName>
@@ -8013,7 +8521,7 @@
                                       <p:cBhvr>
                                         <p:cTn id="9" dur="1000" fill="hold"/>
                                         <p:tgtEl>
-                                          <p:spTgt spid="4"/>
+                                          <p:spTgt spid="5"/>
                                         </p:tgtEl>
                                         <p:attrNameLst>
                                           <p:attrName>ppt_y</p:attrName>
@@ -8054,7 +8562,7 @@
                             </p:stCondLst>
                             <p:childTnLst>
                               <p:par>
-                                <p:cTn id="12" presetID="42" presetClass="entr" presetSubtype="0" fill="hold" grpId="0" nodeType="clickEffect">
+                                <p:cTn id="12" presetID="53" presetClass="entr" presetSubtype="16" fill="hold" grpId="0" nodeType="clickEffect">
                                   <p:stCondLst>
                                     <p:cond delay="0"/>
                                   </p:stCondLst>
@@ -8067,7 +8575,7 @@
                                           </p:stCondLst>
                                         </p:cTn>
                                         <p:tgtEl>
-                                          <p:spTgt spid="5"/>
+                                          <p:spTgt spid="4"/>
                                         </p:tgtEl>
                                         <p:attrNameLst>
                                           <p:attrName>style.visibility</p:attrName>
@@ -8077,60 +8585,60 @@
                                         <p:strVal val="visible"/>
                                       </p:to>
                                     </p:set>
-                                    <p:animEffect transition="in" filter="fade">
-                                      <p:cBhvr>
-                                        <p:cTn id="14" dur="1000"/>
-                                        <p:tgtEl>
-                                          <p:spTgt spid="5"/>
-                                        </p:tgtEl>
-                                      </p:cBhvr>
-                                    </p:animEffect>
                                     <p:anim calcmode="lin" valueType="num">
                                       <p:cBhvr>
-                                        <p:cTn id="15" dur="1000" fill="hold"/>
+                                        <p:cTn id="14" dur="500" fill="hold"/>
                                         <p:tgtEl>
-                                          <p:spTgt spid="5"/>
+                                          <p:spTgt spid="4"/>
                                         </p:tgtEl>
                                         <p:attrNameLst>
-                                          <p:attrName>ppt_x</p:attrName>
+                                          <p:attrName>ppt_w</p:attrName>
                                         </p:attrNameLst>
                                       </p:cBhvr>
                                       <p:tavLst>
                                         <p:tav tm="0">
                                           <p:val>
-                                            <p:strVal val="#ppt_x"/>
+                                            <p:fltVal val="0"/>
                                           </p:val>
                                         </p:tav>
                                         <p:tav tm="100000">
                                           <p:val>
-                                            <p:strVal val="#ppt_x"/>
+                                            <p:strVal val="#ppt_w"/>
                                           </p:val>
                                         </p:tav>
                                       </p:tavLst>
                                     </p:anim>
                                     <p:anim calcmode="lin" valueType="num">
                                       <p:cBhvr>
-                                        <p:cTn id="16" dur="1000" fill="hold"/>
+                                        <p:cTn id="15" dur="500" fill="hold"/>
                                         <p:tgtEl>
-                                          <p:spTgt spid="5"/>
+                                          <p:spTgt spid="4"/>
                                         </p:tgtEl>
                                         <p:attrNameLst>
-                                          <p:attrName>ppt_y</p:attrName>
+                                          <p:attrName>ppt_h</p:attrName>
                                         </p:attrNameLst>
                                       </p:cBhvr>
                                       <p:tavLst>
                                         <p:tav tm="0">
                                           <p:val>
-                                            <p:strVal val="#ppt_y+.1"/>
+                                            <p:fltVal val="0"/>
                                           </p:val>
                                         </p:tav>
                                         <p:tav tm="100000">
                                           <p:val>
-                                            <p:strVal val="#ppt_y"/>
+                                            <p:strVal val="#ppt_h"/>
                                           </p:val>
                                         </p:tav>
                                       </p:tavLst>
                                     </p:anim>
+                                    <p:animEffect transition="in" filter="fade">
+                                      <p:cBhvr>
+                                        <p:cTn id="16" dur="500"/>
+                                        <p:tgtEl>
+                                          <p:spTgt spid="4"/>
+                                        </p:tgtEl>
+                                      </p:cBhvr>
+                                    </p:animEffect>
                                   </p:childTnLst>
                                 </p:cTn>
                               </p:par>
@@ -8195,7 +8703,7 @@
         <p:spPr>
           <a:xfrm>
             <a:off x="172278" y="2444185"/>
-            <a:ext cx="11856590" cy="2062103"/>
+            <a:ext cx="11856590" cy="1569660"/>
           </a:xfrm>
           <a:prstGeom prst="rect">
             <a:avLst/>
@@ -8215,11 +8723,23 @@
             </a:r>
             <a:r>
               <a:rPr lang="pt-BR" sz="3200" dirty="0"/>
-              <a:t>O sistema tem a proposta de ser simples e fácil manusear de maneira que pessoas que não tenham hábito com computadores possa se acostumar </a:t>
+              <a:t>O sistema tem a proposta de ser simples e </a:t>
             </a:r>
             <a:r>
               <a:rPr lang="pt-BR" sz="3200" dirty="0" smtClean="0"/>
-              <a:t>facilmente.</a:t>
+              <a:t>fácil o seu  manuseio, </a:t>
+            </a:r>
+            <a:r>
+              <a:rPr lang="pt-BR" sz="3200" dirty="0"/>
+              <a:t>de maneira que pessoas que não tenham hábito com computadores possa se </a:t>
+            </a:r>
+            <a:r>
+              <a:rPr lang="pt-BR" sz="3200" dirty="0" smtClean="0"/>
+              <a:t>habituar facilmente</a:t>
+            </a:r>
+            <a:r>
+              <a:rPr lang="pt-BR" sz="3200" dirty="0" smtClean="0"/>
+              <a:t>.</a:t>
             </a:r>
             <a:endParaRPr lang="pt-BR" sz="3200" dirty="0"/>
           </a:p>
@@ -8318,7 +8838,7 @@
                             </p:stCondLst>
                             <p:childTnLst>
                               <p:par>
-                                <p:cTn id="5" presetID="42" presetClass="entr" presetSubtype="0" fill="hold" grpId="0" nodeType="clickEffect">
+                                <p:cTn id="5" presetID="2" presetClass="entr" presetSubtype="4" fill="hold" grpId="0" nodeType="clickEffect">
                                   <p:stCondLst>
                                     <p:cond delay="0"/>
                                   </p:stCondLst>
@@ -8326,105 +8846,6 @@
                                     <p:set>
                                       <p:cBhvr>
                                         <p:cTn id="6" dur="1" fill="hold">
-                                          <p:stCondLst>
-                                            <p:cond delay="0"/>
-                                          </p:stCondLst>
-                                        </p:cTn>
-                                        <p:tgtEl>
-                                          <p:spTgt spid="4"/>
-                                        </p:tgtEl>
-                                        <p:attrNameLst>
-                                          <p:attrName>style.visibility</p:attrName>
-                                        </p:attrNameLst>
-                                      </p:cBhvr>
-                                      <p:to>
-                                        <p:strVal val="visible"/>
-                                      </p:to>
-                                    </p:set>
-                                    <p:animEffect transition="in" filter="fade">
-                                      <p:cBhvr>
-                                        <p:cTn id="7" dur="1000"/>
-                                        <p:tgtEl>
-                                          <p:spTgt spid="4"/>
-                                        </p:tgtEl>
-                                      </p:cBhvr>
-                                    </p:animEffect>
-                                    <p:anim calcmode="lin" valueType="num">
-                                      <p:cBhvr>
-                                        <p:cTn id="8" dur="1000" fill="hold"/>
-                                        <p:tgtEl>
-                                          <p:spTgt spid="4"/>
-                                        </p:tgtEl>
-                                        <p:attrNameLst>
-                                          <p:attrName>ppt_x</p:attrName>
-                                        </p:attrNameLst>
-                                      </p:cBhvr>
-                                      <p:tavLst>
-                                        <p:tav tm="0">
-                                          <p:val>
-                                            <p:strVal val="#ppt_x"/>
-                                          </p:val>
-                                        </p:tav>
-                                        <p:tav tm="100000">
-                                          <p:val>
-                                            <p:strVal val="#ppt_x"/>
-                                          </p:val>
-                                        </p:tav>
-                                      </p:tavLst>
-                                    </p:anim>
-                                    <p:anim calcmode="lin" valueType="num">
-                                      <p:cBhvr>
-                                        <p:cTn id="9" dur="1000" fill="hold"/>
-                                        <p:tgtEl>
-                                          <p:spTgt spid="4"/>
-                                        </p:tgtEl>
-                                        <p:attrNameLst>
-                                          <p:attrName>ppt_y</p:attrName>
-                                        </p:attrNameLst>
-                                      </p:cBhvr>
-                                      <p:tavLst>
-                                        <p:tav tm="0">
-                                          <p:val>
-                                            <p:strVal val="#ppt_y+.1"/>
-                                          </p:val>
-                                        </p:tav>
-                                        <p:tav tm="100000">
-                                          <p:val>
-                                            <p:strVal val="#ppt_y"/>
-                                          </p:val>
-                                        </p:tav>
-                                      </p:tavLst>
-                                    </p:anim>
-                                  </p:childTnLst>
-                                </p:cTn>
-                              </p:par>
-                            </p:childTnLst>
-                          </p:cTn>
-                        </p:par>
-                      </p:childTnLst>
-                    </p:cTn>
-                  </p:par>
-                  <p:par>
-                    <p:cTn id="10" fill="hold">
-                      <p:stCondLst>
-                        <p:cond delay="indefinite"/>
-                      </p:stCondLst>
-                      <p:childTnLst>
-                        <p:par>
-                          <p:cTn id="11" fill="hold">
-                            <p:stCondLst>
-                              <p:cond delay="0"/>
-                            </p:stCondLst>
-                            <p:childTnLst>
-                              <p:par>
-                                <p:cTn id="12" presetID="42" presetClass="entr" presetSubtype="0" fill="hold" grpId="0" nodeType="clickEffect">
-                                  <p:stCondLst>
-                                    <p:cond delay="0"/>
-                                  </p:stCondLst>
-                                  <p:childTnLst>
-                                    <p:set>
-                                      <p:cBhvr>
-                                        <p:cTn id="13" dur="1" fill="hold">
                                           <p:stCondLst>
                                             <p:cond delay="0"/>
                                           </p:stCondLst>
@@ -8440,17 +8861,9 @@
                                         <p:strVal val="visible"/>
                                       </p:to>
                                     </p:set>
-                                    <p:animEffect transition="in" filter="fade">
-                                      <p:cBhvr>
-                                        <p:cTn id="14" dur="1000"/>
-                                        <p:tgtEl>
-                                          <p:spTgt spid="5"/>
-                                        </p:tgtEl>
-                                      </p:cBhvr>
-                                    </p:animEffect>
                                     <p:anim calcmode="lin" valueType="num">
-                                      <p:cBhvr>
-                                        <p:cTn id="15" dur="1000" fill="hold"/>
+                                      <p:cBhvr additive="base">
+                                        <p:cTn id="7" dur="500" fill="hold"/>
                                         <p:tgtEl>
                                           <p:spTgt spid="5"/>
                                         </p:tgtEl>
@@ -8472,8 +8885,8 @@
                                       </p:tavLst>
                                     </p:anim>
                                     <p:anim calcmode="lin" valueType="num">
-                                      <p:cBhvr>
-                                        <p:cTn id="16" dur="1000" fill="hold"/>
+                                      <p:cBhvr additive="base">
+                                        <p:cTn id="8" dur="500" fill="hold"/>
                                         <p:tgtEl>
                                           <p:spTgt spid="5"/>
                                         </p:tgtEl>
@@ -8484,7 +8897,7 @@
                                       <p:tavLst>
                                         <p:tav tm="0">
                                           <p:val>
-                                            <p:strVal val="#ppt_y+.1"/>
+                                            <p:strVal val="1+#ppt_h/2"/>
                                           </p:val>
                                         </p:tav>
                                         <p:tav tm="100000">
@@ -8494,6 +8907,105 @@
                                         </p:tav>
                                       </p:tavLst>
                                     </p:anim>
+                                  </p:childTnLst>
+                                </p:cTn>
+                              </p:par>
+                            </p:childTnLst>
+                          </p:cTn>
+                        </p:par>
+                      </p:childTnLst>
+                    </p:cTn>
+                  </p:par>
+                  <p:par>
+                    <p:cTn id="9" fill="hold">
+                      <p:stCondLst>
+                        <p:cond delay="indefinite"/>
+                      </p:stCondLst>
+                      <p:childTnLst>
+                        <p:par>
+                          <p:cTn id="10" fill="hold">
+                            <p:stCondLst>
+                              <p:cond delay="0"/>
+                            </p:stCondLst>
+                            <p:childTnLst>
+                              <p:par>
+                                <p:cTn id="11" presetID="53" presetClass="entr" presetSubtype="16" fill="hold" grpId="0" nodeType="clickEffect">
+                                  <p:stCondLst>
+                                    <p:cond delay="0"/>
+                                  </p:stCondLst>
+                                  <p:childTnLst>
+                                    <p:set>
+                                      <p:cBhvr>
+                                        <p:cTn id="12" dur="1" fill="hold">
+                                          <p:stCondLst>
+                                            <p:cond delay="0"/>
+                                          </p:stCondLst>
+                                        </p:cTn>
+                                        <p:tgtEl>
+                                          <p:spTgt spid="4"/>
+                                        </p:tgtEl>
+                                        <p:attrNameLst>
+                                          <p:attrName>style.visibility</p:attrName>
+                                        </p:attrNameLst>
+                                      </p:cBhvr>
+                                      <p:to>
+                                        <p:strVal val="visible"/>
+                                      </p:to>
+                                    </p:set>
+                                    <p:anim calcmode="lin" valueType="num">
+                                      <p:cBhvr>
+                                        <p:cTn id="13" dur="500" fill="hold"/>
+                                        <p:tgtEl>
+                                          <p:spTgt spid="4"/>
+                                        </p:tgtEl>
+                                        <p:attrNameLst>
+                                          <p:attrName>ppt_w</p:attrName>
+                                        </p:attrNameLst>
+                                      </p:cBhvr>
+                                      <p:tavLst>
+                                        <p:tav tm="0">
+                                          <p:val>
+                                            <p:fltVal val="0"/>
+                                          </p:val>
+                                        </p:tav>
+                                        <p:tav tm="100000">
+                                          <p:val>
+                                            <p:strVal val="#ppt_w"/>
+                                          </p:val>
+                                        </p:tav>
+                                      </p:tavLst>
+                                    </p:anim>
+                                    <p:anim calcmode="lin" valueType="num">
+                                      <p:cBhvr>
+                                        <p:cTn id="14" dur="500" fill="hold"/>
+                                        <p:tgtEl>
+                                          <p:spTgt spid="4"/>
+                                        </p:tgtEl>
+                                        <p:attrNameLst>
+                                          <p:attrName>ppt_h</p:attrName>
+                                        </p:attrNameLst>
+                                      </p:cBhvr>
+                                      <p:tavLst>
+                                        <p:tav tm="0">
+                                          <p:val>
+                                            <p:fltVal val="0"/>
+                                          </p:val>
+                                        </p:tav>
+                                        <p:tav tm="100000">
+                                          <p:val>
+                                            <p:strVal val="#ppt_h"/>
+                                          </p:val>
+                                        </p:tav>
+                                      </p:tavLst>
+                                    </p:anim>
+                                    <p:animEffect transition="in" filter="fade">
+                                      <p:cBhvr>
+                                        <p:cTn id="15" dur="500"/>
+                                        <p:tgtEl>
+                                          <p:spTgt spid="4"/>
+                                        </p:tgtEl>
+                                      </p:cBhvr>
+                                    </p:animEffect>
                                   </p:childTnLst>
                                 </p:cTn>
                               </p:par>
@@ -8673,234 +9185,9 @@
   <p:timing>
     <p:tnLst>
       <p:par>
-        <p:cTn id="1" dur="indefinite" restart="never" nodeType="tmRoot">
-          <p:childTnLst>
-            <p:seq concurrent="1" nextAc="seek">
-              <p:cTn id="2" dur="indefinite" nodeType="mainSeq">
-                <p:childTnLst>
-                  <p:par>
-                    <p:cTn id="3" fill="hold">
-                      <p:stCondLst>
-                        <p:cond delay="indefinite"/>
-                      </p:stCondLst>
-                      <p:childTnLst>
-                        <p:par>
-                          <p:cTn id="4" fill="hold">
-                            <p:stCondLst>
-                              <p:cond delay="0"/>
-                            </p:stCondLst>
-                            <p:childTnLst>
-                              <p:par>
-                                <p:cTn id="5" presetID="42" presetClass="entr" presetSubtype="0" fill="hold" grpId="0" nodeType="clickEffect">
-                                  <p:stCondLst>
-                                    <p:cond delay="0"/>
-                                  </p:stCondLst>
-                                  <p:childTnLst>
-                                    <p:set>
-                                      <p:cBhvr>
-                                        <p:cTn id="6" dur="1" fill="hold">
-                                          <p:stCondLst>
-                                            <p:cond delay="0"/>
-                                          </p:stCondLst>
-                                        </p:cTn>
-                                        <p:tgtEl>
-                                          <p:spTgt spid="4"/>
-                                        </p:tgtEl>
-                                        <p:attrNameLst>
-                                          <p:attrName>style.visibility</p:attrName>
-                                        </p:attrNameLst>
-                                      </p:cBhvr>
-                                      <p:to>
-                                        <p:strVal val="visible"/>
-                                      </p:to>
-                                    </p:set>
-                                    <p:animEffect transition="in" filter="fade">
-                                      <p:cBhvr>
-                                        <p:cTn id="7" dur="1000"/>
-                                        <p:tgtEl>
-                                          <p:spTgt spid="4"/>
-                                        </p:tgtEl>
-                                      </p:cBhvr>
-                                    </p:animEffect>
-                                    <p:anim calcmode="lin" valueType="num">
-                                      <p:cBhvr>
-                                        <p:cTn id="8" dur="1000" fill="hold"/>
-                                        <p:tgtEl>
-                                          <p:spTgt spid="4"/>
-                                        </p:tgtEl>
-                                        <p:attrNameLst>
-                                          <p:attrName>ppt_x</p:attrName>
-                                        </p:attrNameLst>
-                                      </p:cBhvr>
-                                      <p:tavLst>
-                                        <p:tav tm="0">
-                                          <p:val>
-                                            <p:strVal val="#ppt_x"/>
-                                          </p:val>
-                                        </p:tav>
-                                        <p:tav tm="100000">
-                                          <p:val>
-                                            <p:strVal val="#ppt_x"/>
-                                          </p:val>
-                                        </p:tav>
-                                      </p:tavLst>
-                                    </p:anim>
-                                    <p:anim calcmode="lin" valueType="num">
-                                      <p:cBhvr>
-                                        <p:cTn id="9" dur="1000" fill="hold"/>
-                                        <p:tgtEl>
-                                          <p:spTgt spid="4"/>
-                                        </p:tgtEl>
-                                        <p:attrNameLst>
-                                          <p:attrName>ppt_y</p:attrName>
-                                        </p:attrNameLst>
-                                      </p:cBhvr>
-                                      <p:tavLst>
-                                        <p:tav tm="0">
-                                          <p:val>
-                                            <p:strVal val="#ppt_y+.1"/>
-                                          </p:val>
-                                        </p:tav>
-                                        <p:tav tm="100000">
-                                          <p:val>
-                                            <p:strVal val="#ppt_y"/>
-                                          </p:val>
-                                        </p:tav>
-                                      </p:tavLst>
-                                    </p:anim>
-                                  </p:childTnLst>
-                                </p:cTn>
-                              </p:par>
-                            </p:childTnLst>
-                          </p:cTn>
-                        </p:par>
-                      </p:childTnLst>
-                    </p:cTn>
-                  </p:par>
-                  <p:par>
-                    <p:cTn id="10" fill="hold">
-                      <p:stCondLst>
-                        <p:cond delay="indefinite"/>
-                      </p:stCondLst>
-                      <p:childTnLst>
-                        <p:par>
-                          <p:cTn id="11" fill="hold">
-                            <p:stCondLst>
-                              <p:cond delay="0"/>
-                            </p:stCondLst>
-                            <p:childTnLst>
-                              <p:par>
-                                <p:cTn id="12" presetID="42" presetClass="entr" presetSubtype="0" fill="hold" grpId="0" nodeType="clickEffect">
-                                  <p:stCondLst>
-                                    <p:cond delay="0"/>
-                                  </p:stCondLst>
-                                  <p:childTnLst>
-                                    <p:set>
-                                      <p:cBhvr>
-                                        <p:cTn id="13" dur="1" fill="hold">
-                                          <p:stCondLst>
-                                            <p:cond delay="0"/>
-                                          </p:stCondLst>
-                                        </p:cTn>
-                                        <p:tgtEl>
-                                          <p:spTgt spid="5"/>
-                                        </p:tgtEl>
-                                        <p:attrNameLst>
-                                          <p:attrName>style.visibility</p:attrName>
-                                        </p:attrNameLst>
-                                      </p:cBhvr>
-                                      <p:to>
-                                        <p:strVal val="visible"/>
-                                      </p:to>
-                                    </p:set>
-                                    <p:animEffect transition="in" filter="fade">
-                                      <p:cBhvr>
-                                        <p:cTn id="14" dur="1000"/>
-                                        <p:tgtEl>
-                                          <p:spTgt spid="5"/>
-                                        </p:tgtEl>
-                                      </p:cBhvr>
-                                    </p:animEffect>
-                                    <p:anim calcmode="lin" valueType="num">
-                                      <p:cBhvr>
-                                        <p:cTn id="15" dur="1000" fill="hold"/>
-                                        <p:tgtEl>
-                                          <p:spTgt spid="5"/>
-                                        </p:tgtEl>
-                                        <p:attrNameLst>
-                                          <p:attrName>ppt_x</p:attrName>
-                                        </p:attrNameLst>
-                                      </p:cBhvr>
-                                      <p:tavLst>
-                                        <p:tav tm="0">
-                                          <p:val>
-                                            <p:strVal val="#ppt_x"/>
-                                          </p:val>
-                                        </p:tav>
-                                        <p:tav tm="100000">
-                                          <p:val>
-                                            <p:strVal val="#ppt_x"/>
-                                          </p:val>
-                                        </p:tav>
-                                      </p:tavLst>
-                                    </p:anim>
-                                    <p:anim calcmode="lin" valueType="num">
-                                      <p:cBhvr>
-                                        <p:cTn id="16" dur="1000" fill="hold"/>
-                                        <p:tgtEl>
-                                          <p:spTgt spid="5"/>
-                                        </p:tgtEl>
-                                        <p:attrNameLst>
-                                          <p:attrName>ppt_y</p:attrName>
-                                        </p:attrNameLst>
-                                      </p:cBhvr>
-                                      <p:tavLst>
-                                        <p:tav tm="0">
-                                          <p:val>
-                                            <p:strVal val="#ppt_y+.1"/>
-                                          </p:val>
-                                        </p:tav>
-                                        <p:tav tm="100000">
-                                          <p:val>
-                                            <p:strVal val="#ppt_y"/>
-                                          </p:val>
-                                        </p:tav>
-                                      </p:tavLst>
-                                    </p:anim>
-                                  </p:childTnLst>
-                                </p:cTn>
-                              </p:par>
-                            </p:childTnLst>
-                          </p:cTn>
-                        </p:par>
-                      </p:childTnLst>
-                    </p:cTn>
-                  </p:par>
-                </p:childTnLst>
-              </p:cTn>
-              <p:prevCondLst>
-                <p:cond evt="onPrev" delay="0">
-                  <p:tgtEl>
-                    <p:sldTgt/>
-                  </p:tgtEl>
-                </p:cond>
-              </p:prevCondLst>
-              <p:nextCondLst>
-                <p:cond evt="onNext" delay="0">
-                  <p:tgtEl>
-                    <p:sldTgt/>
-                  </p:tgtEl>
-                </p:cond>
-              </p:nextCondLst>
-            </p:seq>
-          </p:childTnLst>
-        </p:cTn>
+        <p:cTn id="1" dur="indefinite" restart="never" nodeType="tmRoot"/>
       </p:par>
     </p:tnLst>
-    <p:bldLst>
-      <p:bldP spid="4" grpId="0"/>
-      <p:bldP spid="5" grpId="0"/>
-    </p:bldLst>
   </p:timing>
 </p:sld>
 </file>

--- a/Gestão Pet Shop.pptx
+++ b/Gestão Pet Shop.pptx
@@ -11,7 +11,8 @@
     <p:sldId id="259" r:id="rId5"/>
     <p:sldId id="260" r:id="rId6"/>
     <p:sldId id="261" r:id="rId7"/>
-    <p:sldId id="262" r:id="rId8"/>
+    <p:sldId id="263" r:id="rId8"/>
+    <p:sldId id="262" r:id="rId9"/>
   </p:sldIdLst>
   <p:sldSz cx="12192000" cy="6858000"/>
   <p:notesSz cx="6858000" cy="9144000"/>
@@ -8021,11 +8022,7 @@
             </a:r>
             <a:r>
               <a:rPr lang="pt-BR" sz="3200" dirty="0"/>
-              <a:t>, que possibilitará a empresa cadastrar </a:t>
-            </a:r>
-            <a:r>
-              <a:rPr lang="pt-BR" sz="3200" dirty="0"/>
-              <a:t>f</a:t>
+              <a:t>, que possibilitará a empresa cadastrar f</a:t>
             </a:r>
             <a:r>
               <a:rPr lang="pt-BR" sz="3200" dirty="0" smtClean="0"/>
@@ -8727,7 +8724,11 @@
             </a:r>
             <a:r>
               <a:rPr lang="pt-BR" sz="3200" dirty="0" smtClean="0"/>
-              <a:t>fácil o seu  manuseio, </a:t>
+              <a:t>fácil </a:t>
+            </a:r>
+            <a:r>
+              <a:rPr lang="pt-BR" sz="3200" dirty="0" smtClean="0"/>
+              <a:t>de manusear, </a:t>
             </a:r>
             <a:r>
               <a:rPr lang="pt-BR" sz="3200" dirty="0"/>
@@ -8735,11 +8736,15 @@
             </a:r>
             <a:r>
               <a:rPr lang="pt-BR" sz="3200" dirty="0" smtClean="0"/>
-              <a:t>habituar facilmente</a:t>
+              <a:t>adaptar</a:t>
             </a:r>
             <a:r>
               <a:rPr lang="pt-BR" sz="3200" dirty="0" smtClean="0"/>
-              <a:t>.</a:t>
+              <a:t> </a:t>
+            </a:r>
+            <a:r>
+              <a:rPr lang="pt-BR" sz="3200" dirty="0" smtClean="0"/>
+              <a:t>facilmente.</a:t>
             </a:r>
             <a:endParaRPr lang="pt-BR" sz="3200" dirty="0"/>
           </a:p>
@@ -9069,8 +9074,8 @@
         </p:nvSpPr>
         <p:spPr>
           <a:xfrm>
-            <a:off x="172278" y="2444185"/>
-            <a:ext cx="11856590" cy="3046988"/>
+            <a:off x="106963" y="2444185"/>
+            <a:ext cx="11856590" cy="1569660"/>
           </a:xfrm>
           <a:prstGeom prst="rect">
             <a:avLst/>
@@ -9083,6 +9088,234 @@
           </a:bodyPr>
           <a:lstStyle/>
           <a:p>
+            <a:pPr algn="ctr"/>
+            <a:r>
+              <a:rPr lang="pt-BR" sz="4800" dirty="0" smtClean="0"/>
+              <a:t>	</a:t>
+            </a:r>
+            <a:r>
+              <a:rPr lang="pt-BR" sz="4800" dirty="0" smtClean="0"/>
+              <a:t>Vamos conhecer um pouco do sistema!</a:t>
+            </a:r>
+            <a:endParaRPr lang="pt-BR" sz="4800" dirty="0"/>
+          </a:p>
+        </p:txBody>
+      </p:sp>
+      <p:pic>
+        <p:nvPicPr>
+          <p:cNvPr id="6" name="Imagem 5"/>
+          <p:cNvPicPr>
+            <a:picLocks noChangeAspect="1"/>
+          </p:cNvPicPr>
+          <p:nvPr/>
+        </p:nvPicPr>
+        <p:blipFill>
+          <a:blip r:embed="rId2">
+            <a:biLevel thresh="25000"/>
+            <a:extLst>
+              <a:ext uri="{28A0092B-C50C-407E-A947-70E740481C1C}">
+                <a14:useLocalDpi xmlns:a14="http://schemas.microsoft.com/office/drawing/2010/main" val="0"/>
+              </a:ext>
+            </a:extLst>
+          </a:blip>
+          <a:stretch>
+            <a:fillRect/>
+          </a:stretch>
+        </p:blipFill>
+        <p:spPr>
+          <a:xfrm>
+            <a:off x="9746090" y="5953870"/>
+            <a:ext cx="2282778" cy="728424"/>
+          </a:xfrm>
+          <a:prstGeom prst="rect">
+            <a:avLst/>
+          </a:prstGeom>
+        </p:spPr>
+      </p:pic>
+    </p:spTree>
+    <p:extLst>
+      <p:ext uri="{BB962C8B-B14F-4D97-AF65-F5344CB8AC3E}">
+        <p14:creationId xmlns:p14="http://schemas.microsoft.com/office/powerpoint/2010/main" val="391849733"/>
+      </p:ext>
+    </p:extLst>
+  </p:cSld>
+  <p:clrMapOvr>
+    <a:masterClrMapping/>
+  </p:clrMapOvr>
+  <p:timing>
+    <p:tnLst>
+      <p:par>
+        <p:cTn id="1" dur="indefinite" restart="never" nodeType="tmRoot">
+          <p:childTnLst>
+            <p:seq concurrent="1" nextAc="seek">
+              <p:cTn id="2" dur="indefinite" nodeType="mainSeq">
+                <p:childTnLst>
+                  <p:par>
+                    <p:cTn id="3" fill="hold">
+                      <p:stCondLst>
+                        <p:cond delay="indefinite"/>
+                      </p:stCondLst>
+                      <p:childTnLst>
+                        <p:par>
+                          <p:cTn id="4" fill="hold">
+                            <p:stCondLst>
+                              <p:cond delay="0"/>
+                            </p:stCondLst>
+                            <p:childTnLst>
+                              <p:par>
+                                <p:cTn id="5" presetID="53" presetClass="entr" presetSubtype="16" fill="hold" grpId="0" nodeType="clickEffect">
+                                  <p:stCondLst>
+                                    <p:cond delay="0"/>
+                                  </p:stCondLst>
+                                  <p:childTnLst>
+                                    <p:set>
+                                      <p:cBhvr>
+                                        <p:cTn id="6" dur="1" fill="hold">
+                                          <p:stCondLst>
+                                            <p:cond delay="0"/>
+                                          </p:stCondLst>
+                                        </p:cTn>
+                                        <p:tgtEl>
+                                          <p:spTgt spid="4"/>
+                                        </p:tgtEl>
+                                        <p:attrNameLst>
+                                          <p:attrName>style.visibility</p:attrName>
+                                        </p:attrNameLst>
+                                      </p:cBhvr>
+                                      <p:to>
+                                        <p:strVal val="visible"/>
+                                      </p:to>
+                                    </p:set>
+                                    <p:anim calcmode="lin" valueType="num">
+                                      <p:cBhvr>
+                                        <p:cTn id="7" dur="500" fill="hold"/>
+                                        <p:tgtEl>
+                                          <p:spTgt spid="4"/>
+                                        </p:tgtEl>
+                                        <p:attrNameLst>
+                                          <p:attrName>ppt_w</p:attrName>
+                                        </p:attrNameLst>
+                                      </p:cBhvr>
+                                      <p:tavLst>
+                                        <p:tav tm="0">
+                                          <p:val>
+                                            <p:fltVal val="0"/>
+                                          </p:val>
+                                        </p:tav>
+                                        <p:tav tm="100000">
+                                          <p:val>
+                                            <p:strVal val="#ppt_w"/>
+                                          </p:val>
+                                        </p:tav>
+                                      </p:tavLst>
+                                    </p:anim>
+                                    <p:anim calcmode="lin" valueType="num">
+                                      <p:cBhvr>
+                                        <p:cTn id="8" dur="500" fill="hold"/>
+                                        <p:tgtEl>
+                                          <p:spTgt spid="4"/>
+                                        </p:tgtEl>
+                                        <p:attrNameLst>
+                                          <p:attrName>ppt_h</p:attrName>
+                                        </p:attrNameLst>
+                                      </p:cBhvr>
+                                      <p:tavLst>
+                                        <p:tav tm="0">
+                                          <p:val>
+                                            <p:fltVal val="0"/>
+                                          </p:val>
+                                        </p:tav>
+                                        <p:tav tm="100000">
+                                          <p:val>
+                                            <p:strVal val="#ppt_h"/>
+                                          </p:val>
+                                        </p:tav>
+                                      </p:tavLst>
+                                    </p:anim>
+                                    <p:animEffect transition="in" filter="fade">
+                                      <p:cBhvr>
+                                        <p:cTn id="9" dur="500"/>
+                                        <p:tgtEl>
+                                          <p:spTgt spid="4"/>
+                                        </p:tgtEl>
+                                      </p:cBhvr>
+                                    </p:animEffect>
+                                  </p:childTnLst>
+                                </p:cTn>
+                              </p:par>
+                            </p:childTnLst>
+                          </p:cTn>
+                        </p:par>
+                      </p:childTnLst>
+                    </p:cTn>
+                  </p:par>
+                </p:childTnLst>
+              </p:cTn>
+              <p:prevCondLst>
+                <p:cond evt="onPrev" delay="0">
+                  <p:tgtEl>
+                    <p:sldTgt/>
+                  </p:tgtEl>
+                </p:cond>
+              </p:prevCondLst>
+              <p:nextCondLst>
+                <p:cond evt="onNext" delay="0">
+                  <p:tgtEl>
+                    <p:sldTgt/>
+                  </p:tgtEl>
+                </p:cond>
+              </p:nextCondLst>
+            </p:seq>
+          </p:childTnLst>
+        </p:cTn>
+      </p:par>
+    </p:tnLst>
+    <p:bldLst>
+      <p:bldP spid="4" grpId="0"/>
+    </p:bldLst>
+  </p:timing>
+</p:sld>
+</file>
+
+<file path=ppt/slides/slide8.xml><?xml version="1.0" encoding="utf-8"?>
+<p:sld xmlns:a="http://schemas.openxmlformats.org/drawingml/2006/main" xmlns:r="http://schemas.openxmlformats.org/officeDocument/2006/relationships" xmlns:p="http://schemas.openxmlformats.org/presentationml/2006/main">
+  <p:cSld>
+    <p:spTree>
+      <p:nvGrpSpPr>
+        <p:cNvPr id="1" name=""/>
+        <p:cNvGrpSpPr/>
+        <p:nvPr/>
+      </p:nvGrpSpPr>
+      <p:grpSpPr>
+        <a:xfrm>
+          <a:off x="0" y="0"/>
+          <a:ext cx="0" cy="0"/>
+          <a:chOff x="0" y="0"/>
+          <a:chExt cx="0" cy="0"/>
+        </a:xfrm>
+      </p:grpSpPr>
+      <p:sp>
+        <p:nvSpPr>
+          <p:cNvPr id="4" name="CaixaDeTexto 3"/>
+          <p:cNvSpPr txBox="1"/>
+          <p:nvPr/>
+        </p:nvSpPr>
+        <p:spPr>
+          <a:xfrm>
+            <a:off x="172278" y="2444185"/>
+            <a:ext cx="11856590" cy="3046988"/>
+          </a:xfrm>
+          <a:prstGeom prst="rect">
+            <a:avLst/>
+          </a:prstGeom>
+          <a:noFill/>
+        </p:spPr>
+        <p:txBody>
+          <a:bodyPr wrap="square" rtlCol="0">
+            <a:spAutoFit/>
+          </a:bodyPr>
+          <a:lstStyle/>
+          <a:p>
             <a:pPr algn="just"/>
             <a:r>
               <a:rPr lang="pt-BR" sz="3200" dirty="0" smtClean="0"/>
@@ -9090,12 +9323,13 @@
             </a:r>
             <a:r>
               <a:rPr lang="pt-BR" sz="3200" dirty="0"/>
-              <a:t>Essa é a nossa proposta inicial para entrarmos nesse nicho e podemos aproveitar esse mercado que tem crescido nos últimos anos, oferecendo um produto que possa auxiliar as empresas em seu crescimento</a:t>
+              <a:t>Essa é a nossa proposta inicial para entrarmos nesse nicho e podemos aproveitar esse mercado que tem crescido nos últimos anos, oferecendo um produto que possa auxiliar as empresas em seu </a:t>
             </a:r>
             <a:r>
               <a:rPr lang="pt-BR" sz="3200" dirty="0" smtClean="0"/>
-              <a:t>.</a:t>
-            </a:r>
+              <a:t>desenvolvimento.</a:t>
+            </a:r>
+            <a:endParaRPr lang="pt-BR" sz="3200" dirty="0" smtClean="0"/>
           </a:p>
           <a:p>
             <a:pPr algn="just"/>
